--- a/Github-Projeto.pptx
+++ b/Github-Projeto.pptx
@@ -133,6 +133,11 @@
       </a:defRPr>
     </a:lvl9pPr>
   </p:defaultTextStyle>
+  <p:extLst>
+    <p:ext uri="{EFAFB233-063F-42B5-8137-9DF3F51BA10A}">
+      <p15:sldGuideLst xmlns:p15="http://schemas.microsoft.com/office/powerpoint/2012/main"/>
+    </p:ext>
+  </p:extLst>
 </p:presentation>
 </file>
 
@@ -327,7 +332,7 @@
           <a:p>
             <a:fld id="{83F8DCA6-B011-4A2D-BE0B-D64DF0F8DDF0}" type="datetimeFigureOut">
               <a:rPr lang="pt-BR" smtClean="0"/>
-              <a:t>15/03/2017</a:t>
+              <a:t>16/03/2017</a:t>
             </a:fld>
             <a:endParaRPr lang="pt-BR"/>
           </a:p>
@@ -689,7 +694,7 @@
           <a:p>
             <a:fld id="{83F8DCA6-B011-4A2D-BE0B-D64DF0F8DDF0}" type="datetimeFigureOut">
               <a:rPr lang="pt-BR" smtClean="0"/>
-              <a:t>15/03/2017</a:t>
+              <a:t>16/03/2017</a:t>
             </a:fld>
             <a:endParaRPr lang="pt-BR"/>
           </a:p>
@@ -1102,7 +1107,7 @@
           <a:p>
             <a:fld id="{83F8DCA6-B011-4A2D-BE0B-D64DF0F8DDF0}" type="datetimeFigureOut">
               <a:rPr lang="pt-BR" smtClean="0"/>
-              <a:t>15/03/2017</a:t>
+              <a:t>16/03/2017</a:t>
             </a:fld>
             <a:endParaRPr lang="pt-BR"/>
           </a:p>
@@ -1669,7 +1674,18 @@
           <a:p>
             <a:r>
               <a:rPr lang="pt-BR" dirty="0" smtClean="0"/>
-              <a:t>Vitor Eduardo Teixeira Pontes</a:t>
+              <a:t>Vitor </a:t>
+            </a:r>
+            <a:r>
+              <a:rPr lang="pt-BR" dirty="0" smtClean="0">
+                <a:latin typeface="Arial" panose="020B0604020202020204" pitchFamily="34" charset="0"/>
+                <a:cs typeface="Arial" panose="020B0604020202020204" pitchFamily="34" charset="0"/>
+              </a:rPr>
+              <a:t>Eduardo</a:t>
+            </a:r>
+            <a:r>
+              <a:rPr lang="pt-BR" dirty="0" smtClean="0"/>
+              <a:t> Teixeira Pontes</a:t>
             </a:r>
             <a:endParaRPr lang="pt-BR" dirty="0"/>
           </a:p>
@@ -1754,7 +1770,7 @@
         </p:nvSpPr>
         <p:spPr>
           <a:xfrm>
-            <a:off x="684212" y="563671"/>
+            <a:off x="684212" y="1027134"/>
             <a:ext cx="8534400" cy="5049729"/>
           </a:xfrm>
         </p:spPr>
@@ -1765,60 +1781,174 @@
           <a:lstStyle/>
           <a:p>
             <a:r>
-              <a:rPr lang="en-US" sz="1400" dirty="0"/>
-              <a:t>where such changes and/or additions to the Program originate from and are</a:t>
-            </a:r>
-          </a:p>
-          <a:p>
-            <a:r>
-              <a:rPr lang="en-US" sz="1400" dirty="0"/>
-              <a:t>   distributed by that particular Contributor. A Contribution 'originates'</a:t>
-            </a:r>
-          </a:p>
-          <a:p>
-            <a:r>
-              <a:rPr lang="en-US" sz="1400" dirty="0"/>
-              <a:t>   from a Contributor if it was added to the Program by such Contributor</a:t>
-            </a:r>
-          </a:p>
-          <a:p>
-            <a:r>
-              <a:rPr lang="en-US" sz="1400" dirty="0"/>
-              <a:t>   itself or anyone acting on such Contributor's behalf. Contributions do not</a:t>
-            </a:r>
-          </a:p>
-          <a:p>
-            <a:r>
-              <a:rPr lang="en-US" sz="1400" dirty="0"/>
-              <a:t>   include additions to the Program which: (</a:t>
-            </a:r>
-            <a:r>
-              <a:rPr lang="en-US" sz="1400" dirty="0" err="1"/>
+              <a:rPr lang="en-US" sz="1400" dirty="0">
+                <a:latin typeface="Arial" panose="020B0604020202020204" pitchFamily="34" charset="0"/>
+                <a:cs typeface="Arial" panose="020B0604020202020204" pitchFamily="34" charset="0"/>
+              </a:rPr>
+              <a:t>W</a:t>
+            </a:r>
+            <a:r>
+              <a:rPr lang="en-US" sz="1400" dirty="0" smtClean="0">
+                <a:latin typeface="Arial" panose="020B0604020202020204" pitchFamily="34" charset="0"/>
+                <a:cs typeface="Arial" panose="020B0604020202020204" pitchFamily="34" charset="0"/>
+              </a:rPr>
+              <a:t>here </a:t>
+            </a:r>
+            <a:r>
+              <a:rPr lang="en-US" sz="1400" dirty="0">
+                <a:latin typeface="Arial" panose="020B0604020202020204" pitchFamily="34" charset="0"/>
+                <a:cs typeface="Arial" panose="020B0604020202020204" pitchFamily="34" charset="0"/>
+              </a:rPr>
+              <a:t>such changes and/or additions to the Program originate from and are</a:t>
+            </a:r>
+          </a:p>
+          <a:p>
+            <a:pPr marL="0" indent="0">
+              <a:buNone/>
+            </a:pPr>
+            <a:r>
+              <a:rPr lang="en-US" sz="1400" dirty="0" smtClean="0">
+                <a:latin typeface="Arial" panose="020B0604020202020204" pitchFamily="34" charset="0"/>
+                <a:cs typeface="Arial" panose="020B0604020202020204" pitchFamily="34" charset="0"/>
+              </a:rPr>
+              <a:t>      distributed </a:t>
+            </a:r>
+            <a:r>
+              <a:rPr lang="en-US" sz="1400" dirty="0">
+                <a:latin typeface="Arial" panose="020B0604020202020204" pitchFamily="34" charset="0"/>
+                <a:cs typeface="Arial" panose="020B0604020202020204" pitchFamily="34" charset="0"/>
+              </a:rPr>
+              <a:t>by that particular Contributor. A Contribution 'originates'</a:t>
+            </a:r>
+          </a:p>
+          <a:p>
+            <a:pPr marL="0" indent="0">
+              <a:buNone/>
+            </a:pPr>
+            <a:r>
+              <a:rPr lang="en-US" sz="1400" dirty="0" smtClean="0">
+                <a:latin typeface="Arial" panose="020B0604020202020204" pitchFamily="34" charset="0"/>
+                <a:cs typeface="Arial" panose="020B0604020202020204" pitchFamily="34" charset="0"/>
+              </a:rPr>
+              <a:t>      from </a:t>
+            </a:r>
+            <a:r>
+              <a:rPr lang="en-US" sz="1400" dirty="0">
+                <a:latin typeface="Arial" panose="020B0604020202020204" pitchFamily="34" charset="0"/>
+                <a:cs typeface="Arial" panose="020B0604020202020204" pitchFamily="34" charset="0"/>
+              </a:rPr>
+              <a:t>a Contributor if it was added to the Program by such Contributor</a:t>
+            </a:r>
+          </a:p>
+          <a:p>
+            <a:pPr marL="0" indent="0">
+              <a:buNone/>
+            </a:pPr>
+            <a:r>
+              <a:rPr lang="en-US" sz="1400" dirty="0" smtClean="0">
+                <a:latin typeface="Arial" panose="020B0604020202020204" pitchFamily="34" charset="0"/>
+                <a:cs typeface="Arial" panose="020B0604020202020204" pitchFamily="34" charset="0"/>
+              </a:rPr>
+              <a:t>      itself </a:t>
+            </a:r>
+            <a:r>
+              <a:rPr lang="en-US" sz="1400" dirty="0">
+                <a:latin typeface="Arial" panose="020B0604020202020204" pitchFamily="34" charset="0"/>
+                <a:cs typeface="Arial" panose="020B0604020202020204" pitchFamily="34" charset="0"/>
+              </a:rPr>
+              <a:t>or anyone acting on such Contributor's behalf. Contributions do not</a:t>
+            </a:r>
+          </a:p>
+          <a:p>
+            <a:pPr marL="0" indent="0">
+              <a:buNone/>
+            </a:pPr>
+            <a:r>
+              <a:rPr lang="en-US" sz="1400" dirty="0">
+                <a:latin typeface="Arial" panose="020B0604020202020204" pitchFamily="34" charset="0"/>
+                <a:cs typeface="Arial" panose="020B0604020202020204" pitchFamily="34" charset="0"/>
+              </a:rPr>
+              <a:t>     </a:t>
+            </a:r>
+            <a:r>
+              <a:rPr lang="en-US" sz="1400" dirty="0" smtClean="0">
+                <a:latin typeface="Arial" panose="020B0604020202020204" pitchFamily="34" charset="0"/>
+                <a:cs typeface="Arial" panose="020B0604020202020204" pitchFamily="34" charset="0"/>
+              </a:rPr>
+              <a:t> include </a:t>
+            </a:r>
+            <a:r>
+              <a:rPr lang="en-US" sz="1400" dirty="0">
+                <a:latin typeface="Arial" panose="020B0604020202020204" pitchFamily="34" charset="0"/>
+                <a:cs typeface="Arial" panose="020B0604020202020204" pitchFamily="34" charset="0"/>
+              </a:rPr>
+              <a:t>additions to the Program which: (</a:t>
+            </a:r>
+            <a:r>
+              <a:rPr lang="en-US" sz="1400" dirty="0" err="1">
+                <a:latin typeface="Arial" panose="020B0604020202020204" pitchFamily="34" charset="0"/>
+                <a:cs typeface="Arial" panose="020B0604020202020204" pitchFamily="34" charset="0"/>
+              </a:rPr>
               <a:t>i</a:t>
             </a:r>
             <a:r>
-              <a:rPr lang="en-US" sz="1400" dirty="0"/>
+              <a:rPr lang="en-US" sz="1400" dirty="0">
+                <a:latin typeface="Arial" panose="020B0604020202020204" pitchFamily="34" charset="0"/>
+                <a:cs typeface="Arial" panose="020B0604020202020204" pitchFamily="34" charset="0"/>
+              </a:rPr>
               <a:t>) are separate modules of</a:t>
             </a:r>
           </a:p>
           <a:p>
-            <a:r>
-              <a:rPr lang="en-US" sz="1400" dirty="0"/>
-              <a:t>   software distributed in conjunction with the Program under their own</a:t>
-            </a:r>
-          </a:p>
-          <a:p>
-            <a:r>
-              <a:rPr lang="en-US" sz="1400" dirty="0"/>
-              <a:t>   license agreement, and (ii) are not derivative works of the Program.</a:t>
-            </a:r>
-          </a:p>
-          <a:p>
-            <a:endParaRPr lang="en-US" sz="1400" dirty="0"/>
-          </a:p>
-          <a:p>
-            <a:r>
-              <a:rPr lang="en-US" sz="1400" dirty="0"/>
+            <a:pPr marL="0" indent="0">
+              <a:buNone/>
+            </a:pPr>
+            <a:r>
+              <a:rPr lang="en-US" sz="1400" dirty="0" smtClean="0">
+                <a:latin typeface="Arial" panose="020B0604020202020204" pitchFamily="34" charset="0"/>
+                <a:cs typeface="Arial" panose="020B0604020202020204" pitchFamily="34" charset="0"/>
+              </a:rPr>
+              <a:t>      software </a:t>
+            </a:r>
+            <a:r>
+              <a:rPr lang="en-US" sz="1400" dirty="0">
+                <a:latin typeface="Arial" panose="020B0604020202020204" pitchFamily="34" charset="0"/>
+                <a:cs typeface="Arial" panose="020B0604020202020204" pitchFamily="34" charset="0"/>
+              </a:rPr>
+              <a:t>distributed in conjunction with the Program under their own</a:t>
+            </a:r>
+          </a:p>
+          <a:p>
+            <a:pPr marL="0" indent="0">
+              <a:buNone/>
+            </a:pPr>
+            <a:r>
+              <a:rPr lang="en-US" sz="1400" dirty="0" smtClean="0">
+                <a:latin typeface="Arial" panose="020B0604020202020204" pitchFamily="34" charset="0"/>
+                <a:cs typeface="Arial" panose="020B0604020202020204" pitchFamily="34" charset="0"/>
+              </a:rPr>
+              <a:t>      license </a:t>
+            </a:r>
+            <a:r>
+              <a:rPr lang="en-US" sz="1400" dirty="0">
+                <a:latin typeface="Arial" panose="020B0604020202020204" pitchFamily="34" charset="0"/>
+                <a:cs typeface="Arial" panose="020B0604020202020204" pitchFamily="34" charset="0"/>
+              </a:rPr>
+              <a:t>agreement, and (ii) are not derivative works of the Program.</a:t>
+            </a:r>
+          </a:p>
+          <a:p>
+            <a:endParaRPr lang="en-US" sz="1400" dirty="0">
+              <a:latin typeface="Arial" panose="020B0604020202020204" pitchFamily="34" charset="0"/>
+              <a:cs typeface="Arial" panose="020B0604020202020204" pitchFamily="34" charset="0"/>
+            </a:endParaRPr>
+          </a:p>
+          <a:p>
+            <a:r>
+              <a:rPr lang="en-US" sz="1400" dirty="0">
+                <a:latin typeface="Arial" panose="020B0604020202020204" pitchFamily="34" charset="0"/>
+                <a:cs typeface="Arial" panose="020B0604020202020204" pitchFamily="34" charset="0"/>
+              </a:rPr>
               <a:t>"Contributor" means any person or entity that distributes the Program.</a:t>
             </a:r>
           </a:p>
@@ -1885,50 +2015,123 @@
           <a:lstStyle/>
           <a:p>
             <a:r>
-              <a:rPr lang="en-US" sz="1400" dirty="0"/>
-              <a:t>"Licensed Patents" mean patent claims licensable by a Contributor which are</a:t>
-            </a:r>
-          </a:p>
-          <a:p>
-            <a:r>
-              <a:rPr lang="en-US" sz="1400" dirty="0"/>
-              <a:t>necessarily infringed by the use or sale of its Contribution alone or when</a:t>
-            </a:r>
-          </a:p>
-          <a:p>
-            <a:r>
-              <a:rPr lang="en-US" sz="1400" dirty="0"/>
-              <a:t>combined with the Program.</a:t>
-            </a:r>
-          </a:p>
-          <a:p>
-            <a:endParaRPr lang="en-US" sz="1400" dirty="0"/>
-          </a:p>
-          <a:p>
-            <a:r>
-              <a:rPr lang="en-US" sz="1400" dirty="0"/>
-              <a:t>"Program" means the Contributions distributed in accordance with this</a:t>
-            </a:r>
-          </a:p>
-          <a:p>
-            <a:r>
-              <a:rPr lang="en-US" sz="1400" dirty="0"/>
-              <a:t>Agreement.</a:t>
-            </a:r>
-          </a:p>
-          <a:p>
-            <a:endParaRPr lang="en-US" sz="1400" dirty="0"/>
-          </a:p>
-          <a:p>
-            <a:r>
-              <a:rPr lang="en-US" sz="1400" dirty="0"/>
-              <a:t>"Recipient" means anyone who receives the Program under this Agreement,</a:t>
-            </a:r>
-          </a:p>
-          <a:p>
-            <a:r>
-              <a:rPr lang="en-US" sz="1400" dirty="0"/>
-              <a:t>including all Contributors.</a:t>
+              <a:rPr lang="en-US" sz="1400" dirty="0">
+                <a:latin typeface="Arial" panose="020B0604020202020204" pitchFamily="34" charset="0"/>
+                <a:cs typeface="Arial" panose="020B0604020202020204" pitchFamily="34" charset="0"/>
+              </a:rPr>
+              <a:t>"Licensed Patents" mean patent claims licensable by a Contributor which </a:t>
+            </a:r>
+            <a:r>
+              <a:rPr lang="en-US" sz="1400" dirty="0" smtClean="0">
+                <a:latin typeface="Arial" panose="020B0604020202020204" pitchFamily="34" charset="0"/>
+                <a:cs typeface="Arial" panose="020B0604020202020204" pitchFamily="34" charset="0"/>
+              </a:rPr>
+              <a:t>are</a:t>
+            </a:r>
+          </a:p>
+          <a:p>
+            <a:pPr marL="0" indent="0">
+              <a:buNone/>
+            </a:pPr>
+            <a:r>
+              <a:rPr lang="en-US" sz="1400" dirty="0">
+                <a:latin typeface="Arial" panose="020B0604020202020204" pitchFamily="34" charset="0"/>
+                <a:cs typeface="Arial" panose="020B0604020202020204" pitchFamily="34" charset="0"/>
+              </a:rPr>
+              <a:t> </a:t>
+            </a:r>
+            <a:r>
+              <a:rPr lang="en-US" sz="1400" dirty="0" smtClean="0">
+                <a:latin typeface="Arial" panose="020B0604020202020204" pitchFamily="34" charset="0"/>
+                <a:cs typeface="Arial" panose="020B0604020202020204" pitchFamily="34" charset="0"/>
+              </a:rPr>
+              <a:t>      </a:t>
+            </a:r>
+            <a:r>
+              <a:rPr lang="en-US" sz="1400" dirty="0" smtClean="0">
+                <a:latin typeface="Arial" panose="020B0604020202020204" pitchFamily="34" charset="0"/>
+                <a:cs typeface="Arial" panose="020B0604020202020204" pitchFamily="34" charset="0"/>
+              </a:rPr>
+              <a:t>necessarily </a:t>
+            </a:r>
+            <a:r>
+              <a:rPr lang="en-US" sz="1400" dirty="0">
+                <a:latin typeface="Arial" panose="020B0604020202020204" pitchFamily="34" charset="0"/>
+                <a:cs typeface="Arial" panose="020B0604020202020204" pitchFamily="34" charset="0"/>
+              </a:rPr>
+              <a:t>infringed by the use or sale of its Contribution alone or </a:t>
+            </a:r>
+            <a:r>
+              <a:rPr lang="en-US" sz="1400" dirty="0" smtClean="0">
+                <a:latin typeface="Arial" panose="020B0604020202020204" pitchFamily="34" charset="0"/>
+                <a:cs typeface="Arial" panose="020B0604020202020204" pitchFamily="34" charset="0"/>
+              </a:rPr>
+              <a:t>when combined </a:t>
+            </a:r>
+            <a:r>
+              <a:rPr lang="en-US" sz="1400" dirty="0">
+                <a:latin typeface="Arial" panose="020B0604020202020204" pitchFamily="34" charset="0"/>
+                <a:cs typeface="Arial" panose="020B0604020202020204" pitchFamily="34" charset="0"/>
+              </a:rPr>
+              <a:t>with the Program.</a:t>
+            </a:r>
+          </a:p>
+          <a:p>
+            <a:endParaRPr lang="en-US" sz="1400" dirty="0">
+              <a:latin typeface="Arial" panose="020B0604020202020204" pitchFamily="34" charset="0"/>
+              <a:cs typeface="Arial" panose="020B0604020202020204" pitchFamily="34" charset="0"/>
+            </a:endParaRPr>
+          </a:p>
+          <a:p>
+            <a:r>
+              <a:rPr lang="en-US" sz="1400" dirty="0">
+                <a:latin typeface="Arial" panose="020B0604020202020204" pitchFamily="34" charset="0"/>
+                <a:cs typeface="Arial" panose="020B0604020202020204" pitchFamily="34" charset="0"/>
+              </a:rPr>
+              <a:t>"Program" means the Contributions distributed in accordance with </a:t>
+            </a:r>
+            <a:r>
+              <a:rPr lang="en-US" sz="1400" dirty="0" smtClean="0">
+                <a:latin typeface="Arial" panose="020B0604020202020204" pitchFamily="34" charset="0"/>
+                <a:cs typeface="Arial" panose="020B0604020202020204" pitchFamily="34" charset="0"/>
+              </a:rPr>
+              <a:t>this Agreement</a:t>
+            </a:r>
+            <a:r>
+              <a:rPr lang="en-US" sz="1400" dirty="0">
+                <a:latin typeface="Arial" panose="020B0604020202020204" pitchFamily="34" charset="0"/>
+                <a:cs typeface="Arial" panose="020B0604020202020204" pitchFamily="34" charset="0"/>
+              </a:rPr>
+              <a:t>.</a:t>
+            </a:r>
+          </a:p>
+          <a:p>
+            <a:endParaRPr lang="en-US" sz="1400" dirty="0">
+              <a:latin typeface="Arial" panose="020B0604020202020204" pitchFamily="34" charset="0"/>
+              <a:cs typeface="Arial" panose="020B0604020202020204" pitchFamily="34" charset="0"/>
+            </a:endParaRPr>
+          </a:p>
+          <a:p>
+            <a:r>
+              <a:rPr lang="en-US" sz="1400" dirty="0">
+                <a:latin typeface="Arial" panose="020B0604020202020204" pitchFamily="34" charset="0"/>
+                <a:cs typeface="Arial" panose="020B0604020202020204" pitchFamily="34" charset="0"/>
+              </a:rPr>
+              <a:t>"Recipient" means anyone who receives the Program under this </a:t>
+            </a:r>
+            <a:r>
+              <a:rPr lang="en-US" sz="1400" dirty="0" smtClean="0">
+                <a:latin typeface="Arial" panose="020B0604020202020204" pitchFamily="34" charset="0"/>
+                <a:cs typeface="Arial" panose="020B0604020202020204" pitchFamily="34" charset="0"/>
+              </a:rPr>
+              <a:t>Agreement, including </a:t>
+            </a:r>
+            <a:r>
+              <a:rPr lang="en-US" sz="1400" dirty="0">
+                <a:latin typeface="Arial" panose="020B0604020202020204" pitchFamily="34" charset="0"/>
+                <a:cs typeface="Arial" panose="020B0604020202020204" pitchFamily="34" charset="0"/>
+              </a:rPr>
+              <a:t>all Contributors.</a:t>
             </a:r>
           </a:p>
         </p:txBody>
@@ -1993,40 +2196,138 @@
           <a:lstStyle/>
           <a:p>
             <a:r>
-              <a:rPr lang="en-US" sz="1400" dirty="0"/>
-              <a:t>2. GRANT OF RIGHTS</a:t>
-            </a:r>
-          </a:p>
-          <a:p>
-            <a:r>
-              <a:rPr lang="en-US" sz="1400" dirty="0"/>
+              <a:rPr lang="en-US" sz="1400" dirty="0">
+                <a:latin typeface="Arial" panose="020B0604020202020204" pitchFamily="34" charset="0"/>
+                <a:cs typeface="Arial" panose="020B0604020202020204" pitchFamily="34" charset="0"/>
+              </a:rPr>
+              <a:t>2. GRANT OF </a:t>
+            </a:r>
+            <a:r>
+              <a:rPr lang="en-US" sz="1400" dirty="0" smtClean="0">
+                <a:latin typeface="Arial" panose="020B0604020202020204" pitchFamily="34" charset="0"/>
+                <a:cs typeface="Arial" panose="020B0604020202020204" pitchFamily="34" charset="0"/>
+              </a:rPr>
+              <a:t>RIGHTS</a:t>
+            </a:r>
+          </a:p>
+          <a:p>
+            <a:pPr marL="0" indent="0">
+              <a:buNone/>
+            </a:pPr>
+            <a:endParaRPr lang="en-US" sz="1400" dirty="0">
+              <a:latin typeface="Arial" panose="020B0604020202020204" pitchFamily="34" charset="0"/>
+              <a:cs typeface="Arial" panose="020B0604020202020204" pitchFamily="34" charset="0"/>
+            </a:endParaRPr>
+          </a:p>
+          <a:p>
+            <a:r>
+              <a:rPr lang="en-US" sz="1400" dirty="0">
+                <a:latin typeface="Arial" panose="020B0604020202020204" pitchFamily="34" charset="0"/>
+                <a:cs typeface="Arial" panose="020B0604020202020204" pitchFamily="34" charset="0"/>
+              </a:rPr>
               <a:t>  a) Subject to the terms of this Agreement, each Contributor hereby grants</a:t>
             </a:r>
           </a:p>
           <a:p>
-            <a:r>
-              <a:rPr lang="en-US" sz="1400" dirty="0"/>
-              <a:t>     Recipient a non-exclusive, worldwide, royalty-free copyright license to</a:t>
-            </a:r>
-          </a:p>
-          <a:p>
-            <a:r>
-              <a:rPr lang="en-US" sz="1400" dirty="0"/>
-              <a:t>     reproduce, prepare derivative works of, publicly display, publicly</a:t>
-            </a:r>
-          </a:p>
-          <a:p>
-            <a:r>
-              <a:rPr lang="en-US" sz="1400" dirty="0"/>
-              <a:t>     perform, distribute and sublicense the Contribution of such Contributor,</a:t>
-            </a:r>
-          </a:p>
-          <a:p>
-            <a:r>
-              <a:rPr lang="en-US" sz="1400" dirty="0"/>
-              <a:t>     if any, and such derivative works, in source code and object code form.</a:t>
-            </a:r>
-            <a:endParaRPr lang="pt-BR" sz="1400" dirty="0"/>
+            <a:pPr marL="0" indent="0">
+              <a:buNone/>
+            </a:pPr>
+            <a:r>
+              <a:rPr lang="en-US" sz="1400" dirty="0" smtClean="0">
+                <a:latin typeface="Arial" panose="020B0604020202020204" pitchFamily="34" charset="0"/>
+                <a:cs typeface="Arial" panose="020B0604020202020204" pitchFamily="34" charset="0"/>
+              </a:rPr>
+              <a:t>            </a:t>
+            </a:r>
+            <a:r>
+              <a:rPr lang="en-US" sz="1400" dirty="0">
+                <a:latin typeface="Arial" panose="020B0604020202020204" pitchFamily="34" charset="0"/>
+                <a:cs typeface="Arial" panose="020B0604020202020204" pitchFamily="34" charset="0"/>
+              </a:rPr>
+              <a:t>Recipient a non-exclusive, worldwide, royalty-free copyright license to</a:t>
+            </a:r>
+          </a:p>
+          <a:p>
+            <a:pPr marL="0" indent="0">
+              <a:buNone/>
+            </a:pPr>
+            <a:r>
+              <a:rPr lang="en-US" sz="1400" dirty="0">
+                <a:latin typeface="Arial" panose="020B0604020202020204" pitchFamily="34" charset="0"/>
+                <a:cs typeface="Arial" panose="020B0604020202020204" pitchFamily="34" charset="0"/>
+              </a:rPr>
+              <a:t> </a:t>
+            </a:r>
+            <a:r>
+              <a:rPr lang="en-US" sz="1400" dirty="0" smtClean="0">
+                <a:latin typeface="Arial" panose="020B0604020202020204" pitchFamily="34" charset="0"/>
+                <a:cs typeface="Arial" panose="020B0604020202020204" pitchFamily="34" charset="0"/>
+              </a:rPr>
+              <a:t>       </a:t>
+            </a:r>
+            <a:r>
+              <a:rPr lang="en-US" sz="1400" dirty="0" smtClean="0">
+                <a:latin typeface="Arial" panose="020B0604020202020204" pitchFamily="34" charset="0"/>
+                <a:cs typeface="Arial" panose="020B0604020202020204" pitchFamily="34" charset="0"/>
+              </a:rPr>
+              <a:t>    </a:t>
+            </a:r>
+            <a:r>
+              <a:rPr lang="en-US" sz="1400" dirty="0">
+                <a:latin typeface="Arial" panose="020B0604020202020204" pitchFamily="34" charset="0"/>
+                <a:cs typeface="Arial" panose="020B0604020202020204" pitchFamily="34" charset="0"/>
+              </a:rPr>
+              <a:t>reproduce, prepare derivative works of, publicly display, publicly</a:t>
+            </a:r>
+          </a:p>
+          <a:p>
+            <a:pPr marL="0" indent="0">
+              <a:buNone/>
+            </a:pPr>
+            <a:r>
+              <a:rPr lang="en-US" sz="1400" dirty="0" smtClean="0">
+                <a:latin typeface="Arial" panose="020B0604020202020204" pitchFamily="34" charset="0"/>
+                <a:cs typeface="Arial" panose="020B0604020202020204" pitchFamily="34" charset="0"/>
+              </a:rPr>
+              <a:t>            </a:t>
+            </a:r>
+            <a:r>
+              <a:rPr lang="en-US" sz="1400" dirty="0">
+                <a:latin typeface="Arial" panose="020B0604020202020204" pitchFamily="34" charset="0"/>
+                <a:cs typeface="Arial" panose="020B0604020202020204" pitchFamily="34" charset="0"/>
+              </a:rPr>
+              <a:t>perform, distribute and sublicense the Contribution of such Contributor,</a:t>
+            </a:r>
+          </a:p>
+          <a:p>
+            <a:pPr marL="0" indent="0">
+              <a:buNone/>
+            </a:pPr>
+            <a:r>
+              <a:rPr lang="en-US" sz="1400" dirty="0">
+                <a:latin typeface="Arial" panose="020B0604020202020204" pitchFamily="34" charset="0"/>
+                <a:cs typeface="Arial" panose="020B0604020202020204" pitchFamily="34" charset="0"/>
+              </a:rPr>
+              <a:t> </a:t>
+            </a:r>
+            <a:r>
+              <a:rPr lang="en-US" sz="1400" dirty="0" smtClean="0">
+                <a:latin typeface="Arial" panose="020B0604020202020204" pitchFamily="34" charset="0"/>
+                <a:cs typeface="Arial" panose="020B0604020202020204" pitchFamily="34" charset="0"/>
+              </a:rPr>
+              <a:t>           </a:t>
+            </a:r>
+            <a:r>
+              <a:rPr lang="en-US" sz="1400" dirty="0">
+                <a:latin typeface="Arial" panose="020B0604020202020204" pitchFamily="34" charset="0"/>
+                <a:cs typeface="Arial" panose="020B0604020202020204" pitchFamily="34" charset="0"/>
+              </a:rPr>
+              <a:t>if any, and such derivative works, in source code and object code form.</a:t>
+            </a:r>
+            <a:endParaRPr lang="pt-BR" sz="1400" dirty="0">
+              <a:latin typeface="Arial" panose="020B0604020202020204" pitchFamily="34" charset="0"/>
+              <a:cs typeface="Arial" panose="020B0604020202020204" pitchFamily="34" charset="0"/>
+            </a:endParaRPr>
           </a:p>
         </p:txBody>
       </p:sp>
@@ -2090,64 +2391,222 @@
           <a:lstStyle/>
           <a:p>
             <a:r>
-              <a:rPr lang="en-US" sz="1400" dirty="0"/>
+              <a:rPr lang="en-US" sz="1400" dirty="0">
+                <a:latin typeface="Arial" panose="020B0604020202020204" pitchFamily="34" charset="0"/>
+                <a:cs typeface="Arial" panose="020B0604020202020204" pitchFamily="34" charset="0"/>
+              </a:rPr>
               <a:t> b) Subject to the terms of this Agreement, each Contributor hereby grants</a:t>
             </a:r>
           </a:p>
           <a:p>
-            <a:r>
-              <a:rPr lang="en-US" sz="1400" dirty="0"/>
-              <a:t>     Recipient a non-exclusive, worldwide, royalty-free patent license under</a:t>
-            </a:r>
-          </a:p>
-          <a:p>
-            <a:r>
-              <a:rPr lang="en-US" sz="1400" dirty="0"/>
-              <a:t>     Licensed Patents to make, use, sell, offer to sell, import and otherwise</a:t>
-            </a:r>
-          </a:p>
-          <a:p>
-            <a:r>
-              <a:rPr lang="en-US" sz="1400" dirty="0"/>
-              <a:t>     transfer the Contribution of such Contributor, if any, in source code and</a:t>
-            </a:r>
-          </a:p>
-          <a:p>
-            <a:r>
-              <a:rPr lang="en-US" sz="1400" dirty="0"/>
-              <a:t>     object code form. This patent license shall apply to the combination of</a:t>
-            </a:r>
-          </a:p>
-          <a:p>
-            <a:r>
-              <a:rPr lang="en-US" sz="1400" dirty="0"/>
-              <a:t>     the Contribution and the Program if, at the time the Contribution is</a:t>
-            </a:r>
-          </a:p>
-          <a:p>
-            <a:r>
-              <a:rPr lang="en-US" sz="1400" dirty="0"/>
-              <a:t>     added by the Contributor, such addition of the Contribution causes such</a:t>
-            </a:r>
-          </a:p>
-          <a:p>
-            <a:r>
-              <a:rPr lang="en-US" sz="1400" dirty="0"/>
-              <a:t>     combination to be covered by the Licensed Patents. The patent license</a:t>
-            </a:r>
-          </a:p>
-          <a:p>
-            <a:r>
-              <a:rPr lang="en-US" sz="1400" dirty="0"/>
-              <a:t>     shall not apply to any other combinations which include the Contribution.</a:t>
-            </a:r>
-          </a:p>
-          <a:p>
-            <a:r>
-              <a:rPr lang="en-US" sz="1400" dirty="0"/>
-              <a:t>     No hardware per se is licensed hereunder.</a:t>
-            </a:r>
-            <a:endParaRPr lang="pt-BR" sz="1400" dirty="0"/>
+            <a:pPr marL="0" indent="0">
+              <a:buNone/>
+            </a:pPr>
+            <a:r>
+              <a:rPr lang="en-US" sz="1400" dirty="0" smtClean="0">
+                <a:latin typeface="Arial" panose="020B0604020202020204" pitchFamily="34" charset="0"/>
+                <a:cs typeface="Arial" panose="020B0604020202020204" pitchFamily="34" charset="0"/>
+              </a:rPr>
+              <a:t>          </a:t>
+            </a:r>
+            <a:r>
+              <a:rPr lang="en-US" sz="1400" dirty="0">
+                <a:latin typeface="Arial" panose="020B0604020202020204" pitchFamily="34" charset="0"/>
+                <a:cs typeface="Arial" panose="020B0604020202020204" pitchFamily="34" charset="0"/>
+              </a:rPr>
+              <a:t>Recipient a non-exclusive, worldwide, royalty-free patent license under</a:t>
+            </a:r>
+          </a:p>
+          <a:p>
+            <a:pPr marL="0" indent="0">
+              <a:buNone/>
+            </a:pPr>
+            <a:r>
+              <a:rPr lang="en-US" sz="1400" dirty="0" smtClean="0">
+                <a:latin typeface="Arial" panose="020B0604020202020204" pitchFamily="34" charset="0"/>
+                <a:cs typeface="Arial" panose="020B0604020202020204" pitchFamily="34" charset="0"/>
+              </a:rPr>
+              <a:t>          </a:t>
+            </a:r>
+            <a:r>
+              <a:rPr lang="en-US" sz="1400" dirty="0">
+                <a:latin typeface="Arial" panose="020B0604020202020204" pitchFamily="34" charset="0"/>
+                <a:cs typeface="Arial" panose="020B0604020202020204" pitchFamily="34" charset="0"/>
+              </a:rPr>
+              <a:t>Licensed Patents to make, use, sell, offer to sell, import and otherwise</a:t>
+            </a:r>
+          </a:p>
+          <a:p>
+            <a:pPr marL="0" indent="0">
+              <a:buNone/>
+            </a:pPr>
+            <a:r>
+              <a:rPr lang="en-US" sz="1400" dirty="0" smtClean="0">
+                <a:latin typeface="Arial" panose="020B0604020202020204" pitchFamily="34" charset="0"/>
+                <a:cs typeface="Arial" panose="020B0604020202020204" pitchFamily="34" charset="0"/>
+              </a:rPr>
+              <a:t>          </a:t>
+            </a:r>
+            <a:r>
+              <a:rPr lang="en-US" sz="1400" dirty="0">
+                <a:latin typeface="Arial" panose="020B0604020202020204" pitchFamily="34" charset="0"/>
+                <a:cs typeface="Arial" panose="020B0604020202020204" pitchFamily="34" charset="0"/>
+              </a:rPr>
+              <a:t>transfer the Contribution of such Contributor, if any, in source code and</a:t>
+            </a:r>
+          </a:p>
+          <a:p>
+            <a:pPr marL="0" indent="0">
+              <a:buNone/>
+            </a:pPr>
+            <a:r>
+              <a:rPr lang="en-US" sz="1400" dirty="0" smtClean="0">
+                <a:latin typeface="Arial" panose="020B0604020202020204" pitchFamily="34" charset="0"/>
+                <a:cs typeface="Arial" panose="020B0604020202020204" pitchFamily="34" charset="0"/>
+              </a:rPr>
+              <a:t>          </a:t>
+            </a:r>
+            <a:r>
+              <a:rPr lang="en-US" sz="1400" dirty="0">
+                <a:latin typeface="Arial" panose="020B0604020202020204" pitchFamily="34" charset="0"/>
+                <a:cs typeface="Arial" panose="020B0604020202020204" pitchFamily="34" charset="0"/>
+              </a:rPr>
+              <a:t>object code form. This patent license shall apply to the combination of</a:t>
+            </a:r>
+          </a:p>
+          <a:p>
+            <a:pPr marL="0" indent="0">
+              <a:buNone/>
+            </a:pPr>
+            <a:r>
+              <a:rPr lang="en-US" sz="1400" dirty="0" smtClean="0">
+                <a:latin typeface="Arial" panose="020B0604020202020204" pitchFamily="34" charset="0"/>
+                <a:cs typeface="Arial" panose="020B0604020202020204" pitchFamily="34" charset="0"/>
+              </a:rPr>
+              <a:t>          </a:t>
+            </a:r>
+            <a:r>
+              <a:rPr lang="en-US" sz="1400" dirty="0">
+                <a:latin typeface="Arial" panose="020B0604020202020204" pitchFamily="34" charset="0"/>
+                <a:cs typeface="Arial" panose="020B0604020202020204" pitchFamily="34" charset="0"/>
+              </a:rPr>
+              <a:t>the Contribution and the Program if, at the time the Contribution is</a:t>
+            </a:r>
+          </a:p>
+          <a:p>
+            <a:pPr marL="0" indent="0">
+              <a:buNone/>
+            </a:pPr>
+            <a:r>
+              <a:rPr lang="en-US" sz="1400" dirty="0" smtClean="0">
+                <a:latin typeface="Arial" panose="020B0604020202020204" pitchFamily="34" charset="0"/>
+                <a:cs typeface="Arial" panose="020B0604020202020204" pitchFamily="34" charset="0"/>
+              </a:rPr>
+              <a:t>          </a:t>
+            </a:r>
+            <a:r>
+              <a:rPr lang="en-US" sz="1400" dirty="0">
+                <a:latin typeface="Arial" panose="020B0604020202020204" pitchFamily="34" charset="0"/>
+                <a:cs typeface="Arial" panose="020B0604020202020204" pitchFamily="34" charset="0"/>
+              </a:rPr>
+              <a:t>added by the Contributor, such addition of the Contribution causes </a:t>
+            </a:r>
+            <a:r>
+              <a:rPr lang="en-US" sz="1400" dirty="0" smtClean="0">
+                <a:latin typeface="Arial" panose="020B0604020202020204" pitchFamily="34" charset="0"/>
+                <a:cs typeface="Arial" panose="020B0604020202020204" pitchFamily="34" charset="0"/>
+              </a:rPr>
+              <a:t>such</a:t>
+            </a:r>
+          </a:p>
+          <a:p>
+            <a:pPr marL="0" indent="0">
+              <a:buNone/>
+            </a:pPr>
+            <a:r>
+              <a:rPr lang="en-US" sz="1400" dirty="0">
+                <a:latin typeface="Arial" panose="020B0604020202020204" pitchFamily="34" charset="0"/>
+                <a:cs typeface="Arial" panose="020B0604020202020204" pitchFamily="34" charset="0"/>
+              </a:rPr>
+              <a:t> </a:t>
+            </a:r>
+            <a:r>
+              <a:rPr lang="en-US" sz="1400" dirty="0" smtClean="0">
+                <a:latin typeface="Arial" panose="020B0604020202020204" pitchFamily="34" charset="0"/>
+                <a:cs typeface="Arial" panose="020B0604020202020204" pitchFamily="34" charset="0"/>
+              </a:rPr>
+              <a:t>    </a:t>
+            </a:r>
+            <a:r>
+              <a:rPr lang="en-US" sz="1400" dirty="0" smtClean="0">
+                <a:latin typeface="Arial" panose="020B0604020202020204" pitchFamily="34" charset="0"/>
+                <a:cs typeface="Arial" panose="020B0604020202020204" pitchFamily="34" charset="0"/>
+              </a:rPr>
+              <a:t>     </a:t>
+            </a:r>
+            <a:r>
+              <a:rPr lang="en-US" sz="1400" dirty="0">
+                <a:latin typeface="Arial" panose="020B0604020202020204" pitchFamily="34" charset="0"/>
+                <a:cs typeface="Arial" panose="020B0604020202020204" pitchFamily="34" charset="0"/>
+              </a:rPr>
+              <a:t>combination to be covered by the Licensed Patents. The patent license</a:t>
+            </a:r>
+          </a:p>
+          <a:p>
+            <a:pPr marL="0" indent="0">
+              <a:buNone/>
+            </a:pPr>
+            <a:r>
+              <a:rPr lang="en-US" sz="1400" dirty="0" smtClean="0">
+                <a:latin typeface="Arial" panose="020B0604020202020204" pitchFamily="34" charset="0"/>
+                <a:cs typeface="Arial" panose="020B0604020202020204" pitchFamily="34" charset="0"/>
+              </a:rPr>
+              <a:t>          </a:t>
+            </a:r>
+            <a:r>
+              <a:rPr lang="en-US" sz="1400" dirty="0">
+                <a:latin typeface="Arial" panose="020B0604020202020204" pitchFamily="34" charset="0"/>
+                <a:cs typeface="Arial" panose="020B0604020202020204" pitchFamily="34" charset="0"/>
+              </a:rPr>
+              <a:t>shall not apply to any other combinations which include the Contribution.</a:t>
+            </a:r>
+          </a:p>
+          <a:p>
+            <a:pPr marL="0" indent="0">
+              <a:buNone/>
+            </a:pPr>
+            <a:r>
+              <a:rPr lang="en-US" sz="1400" dirty="0">
+                <a:latin typeface="Arial" panose="020B0604020202020204" pitchFamily="34" charset="0"/>
+                <a:cs typeface="Arial" panose="020B0604020202020204" pitchFamily="34" charset="0"/>
+              </a:rPr>
+              <a:t> </a:t>
+            </a:r>
+            <a:r>
+              <a:rPr lang="en-US" sz="1400" dirty="0" smtClean="0">
+                <a:latin typeface="Arial" panose="020B0604020202020204" pitchFamily="34" charset="0"/>
+                <a:cs typeface="Arial" panose="020B0604020202020204" pitchFamily="34" charset="0"/>
+              </a:rPr>
+              <a:t>    </a:t>
+            </a:r>
+            <a:r>
+              <a:rPr lang="en-US" sz="1400" dirty="0" smtClean="0">
+                <a:latin typeface="Arial" panose="020B0604020202020204" pitchFamily="34" charset="0"/>
+                <a:cs typeface="Arial" panose="020B0604020202020204" pitchFamily="34" charset="0"/>
+              </a:rPr>
+              <a:t>     </a:t>
+            </a:r>
+            <a:r>
+              <a:rPr lang="en-US" sz="1400" dirty="0">
+                <a:latin typeface="Arial" panose="020B0604020202020204" pitchFamily="34" charset="0"/>
+                <a:cs typeface="Arial" panose="020B0604020202020204" pitchFamily="34" charset="0"/>
+              </a:rPr>
+              <a:t>No hardware per se is licensed hereunder.</a:t>
+            </a:r>
+            <a:endParaRPr lang="pt-BR" sz="1400" dirty="0">
+              <a:latin typeface="Arial" panose="020B0604020202020204" pitchFamily="34" charset="0"/>
+              <a:cs typeface="Arial" panose="020B0604020202020204" pitchFamily="34" charset="0"/>
+            </a:endParaRPr>
           </a:p>
         </p:txBody>
       </p:sp>
@@ -2212,75 +2671,291 @@
           <a:p>
             <a:r>
               <a:rPr lang="en-US" dirty="0"/>
-              <a:t> c) Recipient understands that although each Contributor grants the licenses</a:t>
-            </a:r>
-          </a:p>
-          <a:p>
-            <a:r>
-              <a:rPr lang="en-US" dirty="0"/>
-              <a:t>     to its Contributions set forth herein, no assurances are provided by any</a:t>
-            </a:r>
-          </a:p>
-          <a:p>
-            <a:r>
-              <a:rPr lang="en-US" dirty="0"/>
-              <a:t>     Contributor that the Program does not infringe the patent or other</a:t>
-            </a:r>
-          </a:p>
-          <a:p>
-            <a:r>
-              <a:rPr lang="en-US" dirty="0"/>
-              <a:t>     intellectual property rights of any other entity. Each Contributor</a:t>
-            </a:r>
-          </a:p>
-          <a:p>
-            <a:r>
-              <a:rPr lang="en-US" dirty="0"/>
-              <a:t>     disclaims any liability to Recipient for claims brought by any other</a:t>
-            </a:r>
-          </a:p>
-          <a:p>
-            <a:r>
-              <a:rPr lang="en-US" dirty="0"/>
-              <a:t>     entity based on infringement of intellectual property rights or</a:t>
-            </a:r>
-          </a:p>
-          <a:p>
-            <a:r>
-              <a:rPr lang="en-US" dirty="0"/>
-              <a:t>     otherwise. As a condition to exercising the rights and licenses granted</a:t>
-            </a:r>
-          </a:p>
-          <a:p>
-            <a:r>
-              <a:rPr lang="en-US" dirty="0"/>
-              <a:t>     hereunder, each Recipient hereby assumes sole responsibility to secure</a:t>
-            </a:r>
-          </a:p>
-          <a:p>
-            <a:r>
-              <a:rPr lang="en-US" dirty="0"/>
-              <a:t>     any other intellectual property rights needed, if any. For example, if a</a:t>
-            </a:r>
-          </a:p>
-          <a:p>
-            <a:r>
-              <a:rPr lang="en-US" dirty="0"/>
-              <a:t>     third party patent license is required to allow Recipient to distribute</a:t>
-            </a:r>
-          </a:p>
-          <a:p>
-            <a:r>
-              <a:rPr lang="en-US" dirty="0"/>
-              <a:t>     the Program, it is Recipient's responsibility to acquire that license</a:t>
-            </a:r>
-          </a:p>
-          <a:p>
-            <a:r>
-              <a:rPr lang="en-US" dirty="0"/>
-              <a:t>     before distributing the Program.</a:t>
-            </a:r>
-            <a:endParaRPr lang="pt-BR" dirty="0"/>
+              <a:t> </a:t>
+            </a:r>
+            <a:r>
+              <a:rPr lang="en-US" dirty="0">
+                <a:latin typeface="Arial" panose="020B0604020202020204" pitchFamily="34" charset="0"/>
+                <a:cs typeface="Arial" panose="020B0604020202020204" pitchFamily="34" charset="0"/>
+              </a:rPr>
+              <a:t>c) Recipient understands that although each Contributor grants the licenses</a:t>
+            </a:r>
+          </a:p>
+          <a:p>
+            <a:pPr marL="0" indent="0">
+              <a:buNone/>
+            </a:pPr>
+            <a:r>
+              <a:rPr lang="en-US" dirty="0">
+                <a:latin typeface="Arial" panose="020B0604020202020204" pitchFamily="34" charset="0"/>
+                <a:cs typeface="Arial" panose="020B0604020202020204" pitchFamily="34" charset="0"/>
+              </a:rPr>
+              <a:t>  </a:t>
+            </a:r>
+            <a:r>
+              <a:rPr lang="en-US" dirty="0" smtClean="0">
+                <a:latin typeface="Arial" panose="020B0604020202020204" pitchFamily="34" charset="0"/>
+                <a:cs typeface="Arial" panose="020B0604020202020204" pitchFamily="34" charset="0"/>
+              </a:rPr>
+              <a:t>         to </a:t>
+            </a:r>
+            <a:r>
+              <a:rPr lang="en-US" dirty="0">
+                <a:latin typeface="Arial" panose="020B0604020202020204" pitchFamily="34" charset="0"/>
+                <a:cs typeface="Arial" panose="020B0604020202020204" pitchFamily="34" charset="0"/>
+              </a:rPr>
+              <a:t>its Contributions set forth herein, no assurances are provided by any</a:t>
+            </a:r>
+          </a:p>
+          <a:p>
+            <a:pPr marL="0" indent="0">
+              <a:buNone/>
+            </a:pPr>
+            <a:r>
+              <a:rPr lang="en-US" dirty="0" smtClean="0">
+                <a:latin typeface="Arial" panose="020B0604020202020204" pitchFamily="34" charset="0"/>
+                <a:cs typeface="Arial" panose="020B0604020202020204" pitchFamily="34" charset="0"/>
+              </a:rPr>
+              <a:t>           Contributor </a:t>
+            </a:r>
+            <a:r>
+              <a:rPr lang="en-US" dirty="0">
+                <a:latin typeface="Arial" panose="020B0604020202020204" pitchFamily="34" charset="0"/>
+                <a:cs typeface="Arial" panose="020B0604020202020204" pitchFamily="34" charset="0"/>
+              </a:rPr>
+              <a:t>that the Program does not infringe the patent or other</a:t>
+            </a:r>
+          </a:p>
+          <a:p>
+            <a:pPr marL="0" indent="0">
+              <a:buNone/>
+            </a:pPr>
+            <a:r>
+              <a:rPr lang="en-US" dirty="0">
+                <a:latin typeface="Arial" panose="020B0604020202020204" pitchFamily="34" charset="0"/>
+                <a:cs typeface="Arial" panose="020B0604020202020204" pitchFamily="34" charset="0"/>
+              </a:rPr>
+              <a:t>  </a:t>
+            </a:r>
+            <a:r>
+              <a:rPr lang="en-US" dirty="0" smtClean="0">
+                <a:latin typeface="Arial" panose="020B0604020202020204" pitchFamily="34" charset="0"/>
+                <a:cs typeface="Arial" panose="020B0604020202020204" pitchFamily="34" charset="0"/>
+              </a:rPr>
+              <a:t>         intellectual </a:t>
+            </a:r>
+            <a:r>
+              <a:rPr lang="en-US" dirty="0">
+                <a:latin typeface="Arial" panose="020B0604020202020204" pitchFamily="34" charset="0"/>
+                <a:cs typeface="Arial" panose="020B0604020202020204" pitchFamily="34" charset="0"/>
+              </a:rPr>
+              <a:t>property rights of any other entity. Each Contributor</a:t>
+            </a:r>
+          </a:p>
+          <a:p>
+            <a:pPr marL="0" indent="0">
+              <a:buNone/>
+            </a:pPr>
+            <a:r>
+              <a:rPr lang="en-US" dirty="0">
+                <a:latin typeface="Arial" panose="020B0604020202020204" pitchFamily="34" charset="0"/>
+                <a:cs typeface="Arial" panose="020B0604020202020204" pitchFamily="34" charset="0"/>
+              </a:rPr>
+              <a:t>  </a:t>
+            </a:r>
+            <a:r>
+              <a:rPr lang="en-US" dirty="0" smtClean="0">
+                <a:latin typeface="Arial" panose="020B0604020202020204" pitchFamily="34" charset="0"/>
+                <a:cs typeface="Arial" panose="020B0604020202020204" pitchFamily="34" charset="0"/>
+              </a:rPr>
+              <a:t>         disclaims </a:t>
+            </a:r>
+            <a:r>
+              <a:rPr lang="en-US" dirty="0">
+                <a:latin typeface="Arial" panose="020B0604020202020204" pitchFamily="34" charset="0"/>
+                <a:cs typeface="Arial" panose="020B0604020202020204" pitchFamily="34" charset="0"/>
+              </a:rPr>
+              <a:t>any liability to Recipient for claims brought by any other</a:t>
+            </a:r>
+          </a:p>
+          <a:p>
+            <a:pPr marL="0" indent="0">
+              <a:buNone/>
+            </a:pPr>
+            <a:r>
+              <a:rPr lang="en-US" dirty="0">
+                <a:latin typeface="Arial" panose="020B0604020202020204" pitchFamily="34" charset="0"/>
+                <a:cs typeface="Arial" panose="020B0604020202020204" pitchFamily="34" charset="0"/>
+              </a:rPr>
+              <a:t>  </a:t>
+            </a:r>
+            <a:r>
+              <a:rPr lang="en-US" dirty="0" smtClean="0">
+                <a:latin typeface="Arial" panose="020B0604020202020204" pitchFamily="34" charset="0"/>
+                <a:cs typeface="Arial" panose="020B0604020202020204" pitchFamily="34" charset="0"/>
+              </a:rPr>
+              <a:t>         entity </a:t>
+            </a:r>
+            <a:r>
+              <a:rPr lang="en-US" dirty="0">
+                <a:latin typeface="Arial" panose="020B0604020202020204" pitchFamily="34" charset="0"/>
+                <a:cs typeface="Arial" panose="020B0604020202020204" pitchFamily="34" charset="0"/>
+              </a:rPr>
+              <a:t>based on infringement of intellectual property rights or</a:t>
+            </a:r>
+          </a:p>
+          <a:p>
+            <a:pPr marL="0" indent="0">
+              <a:buNone/>
+            </a:pPr>
+            <a:r>
+              <a:rPr lang="en-US" dirty="0">
+                <a:latin typeface="Arial" panose="020B0604020202020204" pitchFamily="34" charset="0"/>
+                <a:cs typeface="Arial" panose="020B0604020202020204" pitchFamily="34" charset="0"/>
+              </a:rPr>
+              <a:t>  </a:t>
+            </a:r>
+            <a:r>
+              <a:rPr lang="en-US" dirty="0" smtClean="0">
+                <a:latin typeface="Arial" panose="020B0604020202020204" pitchFamily="34" charset="0"/>
+                <a:cs typeface="Arial" panose="020B0604020202020204" pitchFamily="34" charset="0"/>
+              </a:rPr>
+              <a:t>         otherwise</a:t>
+            </a:r>
+            <a:r>
+              <a:rPr lang="en-US" dirty="0">
+                <a:latin typeface="Arial" panose="020B0604020202020204" pitchFamily="34" charset="0"/>
+                <a:cs typeface="Arial" panose="020B0604020202020204" pitchFamily="34" charset="0"/>
+              </a:rPr>
+              <a:t>. As a condition to exercising the rights and licenses granted</a:t>
+            </a:r>
+          </a:p>
+          <a:p>
+            <a:pPr marL="0" indent="0">
+              <a:buNone/>
+            </a:pPr>
+            <a:r>
+              <a:rPr lang="en-US" dirty="0">
+                <a:latin typeface="Arial" panose="020B0604020202020204" pitchFamily="34" charset="0"/>
+                <a:cs typeface="Arial" panose="020B0604020202020204" pitchFamily="34" charset="0"/>
+              </a:rPr>
+              <a:t>  </a:t>
+            </a:r>
+            <a:r>
+              <a:rPr lang="en-US" dirty="0" smtClean="0">
+                <a:latin typeface="Arial" panose="020B0604020202020204" pitchFamily="34" charset="0"/>
+                <a:cs typeface="Arial" panose="020B0604020202020204" pitchFamily="34" charset="0"/>
+              </a:rPr>
+              <a:t>         hereunder</a:t>
+            </a:r>
+            <a:r>
+              <a:rPr lang="en-US" dirty="0">
+                <a:latin typeface="Arial" panose="020B0604020202020204" pitchFamily="34" charset="0"/>
+                <a:cs typeface="Arial" panose="020B0604020202020204" pitchFamily="34" charset="0"/>
+              </a:rPr>
+              <a:t>, each Recipient hereby assumes sole responsibility to secure</a:t>
+            </a:r>
+          </a:p>
+          <a:p>
+            <a:pPr marL="0" indent="0">
+              <a:buNone/>
+            </a:pPr>
+            <a:r>
+              <a:rPr lang="en-US" dirty="0">
+                <a:latin typeface="Arial" panose="020B0604020202020204" pitchFamily="34" charset="0"/>
+                <a:cs typeface="Arial" panose="020B0604020202020204" pitchFamily="34" charset="0"/>
+              </a:rPr>
+              <a:t>  </a:t>
+            </a:r>
+            <a:r>
+              <a:rPr lang="en-US" dirty="0" smtClean="0">
+                <a:latin typeface="Arial" panose="020B0604020202020204" pitchFamily="34" charset="0"/>
+                <a:cs typeface="Arial" panose="020B0604020202020204" pitchFamily="34" charset="0"/>
+              </a:rPr>
+              <a:t>         any </a:t>
+            </a:r>
+            <a:r>
+              <a:rPr lang="en-US" dirty="0">
+                <a:latin typeface="Arial" panose="020B0604020202020204" pitchFamily="34" charset="0"/>
+                <a:cs typeface="Arial" panose="020B0604020202020204" pitchFamily="34" charset="0"/>
+              </a:rPr>
+              <a:t>other intellectual property rights needed, if any. For example, if a</a:t>
+            </a:r>
+          </a:p>
+          <a:p>
+            <a:pPr marL="0" indent="0">
+              <a:buNone/>
+            </a:pPr>
+            <a:r>
+              <a:rPr lang="en-US" dirty="0">
+                <a:latin typeface="Arial" panose="020B0604020202020204" pitchFamily="34" charset="0"/>
+                <a:cs typeface="Arial" panose="020B0604020202020204" pitchFamily="34" charset="0"/>
+              </a:rPr>
+              <a:t>  </a:t>
+            </a:r>
+            <a:r>
+              <a:rPr lang="en-US" dirty="0" smtClean="0">
+                <a:latin typeface="Arial" panose="020B0604020202020204" pitchFamily="34" charset="0"/>
+                <a:cs typeface="Arial" panose="020B0604020202020204" pitchFamily="34" charset="0"/>
+              </a:rPr>
+              <a:t>         third </a:t>
+            </a:r>
+            <a:r>
+              <a:rPr lang="en-US" dirty="0">
+                <a:latin typeface="Arial" panose="020B0604020202020204" pitchFamily="34" charset="0"/>
+                <a:cs typeface="Arial" panose="020B0604020202020204" pitchFamily="34" charset="0"/>
+              </a:rPr>
+              <a:t>party patent license is required to allow Recipient to distribute</a:t>
+            </a:r>
+          </a:p>
+          <a:p>
+            <a:pPr marL="0" indent="0">
+              <a:buNone/>
+            </a:pPr>
+            <a:r>
+              <a:rPr lang="en-US" dirty="0">
+                <a:latin typeface="Arial" panose="020B0604020202020204" pitchFamily="34" charset="0"/>
+                <a:cs typeface="Arial" panose="020B0604020202020204" pitchFamily="34" charset="0"/>
+              </a:rPr>
+              <a:t> </a:t>
+            </a:r>
+            <a:r>
+              <a:rPr lang="en-US" dirty="0" smtClean="0">
+                <a:latin typeface="Arial" panose="020B0604020202020204" pitchFamily="34" charset="0"/>
+                <a:cs typeface="Arial" panose="020B0604020202020204" pitchFamily="34" charset="0"/>
+              </a:rPr>
+              <a:t>          the </a:t>
+            </a:r>
+            <a:r>
+              <a:rPr lang="en-US" dirty="0">
+                <a:latin typeface="Arial" panose="020B0604020202020204" pitchFamily="34" charset="0"/>
+                <a:cs typeface="Arial" panose="020B0604020202020204" pitchFamily="34" charset="0"/>
+              </a:rPr>
+              <a:t>Program, it is Recipient's responsibility to acquire that license</a:t>
+            </a:r>
+          </a:p>
+          <a:p>
+            <a:pPr marL="0" indent="0">
+              <a:buNone/>
+            </a:pPr>
+            <a:r>
+              <a:rPr lang="en-US" dirty="0" smtClean="0">
+                <a:latin typeface="Arial" panose="020B0604020202020204" pitchFamily="34" charset="0"/>
+                <a:cs typeface="Arial" panose="020B0604020202020204" pitchFamily="34" charset="0"/>
+              </a:rPr>
+              <a:t>           before </a:t>
+            </a:r>
+            <a:r>
+              <a:rPr lang="en-US" dirty="0">
+                <a:latin typeface="Arial" panose="020B0604020202020204" pitchFamily="34" charset="0"/>
+                <a:cs typeface="Arial" panose="020B0604020202020204" pitchFamily="34" charset="0"/>
+              </a:rPr>
+              <a:t>distributing the Program.</a:t>
+            </a:r>
+            <a:endParaRPr lang="pt-BR" dirty="0">
+              <a:latin typeface="Arial" panose="020B0604020202020204" pitchFamily="34" charset="0"/>
+              <a:cs typeface="Arial" panose="020B0604020202020204" pitchFamily="34" charset="0"/>
+            </a:endParaRPr>
           </a:p>
         </p:txBody>
       </p:sp>
@@ -2344,55 +3019,129 @@
           <a:lstStyle/>
           <a:p>
             <a:r>
-              <a:rPr lang="en-US" sz="1400" dirty="0"/>
-              <a:t> d) Each Contributor represents that to its knowledge it has sufficient</a:t>
-            </a:r>
-          </a:p>
-          <a:p>
-            <a:r>
-              <a:rPr lang="en-US" sz="1400" dirty="0"/>
-              <a:t>     copyright rights in its Contribution, if any, to grant the copyright</a:t>
-            </a:r>
-          </a:p>
-          <a:p>
-            <a:r>
-              <a:rPr lang="en-US" sz="1400" dirty="0"/>
-              <a:t>     license set forth in this Agreement.</a:t>
-            </a:r>
-          </a:p>
-          <a:p>
-            <a:endParaRPr lang="en-US" sz="1400" dirty="0"/>
-          </a:p>
-          <a:p>
-            <a:r>
-              <a:rPr lang="en-US" sz="1400" dirty="0"/>
+              <a:rPr lang="en-US" sz="1400" dirty="0">
+                <a:latin typeface="Arial" panose="020B0604020202020204" pitchFamily="34" charset="0"/>
+                <a:cs typeface="Arial" panose="020B0604020202020204" pitchFamily="34" charset="0"/>
+              </a:rPr>
+              <a:t> d) Each Contributor represents that to its knowledge it has </a:t>
+            </a:r>
+            <a:r>
+              <a:rPr lang="en-US" sz="1400" dirty="0" smtClean="0">
+                <a:latin typeface="Arial" panose="020B0604020202020204" pitchFamily="34" charset="0"/>
+                <a:cs typeface="Arial" panose="020B0604020202020204" pitchFamily="34" charset="0"/>
+              </a:rPr>
+              <a:t>sufficient copyright </a:t>
+            </a:r>
+            <a:r>
+              <a:rPr lang="en-US" sz="1400" dirty="0">
+                <a:latin typeface="Arial" panose="020B0604020202020204" pitchFamily="34" charset="0"/>
+                <a:cs typeface="Arial" panose="020B0604020202020204" pitchFamily="34" charset="0"/>
+              </a:rPr>
+              <a:t>rights in its </a:t>
+            </a:r>
+            <a:r>
+              <a:rPr lang="en-US" sz="1400" dirty="0" smtClean="0">
+                <a:latin typeface="Arial" panose="020B0604020202020204" pitchFamily="34" charset="0"/>
+                <a:cs typeface="Arial" panose="020B0604020202020204" pitchFamily="34" charset="0"/>
+              </a:rPr>
+              <a:t>     </a:t>
+            </a:r>
+          </a:p>
+          <a:p>
+            <a:pPr marL="0" indent="0">
+              <a:buNone/>
+            </a:pPr>
+            <a:r>
+              <a:rPr lang="en-US" sz="1400" dirty="0" smtClean="0">
+                <a:latin typeface="Arial" panose="020B0604020202020204" pitchFamily="34" charset="0"/>
+                <a:cs typeface="Arial" panose="020B0604020202020204" pitchFamily="34" charset="0"/>
+              </a:rPr>
+              <a:t>           Contribution</a:t>
+            </a:r>
+            <a:r>
+              <a:rPr lang="en-US" sz="1400" dirty="0">
+                <a:latin typeface="Arial" panose="020B0604020202020204" pitchFamily="34" charset="0"/>
+                <a:cs typeface="Arial" panose="020B0604020202020204" pitchFamily="34" charset="0"/>
+              </a:rPr>
+              <a:t>, if any, to grant the </a:t>
+            </a:r>
+            <a:r>
+              <a:rPr lang="en-US" sz="1400" dirty="0" smtClean="0">
+                <a:latin typeface="Arial" panose="020B0604020202020204" pitchFamily="34" charset="0"/>
+                <a:cs typeface="Arial" panose="020B0604020202020204" pitchFamily="34" charset="0"/>
+              </a:rPr>
+              <a:t>copyright license </a:t>
+            </a:r>
+            <a:r>
+              <a:rPr lang="en-US" sz="1400" dirty="0">
+                <a:latin typeface="Arial" panose="020B0604020202020204" pitchFamily="34" charset="0"/>
+                <a:cs typeface="Arial" panose="020B0604020202020204" pitchFamily="34" charset="0"/>
+              </a:rPr>
+              <a:t>set forth in this Agreement.</a:t>
+            </a:r>
+          </a:p>
+          <a:p>
+            <a:endParaRPr lang="en-US" sz="1400" dirty="0">
+              <a:latin typeface="Arial" panose="020B0604020202020204" pitchFamily="34" charset="0"/>
+              <a:cs typeface="Arial" panose="020B0604020202020204" pitchFamily="34" charset="0"/>
+            </a:endParaRPr>
+          </a:p>
+          <a:p>
+            <a:r>
+              <a:rPr lang="en-US" sz="1400" dirty="0">
+                <a:latin typeface="Arial" panose="020B0604020202020204" pitchFamily="34" charset="0"/>
+                <a:cs typeface="Arial" panose="020B0604020202020204" pitchFamily="34" charset="0"/>
+              </a:rPr>
               <a:t>3. REQUIREMENTS</a:t>
             </a:r>
           </a:p>
           <a:p>
-            <a:endParaRPr lang="en-US" sz="1400" dirty="0"/>
-          </a:p>
-          <a:p>
-            <a:r>
-              <a:rPr lang="en-US" sz="1400" dirty="0"/>
-              <a:t>A Contributor may choose to distribute the Program in object code form under</a:t>
-            </a:r>
-          </a:p>
-          <a:p>
-            <a:r>
-              <a:rPr lang="en-US" sz="1400" dirty="0"/>
-              <a:t>its own license agreement, provided that:</a:t>
-            </a:r>
-          </a:p>
-          <a:p>
-            <a:endParaRPr lang="en-US" sz="1400" dirty="0"/>
-          </a:p>
-          <a:p>
-            <a:r>
-              <a:rPr lang="en-US" sz="1400" dirty="0"/>
+            <a:endParaRPr lang="en-US" sz="1400" dirty="0">
+              <a:latin typeface="Arial" panose="020B0604020202020204" pitchFamily="34" charset="0"/>
+              <a:cs typeface="Arial" panose="020B0604020202020204" pitchFamily="34" charset="0"/>
+            </a:endParaRPr>
+          </a:p>
+          <a:p>
+            <a:r>
+              <a:rPr lang="en-US" sz="1400" dirty="0">
+                <a:latin typeface="Arial" panose="020B0604020202020204" pitchFamily="34" charset="0"/>
+                <a:cs typeface="Arial" panose="020B0604020202020204" pitchFamily="34" charset="0"/>
+              </a:rPr>
+              <a:t>A Contributor may choose to distribute the Program in object code form </a:t>
+            </a:r>
+            <a:r>
+              <a:rPr lang="en-US" sz="1400" dirty="0" smtClean="0">
+                <a:latin typeface="Arial" panose="020B0604020202020204" pitchFamily="34" charset="0"/>
+                <a:cs typeface="Arial" panose="020B0604020202020204" pitchFamily="34" charset="0"/>
+              </a:rPr>
+              <a:t>under its </a:t>
+            </a:r>
+            <a:r>
+              <a:rPr lang="en-US" sz="1400" dirty="0">
+                <a:latin typeface="Arial" panose="020B0604020202020204" pitchFamily="34" charset="0"/>
+                <a:cs typeface="Arial" panose="020B0604020202020204" pitchFamily="34" charset="0"/>
+              </a:rPr>
+              <a:t>own license agreement, provided that:</a:t>
+            </a:r>
+          </a:p>
+          <a:p>
+            <a:endParaRPr lang="en-US" sz="1400" dirty="0">
+              <a:latin typeface="Arial" panose="020B0604020202020204" pitchFamily="34" charset="0"/>
+              <a:cs typeface="Arial" panose="020B0604020202020204" pitchFamily="34" charset="0"/>
+            </a:endParaRPr>
+          </a:p>
+          <a:p>
+            <a:r>
+              <a:rPr lang="en-US" sz="1400" dirty="0">
+                <a:latin typeface="Arial" panose="020B0604020202020204" pitchFamily="34" charset="0"/>
+                <a:cs typeface="Arial" panose="020B0604020202020204" pitchFamily="34" charset="0"/>
+              </a:rPr>
               <a:t>  a) it complies with the terms and conditions of this Agreement; and</a:t>
             </a:r>
-            <a:endParaRPr lang="pt-BR" sz="1400" dirty="0"/>
+            <a:endParaRPr lang="pt-BR" sz="1400" dirty="0">
+              <a:latin typeface="Arial" panose="020B0604020202020204" pitchFamily="34" charset="0"/>
+              <a:cs typeface="Arial" panose="020B0604020202020204" pitchFamily="34" charset="0"/>
+            </a:endParaRPr>
           </a:p>
         </p:txBody>
       </p:sp>
@@ -2456,60 +3205,191 @@
           <a:lstStyle/>
           <a:p>
             <a:r>
-              <a:rPr lang="en-US" sz="1400" dirty="0"/>
-              <a:t> b) its license agreement:</a:t>
-            </a:r>
-          </a:p>
-          <a:p>
-            <a:r>
-              <a:rPr lang="en-US" sz="1400" dirty="0"/>
-              <a:t>      </a:t>
-            </a:r>
-            <a:r>
-              <a:rPr lang="en-US" sz="1400" dirty="0" err="1"/>
-              <a:t>i</a:t>
-            </a:r>
-            <a:r>
-              <a:rPr lang="en-US" sz="1400" dirty="0"/>
-              <a:t>) effectively disclaims on behalf of all Contributors all warranties</a:t>
-            </a:r>
-          </a:p>
-          <a:p>
-            <a:r>
-              <a:rPr lang="en-US" sz="1400" dirty="0"/>
-              <a:t>         and conditions, express and implied, including warranties or</a:t>
-            </a:r>
-          </a:p>
-          <a:p>
-            <a:r>
-              <a:rPr lang="en-US" sz="1400" dirty="0"/>
-              <a:t>         conditions of title and non-infringement, and implied warranties or</a:t>
-            </a:r>
-          </a:p>
-          <a:p>
-            <a:r>
-              <a:rPr lang="en-US" sz="1400" dirty="0"/>
-              <a:t>         conditions of merchantability and fitness for a particular purpose;</a:t>
-            </a:r>
-          </a:p>
-          <a:p>
-            <a:r>
-              <a:rPr lang="en-US" sz="1400" dirty="0"/>
-              <a:t>     ii) effectively excludes on behalf of all Contributors all liability for</a:t>
-            </a:r>
-          </a:p>
-          <a:p>
-            <a:r>
-              <a:rPr lang="en-US" sz="1400" dirty="0"/>
-              <a:t>         damages, including direct, indirect, special, incidental and</a:t>
-            </a:r>
-          </a:p>
-          <a:p>
-            <a:r>
-              <a:rPr lang="en-US" sz="1400" dirty="0"/>
-              <a:t>         consequential damages, such as lost profits;</a:t>
-            </a:r>
-            <a:endParaRPr lang="pt-BR" sz="1400" dirty="0"/>
+              <a:rPr lang="en-US" sz="1400" dirty="0">
+                <a:latin typeface="Arial" panose="020B0604020202020204" pitchFamily="34" charset="0"/>
+                <a:cs typeface="Arial" panose="020B0604020202020204" pitchFamily="34" charset="0"/>
+              </a:rPr>
+              <a:t> b) its license agreement</a:t>
+            </a:r>
+            <a:r>
+              <a:rPr lang="en-US" sz="1400" dirty="0" smtClean="0">
+                <a:latin typeface="Arial" panose="020B0604020202020204" pitchFamily="34" charset="0"/>
+                <a:cs typeface="Arial" panose="020B0604020202020204" pitchFamily="34" charset="0"/>
+              </a:rPr>
+              <a:t>:</a:t>
+            </a:r>
+          </a:p>
+          <a:p>
+            <a:endParaRPr lang="en-US" sz="1400" dirty="0">
+              <a:latin typeface="Arial" panose="020B0604020202020204" pitchFamily="34" charset="0"/>
+              <a:cs typeface="Arial" panose="020B0604020202020204" pitchFamily="34" charset="0"/>
+            </a:endParaRPr>
+          </a:p>
+          <a:p>
+            <a:r>
+              <a:rPr lang="en-US" sz="1400" dirty="0">
+                <a:latin typeface="Arial" panose="020B0604020202020204" pitchFamily="34" charset="0"/>
+                <a:cs typeface="Arial" panose="020B0604020202020204" pitchFamily="34" charset="0"/>
+              </a:rPr>
+              <a:t>  </a:t>
+            </a:r>
+            <a:r>
+              <a:rPr lang="en-US" sz="1400" dirty="0">
+                <a:latin typeface="Arial" panose="020B0604020202020204" pitchFamily="34" charset="0"/>
+                <a:cs typeface="Arial" panose="020B0604020202020204" pitchFamily="34" charset="0"/>
+              </a:rPr>
+              <a:t>I</a:t>
+            </a:r>
+            <a:r>
+              <a:rPr lang="en-US" sz="1400" dirty="0" smtClean="0">
+                <a:latin typeface="Arial" panose="020B0604020202020204" pitchFamily="34" charset="0"/>
+                <a:cs typeface="Arial" panose="020B0604020202020204" pitchFamily="34" charset="0"/>
+              </a:rPr>
+              <a:t>) </a:t>
+            </a:r>
+            <a:r>
+              <a:rPr lang="en-US" sz="1400" dirty="0">
+                <a:latin typeface="Arial" panose="020B0604020202020204" pitchFamily="34" charset="0"/>
+                <a:cs typeface="Arial" panose="020B0604020202020204" pitchFamily="34" charset="0"/>
+              </a:rPr>
+              <a:t>effectively disclaims on behalf of all Contributors all warranties</a:t>
+            </a:r>
+          </a:p>
+          <a:p>
+            <a:pPr marL="0" indent="0">
+              <a:buNone/>
+            </a:pPr>
+            <a:r>
+              <a:rPr lang="en-US" sz="1400" dirty="0" smtClean="0">
+                <a:latin typeface="Arial" panose="020B0604020202020204" pitchFamily="34" charset="0"/>
+                <a:cs typeface="Arial" panose="020B0604020202020204" pitchFamily="34" charset="0"/>
+              </a:rPr>
+              <a:t>           </a:t>
+            </a:r>
+            <a:r>
+              <a:rPr lang="en-US" sz="1400" dirty="0">
+                <a:latin typeface="Arial" panose="020B0604020202020204" pitchFamily="34" charset="0"/>
+                <a:cs typeface="Arial" panose="020B0604020202020204" pitchFamily="34" charset="0"/>
+              </a:rPr>
+              <a:t>and conditions, express and implied, including warranties or</a:t>
+            </a:r>
+          </a:p>
+          <a:p>
+            <a:pPr marL="0" indent="0">
+              <a:buNone/>
+            </a:pPr>
+            <a:r>
+              <a:rPr lang="en-US" sz="1400" dirty="0" smtClean="0">
+                <a:latin typeface="Arial" panose="020B0604020202020204" pitchFamily="34" charset="0"/>
+                <a:cs typeface="Arial" panose="020B0604020202020204" pitchFamily="34" charset="0"/>
+              </a:rPr>
+              <a:t>           conditions </a:t>
+            </a:r>
+            <a:r>
+              <a:rPr lang="en-US" sz="1400" dirty="0">
+                <a:latin typeface="Arial" panose="020B0604020202020204" pitchFamily="34" charset="0"/>
+                <a:cs typeface="Arial" panose="020B0604020202020204" pitchFamily="34" charset="0"/>
+              </a:rPr>
+              <a:t>of title and non-infringement, and implied warranties or</a:t>
+            </a:r>
+          </a:p>
+          <a:p>
+            <a:pPr marL="0" indent="0">
+              <a:buNone/>
+            </a:pPr>
+            <a:r>
+              <a:rPr lang="en-US" sz="1400" dirty="0" smtClean="0">
+                <a:latin typeface="Arial" panose="020B0604020202020204" pitchFamily="34" charset="0"/>
+                <a:cs typeface="Arial" panose="020B0604020202020204" pitchFamily="34" charset="0"/>
+              </a:rPr>
+              <a:t>           conditions </a:t>
+            </a:r>
+            <a:r>
+              <a:rPr lang="en-US" sz="1400" dirty="0">
+                <a:latin typeface="Arial" panose="020B0604020202020204" pitchFamily="34" charset="0"/>
+                <a:cs typeface="Arial" panose="020B0604020202020204" pitchFamily="34" charset="0"/>
+              </a:rPr>
+              <a:t>of merchantability and fitness for a particular </a:t>
+            </a:r>
+            <a:r>
+              <a:rPr lang="en-US" sz="1400" dirty="0" smtClean="0">
+                <a:latin typeface="Arial" panose="020B0604020202020204" pitchFamily="34" charset="0"/>
+                <a:cs typeface="Arial" panose="020B0604020202020204" pitchFamily="34" charset="0"/>
+              </a:rPr>
+              <a:t>purpose;</a:t>
+            </a:r>
+          </a:p>
+          <a:p>
+            <a:pPr>
+              <a:buFont typeface="Wingdings" panose="05000000000000000000" pitchFamily="2" charset="2"/>
+              <a:buChar char="Ø"/>
+            </a:pPr>
+            <a:endParaRPr lang="en-US" sz="1400" dirty="0" smtClean="0">
+              <a:latin typeface="Arial" panose="020B0604020202020204" pitchFamily="34" charset="0"/>
+              <a:cs typeface="Arial" panose="020B0604020202020204" pitchFamily="34" charset="0"/>
+            </a:endParaRPr>
+          </a:p>
+          <a:p>
+            <a:pPr>
+              <a:buFont typeface="Wingdings" panose="05000000000000000000" pitchFamily="2" charset="2"/>
+              <a:buChar char="Ø"/>
+            </a:pPr>
+            <a:r>
+              <a:rPr lang="en-US" sz="1400" dirty="0" smtClean="0">
+                <a:latin typeface="Arial" panose="020B0604020202020204" pitchFamily="34" charset="0"/>
+                <a:cs typeface="Arial" panose="020B0604020202020204" pitchFamily="34" charset="0"/>
+              </a:rPr>
+              <a:t> II) effectively excludes on behalf of all Contributors all liability for</a:t>
+            </a:r>
+          </a:p>
+          <a:p>
+            <a:pPr marL="0" indent="0">
+              <a:buNone/>
+            </a:pPr>
+            <a:r>
+              <a:rPr lang="en-US" sz="1400" dirty="0" smtClean="0">
+                <a:latin typeface="Arial" panose="020B0604020202020204" pitchFamily="34" charset="0"/>
+                <a:cs typeface="Arial" panose="020B0604020202020204" pitchFamily="34" charset="0"/>
+              </a:rPr>
+              <a:t>           damages</a:t>
+            </a:r>
+            <a:r>
+              <a:rPr lang="en-US" sz="1400" dirty="0">
+                <a:latin typeface="Arial" panose="020B0604020202020204" pitchFamily="34" charset="0"/>
+                <a:cs typeface="Arial" panose="020B0604020202020204" pitchFamily="34" charset="0"/>
+              </a:rPr>
+              <a:t>, including direct, indirect, special, incidental and</a:t>
+            </a:r>
+          </a:p>
+          <a:p>
+            <a:pPr marL="0" indent="0">
+              <a:buNone/>
+            </a:pPr>
+            <a:r>
+              <a:rPr lang="en-US" sz="1400" dirty="0">
+                <a:latin typeface="Arial" panose="020B0604020202020204" pitchFamily="34" charset="0"/>
+                <a:cs typeface="Arial" panose="020B0604020202020204" pitchFamily="34" charset="0"/>
+              </a:rPr>
+              <a:t>         </a:t>
+            </a:r>
+            <a:r>
+              <a:rPr lang="en-US" sz="1400" dirty="0" smtClean="0">
+                <a:latin typeface="Arial" panose="020B0604020202020204" pitchFamily="34" charset="0"/>
+                <a:cs typeface="Arial" panose="020B0604020202020204" pitchFamily="34" charset="0"/>
+              </a:rPr>
+              <a:t>  consequential </a:t>
+            </a:r>
+            <a:r>
+              <a:rPr lang="en-US" sz="1400" dirty="0">
+                <a:latin typeface="Arial" panose="020B0604020202020204" pitchFamily="34" charset="0"/>
+                <a:cs typeface="Arial" panose="020B0604020202020204" pitchFamily="34" charset="0"/>
+              </a:rPr>
+              <a:t>damages, such as lost profits;</a:t>
+            </a:r>
+            <a:endParaRPr lang="pt-BR" sz="1400" dirty="0">
+              <a:latin typeface="Arial" panose="020B0604020202020204" pitchFamily="34" charset="0"/>
+              <a:cs typeface="Arial" panose="020B0604020202020204" pitchFamily="34" charset="0"/>
+            </a:endParaRPr>
           </a:p>
         </p:txBody>
       </p:sp>
@@ -2573,38 +3453,98 @@
           <a:lstStyle/>
           <a:p>
             <a:r>
-              <a:rPr lang="en-US" sz="1400" dirty="0"/>
+              <a:rPr lang="en-US" sz="1400" dirty="0">
+                <a:latin typeface="Arial" panose="020B0604020202020204" pitchFamily="34" charset="0"/>
+                <a:cs typeface="Arial" panose="020B0604020202020204" pitchFamily="34" charset="0"/>
+              </a:rPr>
               <a:t> iii) states that any provisions which differ from this Agreement are</a:t>
             </a:r>
           </a:p>
           <a:p>
-            <a:r>
-              <a:rPr lang="en-US" sz="1400" dirty="0"/>
-              <a:t>         offered by that Contributor alone and not by any other party; and</a:t>
-            </a:r>
-          </a:p>
-          <a:p>
-            <a:r>
-              <a:rPr lang="en-US" sz="1400" dirty="0" smtClean="0"/>
+            <a:pPr marL="0" indent="0">
+              <a:buNone/>
+            </a:pPr>
+            <a:r>
+              <a:rPr lang="en-US" sz="1400" dirty="0" smtClean="0">
+                <a:latin typeface="Arial" panose="020B0604020202020204" pitchFamily="34" charset="0"/>
+                <a:cs typeface="Arial" panose="020B0604020202020204" pitchFamily="34" charset="0"/>
+              </a:rPr>
+              <a:t>           </a:t>
+            </a:r>
+            <a:r>
+              <a:rPr lang="en-US" sz="1400" dirty="0">
+                <a:latin typeface="Arial" panose="020B0604020202020204" pitchFamily="34" charset="0"/>
+                <a:cs typeface="Arial" panose="020B0604020202020204" pitchFamily="34" charset="0"/>
+              </a:rPr>
+              <a:t>offered by that Contributor alone and not by any other party; </a:t>
+            </a:r>
+            <a:r>
+              <a:rPr lang="en-US" sz="1400" dirty="0" smtClean="0">
+                <a:latin typeface="Arial" panose="020B0604020202020204" pitchFamily="34" charset="0"/>
+                <a:cs typeface="Arial" panose="020B0604020202020204" pitchFamily="34" charset="0"/>
+              </a:rPr>
+              <a:t>and</a:t>
+            </a:r>
+          </a:p>
+          <a:p>
+            <a:pPr marL="0" indent="0">
+              <a:buNone/>
+            </a:pPr>
+            <a:endParaRPr lang="en-US" sz="1400" dirty="0">
+              <a:latin typeface="Arial" panose="020B0604020202020204" pitchFamily="34" charset="0"/>
+              <a:cs typeface="Arial" panose="020B0604020202020204" pitchFamily="34" charset="0"/>
+            </a:endParaRPr>
+          </a:p>
+          <a:p>
+            <a:r>
+              <a:rPr lang="en-US" sz="1400" dirty="0" smtClean="0">
+                <a:latin typeface="Arial" panose="020B0604020202020204" pitchFamily="34" charset="0"/>
+                <a:cs typeface="Arial" panose="020B0604020202020204" pitchFamily="34" charset="0"/>
+              </a:rPr>
               <a:t> </a:t>
             </a:r>
             <a:r>
-              <a:rPr lang="en-US" sz="1400" dirty="0"/>
+              <a:rPr lang="en-US" sz="1400" dirty="0">
+                <a:latin typeface="Arial" panose="020B0604020202020204" pitchFamily="34" charset="0"/>
+                <a:cs typeface="Arial" panose="020B0604020202020204" pitchFamily="34" charset="0"/>
+              </a:rPr>
               <a:t>iv) states that source code for the Program is available from such</a:t>
             </a:r>
           </a:p>
           <a:p>
-            <a:r>
-              <a:rPr lang="en-US" sz="1400" dirty="0"/>
-              <a:t>         Contributor, and informs licensees how to obtain it in a reasonable</a:t>
-            </a:r>
-          </a:p>
-          <a:p>
-            <a:r>
-              <a:rPr lang="en-US" sz="1400" dirty="0"/>
+            <a:pPr marL="0" indent="0">
+              <a:buNone/>
+            </a:pPr>
+            <a:r>
+              <a:rPr lang="en-US" sz="1400" dirty="0" smtClean="0">
+                <a:latin typeface="Arial" panose="020B0604020202020204" pitchFamily="34" charset="0"/>
+                <a:cs typeface="Arial" panose="020B0604020202020204" pitchFamily="34" charset="0"/>
+              </a:rPr>
+              <a:t>            </a:t>
+            </a:r>
+            <a:r>
+              <a:rPr lang="en-US" sz="1400" dirty="0">
+                <a:latin typeface="Arial" panose="020B0604020202020204" pitchFamily="34" charset="0"/>
+                <a:cs typeface="Arial" panose="020B0604020202020204" pitchFamily="34" charset="0"/>
+              </a:rPr>
+              <a:t>Contributor, and informs licensees how to obtain it in a reasonable</a:t>
+            </a:r>
+          </a:p>
+          <a:p>
+            <a:pPr marL="0" indent="0">
+              <a:buNone/>
+            </a:pPr>
+            <a:r>
+              <a:rPr lang="en-US" sz="1400" dirty="0">
+                <a:latin typeface="Arial" panose="020B0604020202020204" pitchFamily="34" charset="0"/>
+                <a:cs typeface="Arial" panose="020B0604020202020204" pitchFamily="34" charset="0"/>
+              </a:rPr>
               <a:t>         manner on or through a medium customarily used for software exchange.</a:t>
             </a:r>
-            <a:endParaRPr lang="pt-BR" sz="1400" dirty="0"/>
+            <a:endParaRPr lang="pt-BR" sz="1400" dirty="0">
+              <a:latin typeface="Arial" panose="020B0604020202020204" pitchFamily="34" charset="0"/>
+              <a:cs typeface="Arial" panose="020B0604020202020204" pitchFamily="34" charset="0"/>
+            </a:endParaRPr>
           </a:p>
         </p:txBody>
       </p:sp>
@@ -2668,66 +3608,138 @@
           <a:lstStyle/>
           <a:p>
             <a:r>
-              <a:rPr lang="en-US" sz="1400" dirty="0"/>
+              <a:rPr lang="en-US" sz="1400" dirty="0">
+                <a:latin typeface="Arial" panose="020B0604020202020204" pitchFamily="34" charset="0"/>
+                <a:cs typeface="Arial" panose="020B0604020202020204" pitchFamily="34" charset="0"/>
+              </a:rPr>
               <a:t>When the Program is made available in source code form:</a:t>
             </a:r>
           </a:p>
           <a:p>
-            <a:endParaRPr lang="en-US" sz="1400" dirty="0"/>
-          </a:p>
-          <a:p>
-            <a:r>
-              <a:rPr lang="en-US" sz="1400" dirty="0"/>
-              <a:t>  a) it must be made available under this Agreement; and</a:t>
-            </a:r>
-          </a:p>
-          <a:p>
-            <a:r>
-              <a:rPr lang="en-US" sz="1400" dirty="0"/>
+            <a:endParaRPr lang="en-US" sz="1400" dirty="0">
+              <a:latin typeface="Arial" panose="020B0604020202020204" pitchFamily="34" charset="0"/>
+              <a:cs typeface="Arial" panose="020B0604020202020204" pitchFamily="34" charset="0"/>
+            </a:endParaRPr>
+          </a:p>
+          <a:p>
+            <a:r>
+              <a:rPr lang="en-US" sz="1400" dirty="0">
+                <a:latin typeface="Arial" panose="020B0604020202020204" pitchFamily="34" charset="0"/>
+                <a:cs typeface="Arial" panose="020B0604020202020204" pitchFamily="34" charset="0"/>
+              </a:rPr>
+              <a:t>  a) it must be made available under this Agreement; </a:t>
+            </a:r>
+            <a:r>
+              <a:rPr lang="en-US" sz="1400" dirty="0" smtClean="0">
+                <a:latin typeface="Arial" panose="020B0604020202020204" pitchFamily="34" charset="0"/>
+                <a:cs typeface="Arial" panose="020B0604020202020204" pitchFamily="34" charset="0"/>
+              </a:rPr>
+              <a:t>and</a:t>
+            </a:r>
+          </a:p>
+          <a:p>
+            <a:endParaRPr lang="en-US" sz="1400" dirty="0">
+              <a:latin typeface="Arial" panose="020B0604020202020204" pitchFamily="34" charset="0"/>
+              <a:cs typeface="Arial" panose="020B0604020202020204" pitchFamily="34" charset="0"/>
+            </a:endParaRPr>
+          </a:p>
+          <a:p>
+            <a:r>
+              <a:rPr lang="en-US" sz="1400" dirty="0">
+                <a:latin typeface="Arial" panose="020B0604020202020204" pitchFamily="34" charset="0"/>
+                <a:cs typeface="Arial" panose="020B0604020202020204" pitchFamily="34" charset="0"/>
+              </a:rPr>
               <a:t>  b) a copy of this Agreement must be included with each copy of the Program.</a:t>
             </a:r>
           </a:p>
           <a:p>
-            <a:r>
-              <a:rPr lang="en-US" sz="1400" dirty="0" smtClean="0"/>
-              <a:t>   </a:t>
-            </a:r>
-            <a:r>
-              <a:rPr lang="en-US" sz="1400" dirty="0"/>
-              <a:t>Contributors may not remove or alter any copyright notices contained</a:t>
-            </a:r>
-          </a:p>
-          <a:p>
-            <a:r>
-              <a:rPr lang="en-US" sz="1400" dirty="0"/>
-              <a:t>     within the Program.</a:t>
-            </a:r>
-          </a:p>
-          <a:p>
-            <a:endParaRPr lang="en-US" sz="1400" dirty="0"/>
-          </a:p>
-          <a:p>
-            <a:r>
-              <a:rPr lang="en-US" sz="1400" dirty="0"/>
-              <a:t>Each Contributor must identify itself as the originator of its Contribution,</a:t>
-            </a:r>
-          </a:p>
-          <a:p>
-            <a:r>
-              <a:rPr lang="en-US" sz="1400" dirty="0"/>
-              <a:t>if</a:t>
-            </a:r>
-          </a:p>
-          <a:p>
-            <a:r>
-              <a:rPr lang="en-US" sz="1400" dirty="0"/>
-              <a:t>any, in a manner that reasonably allows subsequent Recipients to identify the</a:t>
-            </a:r>
-          </a:p>
-          <a:p>
-            <a:r>
-              <a:rPr lang="en-US" sz="1400" dirty="0"/>
-              <a:t>originator of the Contribution.</a:t>
+            <a:pPr marL="0" indent="0">
+              <a:buNone/>
+            </a:pPr>
+            <a:r>
+              <a:rPr lang="en-US" sz="1400" dirty="0" smtClean="0">
+                <a:latin typeface="Arial" panose="020B0604020202020204" pitchFamily="34" charset="0"/>
+                <a:cs typeface="Arial" panose="020B0604020202020204" pitchFamily="34" charset="0"/>
+              </a:rPr>
+              <a:t>        </a:t>
+            </a:r>
+            <a:r>
+              <a:rPr lang="en-US" sz="1400" dirty="0">
+                <a:latin typeface="Arial" panose="020B0604020202020204" pitchFamily="34" charset="0"/>
+                <a:cs typeface="Arial" panose="020B0604020202020204" pitchFamily="34" charset="0"/>
+              </a:rPr>
+              <a:t>Contributors may not remove or alter any copyright notices </a:t>
+            </a:r>
+            <a:r>
+              <a:rPr lang="en-US" sz="1400" dirty="0" smtClean="0">
+                <a:latin typeface="Arial" panose="020B0604020202020204" pitchFamily="34" charset="0"/>
+                <a:cs typeface="Arial" panose="020B0604020202020204" pitchFamily="34" charset="0"/>
+              </a:rPr>
+              <a:t>contained within </a:t>
+            </a:r>
+            <a:r>
+              <a:rPr lang="en-US" sz="1400" dirty="0">
+                <a:latin typeface="Arial" panose="020B0604020202020204" pitchFamily="34" charset="0"/>
+                <a:cs typeface="Arial" panose="020B0604020202020204" pitchFamily="34" charset="0"/>
+              </a:rPr>
+              <a:t>the Program.</a:t>
+            </a:r>
+          </a:p>
+          <a:p>
+            <a:endParaRPr lang="en-US" sz="1400" dirty="0">
+              <a:latin typeface="Arial" panose="020B0604020202020204" pitchFamily="34" charset="0"/>
+              <a:cs typeface="Arial" panose="020B0604020202020204" pitchFamily="34" charset="0"/>
+            </a:endParaRPr>
+          </a:p>
+          <a:p>
+            <a:r>
+              <a:rPr lang="en-US" sz="1400" dirty="0">
+                <a:latin typeface="Arial" panose="020B0604020202020204" pitchFamily="34" charset="0"/>
+                <a:cs typeface="Arial" panose="020B0604020202020204" pitchFamily="34" charset="0"/>
+              </a:rPr>
+              <a:t>Each Contributor must identify itself as the originator of its </a:t>
+            </a:r>
+            <a:r>
+              <a:rPr lang="en-US" sz="1400" dirty="0" smtClean="0">
+                <a:latin typeface="Arial" panose="020B0604020202020204" pitchFamily="34" charset="0"/>
+                <a:cs typeface="Arial" panose="020B0604020202020204" pitchFamily="34" charset="0"/>
+              </a:rPr>
+              <a:t>Contribution, if</a:t>
+            </a:r>
+            <a:r>
+              <a:rPr lang="en-US" sz="1400" dirty="0">
+                <a:latin typeface="Arial" panose="020B0604020202020204" pitchFamily="34" charset="0"/>
+                <a:cs typeface="Arial" panose="020B0604020202020204" pitchFamily="34" charset="0"/>
+              </a:rPr>
+              <a:t> </a:t>
+            </a:r>
+            <a:r>
+              <a:rPr lang="en-US" sz="1400" dirty="0" smtClean="0">
+                <a:latin typeface="Arial" panose="020B0604020202020204" pitchFamily="34" charset="0"/>
+                <a:cs typeface="Arial" panose="020B0604020202020204" pitchFamily="34" charset="0"/>
+              </a:rPr>
+              <a:t>any</a:t>
+            </a:r>
+            <a:r>
+              <a:rPr lang="en-US" sz="1400" dirty="0">
+                <a:latin typeface="Arial" panose="020B0604020202020204" pitchFamily="34" charset="0"/>
+                <a:cs typeface="Arial" panose="020B0604020202020204" pitchFamily="34" charset="0"/>
+              </a:rPr>
+              <a:t>, in a manner that reasonably allows subsequent Recipients to identify </a:t>
+            </a:r>
+            <a:r>
+              <a:rPr lang="en-US" sz="1400" dirty="0" smtClean="0">
+                <a:latin typeface="Arial" panose="020B0604020202020204" pitchFamily="34" charset="0"/>
+                <a:cs typeface="Arial" panose="020B0604020202020204" pitchFamily="34" charset="0"/>
+              </a:rPr>
+              <a:t>the originator </a:t>
+            </a:r>
+            <a:r>
+              <a:rPr lang="en-US" sz="1400" dirty="0">
+                <a:latin typeface="Arial" panose="020B0604020202020204" pitchFamily="34" charset="0"/>
+                <a:cs typeface="Arial" panose="020B0604020202020204" pitchFamily="34" charset="0"/>
+              </a:rPr>
+              <a:t>of the Contribution.</a:t>
             </a:r>
           </a:p>
           <a:p>
@@ -2795,43 +3807,107 @@
           <a:lstStyle/>
           <a:p>
             <a:r>
-              <a:rPr lang="en-US" sz="1400" dirty="0"/>
+              <a:rPr lang="en-US" sz="1400" dirty="0">
+                <a:latin typeface="Arial" panose="020B0604020202020204" pitchFamily="34" charset="0"/>
+                <a:cs typeface="Arial" panose="020B0604020202020204" pitchFamily="34" charset="0"/>
+              </a:rPr>
               <a:t>4. COMMERCIAL DISTRIBUTION</a:t>
             </a:r>
           </a:p>
           <a:p>
-            <a:endParaRPr lang="en-US" sz="1400" dirty="0"/>
-          </a:p>
-          <a:p>
-            <a:r>
-              <a:rPr lang="en-US" sz="1400" dirty="0"/>
+            <a:endParaRPr lang="en-US" sz="1400" dirty="0">
+              <a:latin typeface="Arial" panose="020B0604020202020204" pitchFamily="34" charset="0"/>
+              <a:cs typeface="Arial" panose="020B0604020202020204" pitchFamily="34" charset="0"/>
+            </a:endParaRPr>
+          </a:p>
+          <a:p>
+            <a:r>
+              <a:rPr lang="en-US" sz="1400" dirty="0">
+                <a:latin typeface="Arial" panose="020B0604020202020204" pitchFamily="34" charset="0"/>
+                <a:cs typeface="Arial" panose="020B0604020202020204" pitchFamily="34" charset="0"/>
+              </a:rPr>
               <a:t>Commercial distributors of software may accept certain responsibilities with</a:t>
             </a:r>
           </a:p>
           <a:p>
-            <a:r>
-              <a:rPr lang="en-US" sz="1400" dirty="0"/>
-              <a:t>respect to end users, business partners and the like. While this license is</a:t>
-            </a:r>
-          </a:p>
-          <a:p>
-            <a:r>
-              <a:rPr lang="en-US" sz="1400" dirty="0"/>
-              <a:t>intended to facilitate the commercial use of the Program, the Contributor who</a:t>
-            </a:r>
-          </a:p>
-          <a:p>
-            <a:r>
-              <a:rPr lang="en-US" sz="1400" dirty="0"/>
-              <a:t>includes the Program in a commercial product offering should do so in a manner</a:t>
-            </a:r>
-          </a:p>
-          <a:p>
-            <a:r>
-              <a:rPr lang="en-US" sz="1400" dirty="0"/>
-              <a:t>which does not create potential liability for other Contributors.</a:t>
-            </a:r>
-            <a:endParaRPr lang="pt-BR" sz="1400" dirty="0"/>
+            <a:pPr marL="0" indent="0">
+              <a:buNone/>
+            </a:pPr>
+            <a:r>
+              <a:rPr lang="en-US" sz="1400" dirty="0" smtClean="0">
+                <a:latin typeface="Arial" panose="020B0604020202020204" pitchFamily="34" charset="0"/>
+                <a:cs typeface="Arial" panose="020B0604020202020204" pitchFamily="34" charset="0"/>
+              </a:rPr>
+              <a:t>      respect </a:t>
+            </a:r>
+            <a:r>
+              <a:rPr lang="en-US" sz="1400" dirty="0">
+                <a:latin typeface="Arial" panose="020B0604020202020204" pitchFamily="34" charset="0"/>
+                <a:cs typeface="Arial" panose="020B0604020202020204" pitchFamily="34" charset="0"/>
+              </a:rPr>
+              <a:t>to end users, business partners and the like. While this license is</a:t>
+            </a:r>
+          </a:p>
+          <a:p>
+            <a:pPr marL="0" indent="0">
+              <a:buNone/>
+            </a:pPr>
+            <a:r>
+              <a:rPr lang="en-US" sz="1400" dirty="0" smtClean="0">
+                <a:latin typeface="Arial" panose="020B0604020202020204" pitchFamily="34" charset="0"/>
+                <a:cs typeface="Arial" panose="020B0604020202020204" pitchFamily="34" charset="0"/>
+              </a:rPr>
+              <a:t>      intended </a:t>
+            </a:r>
+            <a:r>
+              <a:rPr lang="en-US" sz="1400" dirty="0">
+                <a:latin typeface="Arial" panose="020B0604020202020204" pitchFamily="34" charset="0"/>
+                <a:cs typeface="Arial" panose="020B0604020202020204" pitchFamily="34" charset="0"/>
+              </a:rPr>
+              <a:t>to facilitate the commercial use of the Program, the Contributor who</a:t>
+            </a:r>
+          </a:p>
+          <a:p>
+            <a:pPr marL="0" indent="0">
+              <a:buNone/>
+            </a:pPr>
+            <a:r>
+              <a:rPr lang="en-US" sz="1400" dirty="0" smtClean="0">
+                <a:latin typeface="Arial" panose="020B0604020202020204" pitchFamily="34" charset="0"/>
+                <a:cs typeface="Arial" panose="020B0604020202020204" pitchFamily="34" charset="0"/>
+              </a:rPr>
+              <a:t>      includes </a:t>
+            </a:r>
+            <a:r>
+              <a:rPr lang="en-US" sz="1400" dirty="0">
+                <a:latin typeface="Arial" panose="020B0604020202020204" pitchFamily="34" charset="0"/>
+                <a:cs typeface="Arial" panose="020B0604020202020204" pitchFamily="34" charset="0"/>
+              </a:rPr>
+              <a:t>the Program in a commercial product offering should do so in a manner</a:t>
+            </a:r>
+          </a:p>
+          <a:p>
+            <a:pPr marL="0" indent="0">
+              <a:buNone/>
+            </a:pPr>
+            <a:r>
+              <a:rPr lang="en-US" sz="1400" dirty="0" smtClean="0">
+                <a:latin typeface="Arial" panose="020B0604020202020204" pitchFamily="34" charset="0"/>
+                <a:cs typeface="Arial" panose="020B0604020202020204" pitchFamily="34" charset="0"/>
+              </a:rPr>
+              <a:t>      which </a:t>
+            </a:r>
+            <a:r>
+              <a:rPr lang="en-US" sz="1400" dirty="0">
+                <a:latin typeface="Arial" panose="020B0604020202020204" pitchFamily="34" charset="0"/>
+                <a:cs typeface="Arial" panose="020B0604020202020204" pitchFamily="34" charset="0"/>
+              </a:rPr>
+              <a:t>does not create potential liability for other Contributors.</a:t>
+            </a:r>
+            <a:endParaRPr lang="pt-BR" sz="1400" dirty="0">
+              <a:latin typeface="Arial" panose="020B0604020202020204" pitchFamily="34" charset="0"/>
+              <a:cs typeface="Arial" panose="020B0604020202020204" pitchFamily="34" charset="0"/>
+            </a:endParaRPr>
           </a:p>
         </p:txBody>
       </p:sp>
@@ -2910,69 +3986,117 @@
           <a:lstStyle/>
           <a:p>
             <a:r>
-              <a:rPr lang="pt-BR" dirty="0"/>
+              <a:rPr lang="pt-BR" dirty="0">
+                <a:latin typeface="Arial" panose="020B0604020202020204" pitchFamily="34" charset="0"/>
+                <a:cs typeface="Arial" panose="020B0604020202020204" pitchFamily="34" charset="0"/>
+              </a:rPr>
               <a:t>Dominik </a:t>
             </a:r>
             <a:r>
-              <a:rPr lang="pt-BR" dirty="0" err="1"/>
+              <a:rPr lang="pt-BR" dirty="0" err="1">
+                <a:latin typeface="Arial" panose="020B0604020202020204" pitchFamily="34" charset="0"/>
+                <a:cs typeface="Arial" panose="020B0604020202020204" pitchFamily="34" charset="0"/>
+              </a:rPr>
               <a:t>Schadow</a:t>
             </a:r>
             <a:r>
-              <a:rPr lang="pt-BR" dirty="0"/>
+              <a:rPr lang="pt-BR" dirty="0">
+                <a:latin typeface="Arial" panose="020B0604020202020204" pitchFamily="34" charset="0"/>
+                <a:cs typeface="Arial" panose="020B0604020202020204" pitchFamily="34" charset="0"/>
+              </a:rPr>
               <a:t> (</a:t>
             </a:r>
             <a:r>
-              <a:rPr lang="pt-BR" dirty="0" err="1"/>
+              <a:rPr lang="pt-BR" dirty="0" err="1">
+                <a:latin typeface="Arial" panose="020B0604020202020204" pitchFamily="34" charset="0"/>
+                <a:cs typeface="Arial" panose="020B0604020202020204" pitchFamily="34" charset="0"/>
+              </a:rPr>
               <a:t>dschadow</a:t>
             </a:r>
             <a:r>
-              <a:rPr lang="pt-BR" dirty="0" smtClean="0"/>
+              <a:rPr lang="pt-BR" dirty="0" smtClean="0">
+                <a:latin typeface="Arial" panose="020B0604020202020204" pitchFamily="34" charset="0"/>
+                <a:cs typeface="Arial" panose="020B0604020202020204" pitchFamily="34" charset="0"/>
+              </a:rPr>
               <a:t>)</a:t>
             </a:r>
           </a:p>
           <a:p>
             <a:r>
-              <a:rPr lang="pt-BR" dirty="0" err="1" smtClean="0"/>
+              <a:rPr lang="pt-BR" dirty="0" err="1" smtClean="0">
+                <a:latin typeface="Arial" panose="020B0604020202020204" pitchFamily="34" charset="0"/>
+                <a:cs typeface="Arial" panose="020B0604020202020204" pitchFamily="34" charset="0"/>
+              </a:rPr>
               <a:t>Anatolibarski</a:t>
             </a:r>
             <a:r>
-              <a:rPr lang="pt-BR" dirty="0" smtClean="0"/>
+              <a:rPr lang="pt-BR" dirty="0" smtClean="0">
+                <a:latin typeface="Arial" panose="020B0604020202020204" pitchFamily="34" charset="0"/>
+                <a:cs typeface="Arial" panose="020B0604020202020204" pitchFamily="34" charset="0"/>
+              </a:rPr>
               <a:t> </a:t>
             </a:r>
           </a:p>
           <a:p>
             <a:r>
-              <a:rPr lang="pt-BR" dirty="0" err="1" smtClean="0"/>
+              <a:rPr lang="pt-BR" dirty="0" err="1" smtClean="0">
+                <a:latin typeface="Arial" panose="020B0604020202020204" pitchFamily="34" charset="0"/>
+                <a:cs typeface="Arial" panose="020B0604020202020204" pitchFamily="34" charset="0"/>
+              </a:rPr>
               <a:t>Schaeferm</a:t>
             </a:r>
-            <a:endParaRPr lang="pt-BR" dirty="0" smtClean="0"/>
-          </a:p>
-          <a:p>
-            <a:r>
-              <a:rPr lang="pt-BR" dirty="0" smtClean="0"/>
+            <a:endParaRPr lang="pt-BR" dirty="0" smtClean="0">
+              <a:latin typeface="Arial" panose="020B0604020202020204" pitchFamily="34" charset="0"/>
+              <a:cs typeface="Arial" panose="020B0604020202020204" pitchFamily="34" charset="0"/>
+            </a:endParaRPr>
+          </a:p>
+          <a:p>
+            <a:r>
+              <a:rPr lang="pt-BR" dirty="0" smtClean="0">
+                <a:latin typeface="Arial" panose="020B0604020202020204" pitchFamily="34" charset="0"/>
+                <a:cs typeface="Arial" panose="020B0604020202020204" pitchFamily="34" charset="0"/>
+              </a:rPr>
               <a:t> </a:t>
             </a:r>
             <a:r>
-              <a:rPr lang="pt-BR" dirty="0"/>
+              <a:rPr lang="pt-BR" dirty="0">
+                <a:latin typeface="Arial" panose="020B0604020202020204" pitchFamily="34" charset="0"/>
+                <a:cs typeface="Arial" panose="020B0604020202020204" pitchFamily="34" charset="0"/>
+              </a:rPr>
               <a:t>Simon </a:t>
             </a:r>
             <a:r>
-              <a:rPr lang="pt-BR" dirty="0" err="1"/>
+              <a:rPr lang="pt-BR" dirty="0" err="1">
+                <a:latin typeface="Arial" panose="020B0604020202020204" pitchFamily="34" charset="0"/>
+                <a:cs typeface="Arial" panose="020B0604020202020204" pitchFamily="34" charset="0"/>
+              </a:rPr>
               <a:t>Leischnig</a:t>
             </a:r>
             <a:r>
-              <a:rPr lang="pt-BR" dirty="0"/>
+              <a:rPr lang="pt-BR" dirty="0">
+                <a:latin typeface="Arial" panose="020B0604020202020204" pitchFamily="34" charset="0"/>
+                <a:cs typeface="Arial" panose="020B0604020202020204" pitchFamily="34" charset="0"/>
+              </a:rPr>
               <a:t> (</a:t>
             </a:r>
             <a:r>
-              <a:rPr lang="pt-BR" dirty="0" err="1"/>
+              <a:rPr lang="pt-BR" dirty="0" err="1">
+                <a:latin typeface="Arial" panose="020B0604020202020204" pitchFamily="34" charset="0"/>
+                <a:cs typeface="Arial" panose="020B0604020202020204" pitchFamily="34" charset="0"/>
+              </a:rPr>
               <a:t>simlei</a:t>
             </a:r>
             <a:r>
-              <a:rPr lang="pt-BR" dirty="0" smtClean="0"/>
+              <a:rPr lang="pt-BR" dirty="0" smtClean="0">
+                <a:latin typeface="Arial" panose="020B0604020202020204" pitchFamily="34" charset="0"/>
+                <a:cs typeface="Arial" panose="020B0604020202020204" pitchFamily="34" charset="0"/>
+              </a:rPr>
               <a:t>)</a:t>
             </a:r>
-            <a:endParaRPr lang="pt-BR" dirty="0"/>
+            <a:endParaRPr lang="pt-BR" dirty="0">
+              <a:latin typeface="Arial" panose="020B0604020202020204" pitchFamily="34" charset="0"/>
+              <a:cs typeface="Arial" panose="020B0604020202020204" pitchFamily="34" charset="0"/>
+            </a:endParaRPr>
           </a:p>
         </p:txBody>
       </p:sp>
@@ -3036,70 +4160,201 @@
           <a:lstStyle/>
           <a:p>
             <a:r>
-              <a:rPr lang="en-US" sz="1400" dirty="0"/>
-              <a:t> Therefore,</a:t>
-            </a:r>
-          </a:p>
-          <a:p>
-            <a:r>
-              <a:rPr lang="en-US" sz="1400" dirty="0"/>
-              <a:t>if a Contributor includes the Program in a commercial product offering, such</a:t>
-            </a:r>
-          </a:p>
-          <a:p>
-            <a:r>
-              <a:rPr lang="en-US" sz="1400" dirty="0"/>
-              <a:t>Contributor ("Commercial Contributor") hereby agrees to defend and indemnify</a:t>
-            </a:r>
-          </a:p>
-          <a:p>
-            <a:r>
-              <a:rPr lang="en-US" sz="1400" dirty="0"/>
-              <a:t>every other Contributor ("Indemnified Contributor") against any losses,</a:t>
-            </a:r>
-          </a:p>
-          <a:p>
-            <a:r>
-              <a:rPr lang="en-US" sz="1400" dirty="0"/>
-              <a:t>damages and costs (collectively "Losses") arising from claims, lawsuits and</a:t>
-            </a:r>
-          </a:p>
-          <a:p>
-            <a:r>
-              <a:rPr lang="en-US" sz="1400" dirty="0"/>
-              <a:t>other legal actions brought by a third party against the Indemnified</a:t>
-            </a:r>
-          </a:p>
-          <a:p>
-            <a:r>
-              <a:rPr lang="en-US" sz="1400" dirty="0"/>
-              <a:t>Contributor to the extent caused by the acts or omissions of such Commercial</a:t>
-            </a:r>
-          </a:p>
-          <a:p>
-            <a:r>
-              <a:rPr lang="en-US" sz="1400" dirty="0"/>
-              <a:t>Contributor in connection with its distribution of the Program in a commercial</a:t>
-            </a:r>
-          </a:p>
-          <a:p>
-            <a:r>
-              <a:rPr lang="en-US" sz="1400" dirty="0"/>
-              <a:t>product offering. The obligations in this section do not apply to any claims</a:t>
-            </a:r>
-          </a:p>
-          <a:p>
-            <a:r>
-              <a:rPr lang="en-US" sz="1400" dirty="0"/>
-              <a:t>or Losses relating to any actual or alleged intellectual property</a:t>
-            </a:r>
-          </a:p>
-          <a:p>
-            <a:r>
-              <a:rPr lang="en-US" sz="1400" dirty="0"/>
-              <a:t>infringement. In order to qualify, an Indemnified Contributor must:</a:t>
-            </a:r>
-            <a:endParaRPr lang="pt-BR" sz="1400" dirty="0"/>
+              <a:rPr lang="en-US" sz="1400" dirty="0">
+                <a:latin typeface="Arial" panose="020B0604020202020204" pitchFamily="34" charset="0"/>
+                <a:cs typeface="Arial" panose="020B0604020202020204" pitchFamily="34" charset="0"/>
+              </a:rPr>
+              <a:t> </a:t>
+            </a:r>
+            <a:r>
+              <a:rPr lang="en-US" sz="1400" dirty="0" smtClean="0">
+                <a:latin typeface="Arial" panose="020B0604020202020204" pitchFamily="34" charset="0"/>
+                <a:cs typeface="Arial" panose="020B0604020202020204" pitchFamily="34" charset="0"/>
+              </a:rPr>
+              <a:t>Therefore, if </a:t>
+            </a:r>
+            <a:r>
+              <a:rPr lang="en-US" sz="1400" dirty="0">
+                <a:latin typeface="Arial" panose="020B0604020202020204" pitchFamily="34" charset="0"/>
+                <a:cs typeface="Arial" panose="020B0604020202020204" pitchFamily="34" charset="0"/>
+              </a:rPr>
+              <a:t>a Contributor includes the Program in a commercial product offering, such</a:t>
+            </a:r>
+          </a:p>
+          <a:p>
+            <a:pPr marL="0" indent="0">
+              <a:buNone/>
+            </a:pPr>
+            <a:r>
+              <a:rPr lang="en-US" sz="1400" dirty="0" smtClean="0">
+                <a:latin typeface="Arial" panose="020B0604020202020204" pitchFamily="34" charset="0"/>
+                <a:cs typeface="Arial" panose="020B0604020202020204" pitchFamily="34" charset="0"/>
+              </a:rPr>
+              <a:t>      Contributor </a:t>
+            </a:r>
+            <a:r>
+              <a:rPr lang="en-US" sz="1400" dirty="0">
+                <a:latin typeface="Arial" panose="020B0604020202020204" pitchFamily="34" charset="0"/>
+                <a:cs typeface="Arial" panose="020B0604020202020204" pitchFamily="34" charset="0"/>
+              </a:rPr>
+              <a:t>("Commercial Contributor") hereby agrees to defend and indemnify</a:t>
+            </a:r>
+          </a:p>
+          <a:p>
+            <a:pPr marL="0" indent="0">
+              <a:buNone/>
+            </a:pPr>
+            <a:r>
+              <a:rPr lang="en-US" sz="1400" dirty="0" smtClean="0">
+                <a:latin typeface="Arial" panose="020B0604020202020204" pitchFamily="34" charset="0"/>
+                <a:cs typeface="Arial" panose="020B0604020202020204" pitchFamily="34" charset="0"/>
+              </a:rPr>
+              <a:t>      every </a:t>
+            </a:r>
+            <a:r>
+              <a:rPr lang="en-US" sz="1400" dirty="0">
+                <a:latin typeface="Arial" panose="020B0604020202020204" pitchFamily="34" charset="0"/>
+                <a:cs typeface="Arial" panose="020B0604020202020204" pitchFamily="34" charset="0"/>
+              </a:rPr>
+              <a:t>other Contributor ("Indemnified Contributor") against any losses,</a:t>
+            </a:r>
+          </a:p>
+          <a:p>
+            <a:pPr marL="0" indent="0">
+              <a:buNone/>
+            </a:pPr>
+            <a:r>
+              <a:rPr lang="en-US" sz="1400" dirty="0" smtClean="0">
+                <a:latin typeface="Arial" panose="020B0604020202020204" pitchFamily="34" charset="0"/>
+                <a:cs typeface="Arial" panose="020B0604020202020204" pitchFamily="34" charset="0"/>
+              </a:rPr>
+              <a:t>      damages </a:t>
+            </a:r>
+            <a:r>
+              <a:rPr lang="en-US" sz="1400" dirty="0">
+                <a:latin typeface="Arial" panose="020B0604020202020204" pitchFamily="34" charset="0"/>
+                <a:cs typeface="Arial" panose="020B0604020202020204" pitchFamily="34" charset="0"/>
+              </a:rPr>
+              <a:t>and costs (collectively "Losses") arising from claims, lawsuits and</a:t>
+            </a:r>
+          </a:p>
+          <a:p>
+            <a:pPr marL="0" indent="0">
+              <a:buNone/>
+            </a:pPr>
+            <a:r>
+              <a:rPr lang="en-US" sz="1400" dirty="0" smtClean="0">
+                <a:latin typeface="Arial" panose="020B0604020202020204" pitchFamily="34" charset="0"/>
+                <a:cs typeface="Arial" panose="020B0604020202020204" pitchFamily="34" charset="0"/>
+              </a:rPr>
+              <a:t>      other </a:t>
+            </a:r>
+            <a:r>
+              <a:rPr lang="en-US" sz="1400" dirty="0">
+                <a:latin typeface="Arial" panose="020B0604020202020204" pitchFamily="34" charset="0"/>
+                <a:cs typeface="Arial" panose="020B0604020202020204" pitchFamily="34" charset="0"/>
+              </a:rPr>
+              <a:t>legal actions brought by a third party against the Indemnified</a:t>
+            </a:r>
+          </a:p>
+          <a:p>
+            <a:pPr marL="0" indent="0">
+              <a:buNone/>
+            </a:pPr>
+            <a:r>
+              <a:rPr lang="en-US" sz="1400" dirty="0" smtClean="0">
+                <a:latin typeface="Arial" panose="020B0604020202020204" pitchFamily="34" charset="0"/>
+                <a:cs typeface="Arial" panose="020B0604020202020204" pitchFamily="34" charset="0"/>
+              </a:rPr>
+              <a:t>      Contributor </a:t>
+            </a:r>
+            <a:r>
+              <a:rPr lang="en-US" sz="1400" dirty="0">
+                <a:latin typeface="Arial" panose="020B0604020202020204" pitchFamily="34" charset="0"/>
+                <a:cs typeface="Arial" panose="020B0604020202020204" pitchFamily="34" charset="0"/>
+              </a:rPr>
+              <a:t>to the extent caused by the acts or omissions of such Commercial</a:t>
+            </a:r>
+          </a:p>
+          <a:p>
+            <a:pPr marL="0" indent="0">
+              <a:buNone/>
+            </a:pPr>
+            <a:r>
+              <a:rPr lang="en-US" sz="1400" dirty="0" smtClean="0">
+                <a:latin typeface="Arial" panose="020B0604020202020204" pitchFamily="34" charset="0"/>
+                <a:cs typeface="Arial" panose="020B0604020202020204" pitchFamily="34" charset="0"/>
+              </a:rPr>
+              <a:t>      Contributor </a:t>
+            </a:r>
+            <a:r>
+              <a:rPr lang="en-US" sz="1400" dirty="0">
+                <a:latin typeface="Arial" panose="020B0604020202020204" pitchFamily="34" charset="0"/>
+                <a:cs typeface="Arial" panose="020B0604020202020204" pitchFamily="34" charset="0"/>
+              </a:rPr>
+              <a:t>in connection with its distribution of the Program in a commercial</a:t>
+            </a:r>
+          </a:p>
+          <a:p>
+            <a:pPr marL="0" indent="0">
+              <a:buNone/>
+            </a:pPr>
+            <a:r>
+              <a:rPr lang="en-US" sz="1400" dirty="0" smtClean="0">
+                <a:latin typeface="Arial" panose="020B0604020202020204" pitchFamily="34" charset="0"/>
+                <a:cs typeface="Arial" panose="020B0604020202020204" pitchFamily="34" charset="0"/>
+              </a:rPr>
+              <a:t>      product </a:t>
+            </a:r>
+            <a:r>
+              <a:rPr lang="en-US" sz="1400" dirty="0">
+                <a:latin typeface="Arial" panose="020B0604020202020204" pitchFamily="34" charset="0"/>
+                <a:cs typeface="Arial" panose="020B0604020202020204" pitchFamily="34" charset="0"/>
+              </a:rPr>
+              <a:t>offering. The obligations in this section do not apply to any claims</a:t>
+            </a:r>
+          </a:p>
+          <a:p>
+            <a:pPr marL="0" indent="0">
+              <a:buNone/>
+            </a:pPr>
+            <a:r>
+              <a:rPr lang="en-US" sz="1400" dirty="0" smtClean="0">
+                <a:latin typeface="Arial" panose="020B0604020202020204" pitchFamily="34" charset="0"/>
+                <a:cs typeface="Arial" panose="020B0604020202020204" pitchFamily="34" charset="0"/>
+              </a:rPr>
+              <a:t>      or </a:t>
+            </a:r>
+            <a:r>
+              <a:rPr lang="en-US" sz="1400" dirty="0">
+                <a:latin typeface="Arial" panose="020B0604020202020204" pitchFamily="34" charset="0"/>
+                <a:cs typeface="Arial" panose="020B0604020202020204" pitchFamily="34" charset="0"/>
+              </a:rPr>
+              <a:t>Losses relating to any actual or alleged intellectual property</a:t>
+            </a:r>
+          </a:p>
+          <a:p>
+            <a:pPr marL="0" indent="0">
+              <a:buNone/>
+            </a:pPr>
+            <a:r>
+              <a:rPr lang="en-US" sz="1400" dirty="0" smtClean="0">
+                <a:latin typeface="Arial" panose="020B0604020202020204" pitchFamily="34" charset="0"/>
+                <a:cs typeface="Arial" panose="020B0604020202020204" pitchFamily="34" charset="0"/>
+              </a:rPr>
+              <a:t>      infringement</a:t>
+            </a:r>
+            <a:r>
+              <a:rPr lang="en-US" sz="1400" dirty="0">
+                <a:latin typeface="Arial" panose="020B0604020202020204" pitchFamily="34" charset="0"/>
+                <a:cs typeface="Arial" panose="020B0604020202020204" pitchFamily="34" charset="0"/>
+              </a:rPr>
+              <a:t>. In order to qualify, an Indemnified Contributor must:</a:t>
+            </a:r>
+            <a:endParaRPr lang="pt-BR" sz="1400" dirty="0">
+              <a:latin typeface="Arial" panose="020B0604020202020204" pitchFamily="34" charset="0"/>
+              <a:cs typeface="Arial" panose="020B0604020202020204" pitchFamily="34" charset="0"/>
+            </a:endParaRPr>
           </a:p>
         </p:txBody>
       </p:sp>
@@ -3164,36 +4419,56 @@
           <a:p>
             <a:pPr lvl="1"/>
             <a:r>
-              <a:rPr lang="en-US" sz="1400" dirty="0"/>
+              <a:rPr lang="en-US" sz="1400" dirty="0">
+                <a:latin typeface="Arial" panose="020B0604020202020204" pitchFamily="34" charset="0"/>
+                <a:cs typeface="Arial" panose="020B0604020202020204" pitchFamily="34" charset="0"/>
+              </a:rPr>
               <a:t>a) promptly notify the Commercial Contributor in writing of such claim, and</a:t>
             </a:r>
           </a:p>
           <a:p>
             <a:pPr lvl="1"/>
-            <a:r>
-              <a:rPr lang="en-US" sz="1400" dirty="0"/>
-              <a:t>b) allow the Commercial Contributor to control, and cooperate with the</a:t>
-            </a:r>
+            <a:endParaRPr lang="en-US" sz="1400" dirty="0" smtClean="0">
+              <a:latin typeface="Arial" panose="020B0604020202020204" pitchFamily="34" charset="0"/>
+              <a:cs typeface="Arial" panose="020B0604020202020204" pitchFamily="34" charset="0"/>
+            </a:endParaRPr>
           </a:p>
           <a:p>
             <a:pPr lvl="1"/>
             <a:r>
-              <a:rPr lang="en-US" sz="1400" dirty="0"/>
-              <a:t>Commercial Contributor in, the defense and any related settlement</a:t>
-            </a:r>
-          </a:p>
-          <a:p>
-            <a:pPr lvl="1"/>
-            <a:r>
-              <a:rPr lang="en-US" sz="1400" dirty="0"/>
-              <a:t>negotiations. The Indemnified Contributor may participate in any such claim at</a:t>
-            </a:r>
-          </a:p>
-          <a:p>
-            <a:pPr lvl="1"/>
-            <a:r>
-              <a:rPr lang="en-US" sz="1400" dirty="0"/>
-              <a:t>its own expense.</a:t>
+              <a:rPr lang="en-US" sz="1400" dirty="0" smtClean="0">
+                <a:latin typeface="Arial" panose="020B0604020202020204" pitchFamily="34" charset="0"/>
+                <a:cs typeface="Arial" panose="020B0604020202020204" pitchFamily="34" charset="0"/>
+              </a:rPr>
+              <a:t>b</a:t>
+            </a:r>
+            <a:r>
+              <a:rPr lang="en-US" sz="1400" dirty="0">
+                <a:latin typeface="Arial" panose="020B0604020202020204" pitchFamily="34" charset="0"/>
+                <a:cs typeface="Arial" panose="020B0604020202020204" pitchFamily="34" charset="0"/>
+              </a:rPr>
+              <a:t>) allow the Commercial Contributor to control, and cooperate with </a:t>
+            </a:r>
+            <a:r>
+              <a:rPr lang="en-US" sz="1400" dirty="0" smtClean="0">
+                <a:latin typeface="Arial" panose="020B0604020202020204" pitchFamily="34" charset="0"/>
+                <a:cs typeface="Arial" panose="020B0604020202020204" pitchFamily="34" charset="0"/>
+              </a:rPr>
+              <a:t>the Commercial Contributor in, the defense and any related settlement negotiations</a:t>
+            </a:r>
+            <a:r>
+              <a:rPr lang="en-US" sz="1400" dirty="0">
+                <a:latin typeface="Arial" panose="020B0604020202020204" pitchFamily="34" charset="0"/>
+                <a:cs typeface="Arial" panose="020B0604020202020204" pitchFamily="34" charset="0"/>
+              </a:rPr>
+              <a:t>. The Indemnified Contributor may participate in any such claim </a:t>
+            </a:r>
+            <a:r>
+              <a:rPr lang="en-US" sz="1400" dirty="0" smtClean="0">
+                <a:latin typeface="Arial" panose="020B0604020202020204" pitchFamily="34" charset="0"/>
+                <a:cs typeface="Arial" panose="020B0604020202020204" pitchFamily="34" charset="0"/>
+              </a:rPr>
+              <a:t>at its own expense.</a:t>
             </a:r>
           </a:p>
           <a:p>
@@ -3262,56 +4537,163 @@
           <a:lstStyle/>
           <a:p>
             <a:r>
-              <a:rPr lang="en-US" sz="1400" dirty="0"/>
+              <a:rPr lang="en-US" sz="1400" dirty="0">
+                <a:latin typeface="Arial" panose="020B0604020202020204" pitchFamily="34" charset="0"/>
+                <a:cs typeface="Arial" panose="020B0604020202020204" pitchFamily="34" charset="0"/>
+              </a:rPr>
               <a:t>For example, a Contributor might include the Program in a commercial product</a:t>
             </a:r>
           </a:p>
           <a:p>
-            <a:r>
-              <a:rPr lang="en-US" sz="1400" dirty="0"/>
-              <a:t>offering, Product X. That Contributor is then a Commercial Contributor. If</a:t>
-            </a:r>
-          </a:p>
-          <a:p>
-            <a:r>
-              <a:rPr lang="en-US" sz="1400" dirty="0"/>
-              <a:t>that Commercial Contributor then makes performance claims, or offers</a:t>
-            </a:r>
-          </a:p>
-          <a:p>
-            <a:r>
-              <a:rPr lang="en-US" sz="1400" dirty="0"/>
-              <a:t>warranties related to Product X, those performance claims and warranties are</a:t>
-            </a:r>
-          </a:p>
-          <a:p>
-            <a:r>
-              <a:rPr lang="en-US" sz="1400" dirty="0"/>
-              <a:t>such Commercial Contributor's responsibility alone. Under this section, the</a:t>
-            </a:r>
-          </a:p>
-          <a:p>
-            <a:r>
-              <a:rPr lang="en-US" sz="1400" dirty="0"/>
-              <a:t>Commercial Contributor would have to defend claims against the other</a:t>
-            </a:r>
-          </a:p>
-          <a:p>
-            <a:r>
-              <a:rPr lang="en-US" sz="1400" dirty="0"/>
-              <a:t>Contributors related to those performance claims and warranties, and if a</a:t>
-            </a:r>
-          </a:p>
-          <a:p>
-            <a:r>
-              <a:rPr lang="en-US" sz="1400" dirty="0"/>
-              <a:t>court requires any other Contributor to pay any damages as a result, the</a:t>
-            </a:r>
-          </a:p>
-          <a:p>
-            <a:r>
-              <a:rPr lang="en-US" sz="1400" dirty="0"/>
-              <a:t>Commercial Contributor must pay those damages.</a:t>
+            <a:pPr marL="0" indent="0">
+              <a:buNone/>
+            </a:pPr>
+            <a:r>
+              <a:rPr lang="en-US" sz="1400" dirty="0" smtClean="0">
+                <a:latin typeface="Arial" panose="020B0604020202020204" pitchFamily="34" charset="0"/>
+                <a:cs typeface="Arial" panose="020B0604020202020204" pitchFamily="34" charset="0"/>
+              </a:rPr>
+              <a:t>      offering</a:t>
+            </a:r>
+            <a:r>
+              <a:rPr lang="en-US" sz="1400" dirty="0">
+                <a:latin typeface="Arial" panose="020B0604020202020204" pitchFamily="34" charset="0"/>
+                <a:cs typeface="Arial" panose="020B0604020202020204" pitchFamily="34" charset="0"/>
+              </a:rPr>
+              <a:t>, Product X. That Contributor is then a Commercial Contributor. If</a:t>
+            </a:r>
+          </a:p>
+          <a:p>
+            <a:pPr marL="0" indent="0">
+              <a:buNone/>
+            </a:pPr>
+            <a:r>
+              <a:rPr lang="en-US" sz="1400" dirty="0" smtClean="0">
+                <a:latin typeface="Arial" panose="020B0604020202020204" pitchFamily="34" charset="0"/>
+                <a:cs typeface="Arial" panose="020B0604020202020204" pitchFamily="34" charset="0"/>
+              </a:rPr>
+              <a:t>      that </a:t>
+            </a:r>
+            <a:r>
+              <a:rPr lang="en-US" sz="1400" dirty="0">
+                <a:latin typeface="Arial" panose="020B0604020202020204" pitchFamily="34" charset="0"/>
+                <a:cs typeface="Arial" panose="020B0604020202020204" pitchFamily="34" charset="0"/>
+              </a:rPr>
+              <a:t>Commercial Contributor then makes performance claims, or offers</a:t>
+            </a:r>
+          </a:p>
+          <a:p>
+            <a:pPr marL="0" indent="0">
+              <a:buNone/>
+            </a:pPr>
+            <a:r>
+              <a:rPr lang="en-US" sz="1400" dirty="0" smtClean="0">
+                <a:latin typeface="Arial" panose="020B0604020202020204" pitchFamily="34" charset="0"/>
+                <a:cs typeface="Arial" panose="020B0604020202020204" pitchFamily="34" charset="0"/>
+              </a:rPr>
+              <a:t>      warranties </a:t>
+            </a:r>
+            <a:r>
+              <a:rPr lang="en-US" sz="1400" dirty="0">
+                <a:latin typeface="Arial" panose="020B0604020202020204" pitchFamily="34" charset="0"/>
+                <a:cs typeface="Arial" panose="020B0604020202020204" pitchFamily="34" charset="0"/>
+              </a:rPr>
+              <a:t>related to Product X, those performance claims and warranties are</a:t>
+            </a:r>
+          </a:p>
+          <a:p>
+            <a:pPr marL="0" indent="0">
+              <a:buNone/>
+            </a:pPr>
+            <a:r>
+              <a:rPr lang="en-US" sz="1400" dirty="0" smtClean="0">
+                <a:latin typeface="Arial" panose="020B0604020202020204" pitchFamily="34" charset="0"/>
+                <a:cs typeface="Arial" panose="020B0604020202020204" pitchFamily="34" charset="0"/>
+              </a:rPr>
+              <a:t>      such </a:t>
+            </a:r>
+            <a:r>
+              <a:rPr lang="en-US" sz="1400" dirty="0">
+                <a:latin typeface="Arial" panose="020B0604020202020204" pitchFamily="34" charset="0"/>
+                <a:cs typeface="Arial" panose="020B0604020202020204" pitchFamily="34" charset="0"/>
+              </a:rPr>
+              <a:t>Commercial Contributor's responsibility alone. Under this section, the</a:t>
+            </a:r>
+          </a:p>
+          <a:p>
+            <a:pPr marL="0" indent="0">
+              <a:buNone/>
+            </a:pPr>
+            <a:r>
+              <a:rPr lang="en-US" sz="1400" dirty="0" smtClean="0">
+                <a:latin typeface="Arial" panose="020B0604020202020204" pitchFamily="34" charset="0"/>
+                <a:cs typeface="Arial" panose="020B0604020202020204" pitchFamily="34" charset="0"/>
+              </a:rPr>
+              <a:t>      Commercial </a:t>
+            </a:r>
+            <a:r>
+              <a:rPr lang="en-US" sz="1400" dirty="0">
+                <a:latin typeface="Arial" panose="020B0604020202020204" pitchFamily="34" charset="0"/>
+                <a:cs typeface="Arial" panose="020B0604020202020204" pitchFamily="34" charset="0"/>
+              </a:rPr>
+              <a:t>Contributor would have to defend claims against the other</a:t>
+            </a:r>
+          </a:p>
+          <a:p>
+            <a:pPr marL="0" indent="0">
+              <a:buNone/>
+            </a:pPr>
+            <a:r>
+              <a:rPr lang="en-US" sz="1400" dirty="0" smtClean="0">
+                <a:latin typeface="Arial" panose="020B0604020202020204" pitchFamily="34" charset="0"/>
+                <a:cs typeface="Arial" panose="020B0604020202020204" pitchFamily="34" charset="0"/>
+              </a:rPr>
+              <a:t>      Contributors </a:t>
+            </a:r>
+            <a:r>
+              <a:rPr lang="en-US" sz="1400" dirty="0">
+                <a:latin typeface="Arial" panose="020B0604020202020204" pitchFamily="34" charset="0"/>
+                <a:cs typeface="Arial" panose="020B0604020202020204" pitchFamily="34" charset="0"/>
+              </a:rPr>
+              <a:t>related to those performance claims and warranties, and if a</a:t>
+            </a:r>
+          </a:p>
+          <a:p>
+            <a:pPr marL="0" indent="0">
+              <a:buNone/>
+            </a:pPr>
+            <a:r>
+              <a:rPr lang="en-US" sz="1400" dirty="0" smtClean="0">
+                <a:latin typeface="Arial" panose="020B0604020202020204" pitchFamily="34" charset="0"/>
+                <a:cs typeface="Arial" panose="020B0604020202020204" pitchFamily="34" charset="0"/>
+              </a:rPr>
+              <a:t>      court </a:t>
+            </a:r>
+            <a:r>
+              <a:rPr lang="en-US" sz="1400" dirty="0">
+                <a:latin typeface="Arial" panose="020B0604020202020204" pitchFamily="34" charset="0"/>
+                <a:cs typeface="Arial" panose="020B0604020202020204" pitchFamily="34" charset="0"/>
+              </a:rPr>
+              <a:t>requires any other Contributor to pay any damages as a result, the</a:t>
+            </a:r>
+          </a:p>
+          <a:p>
+            <a:pPr marL="0" indent="0">
+              <a:buNone/>
+            </a:pPr>
+            <a:r>
+              <a:rPr lang="en-US" sz="1400" dirty="0" smtClean="0">
+                <a:latin typeface="Arial" panose="020B0604020202020204" pitchFamily="34" charset="0"/>
+                <a:cs typeface="Arial" panose="020B0604020202020204" pitchFamily="34" charset="0"/>
+              </a:rPr>
+              <a:t>      Commercial </a:t>
+            </a:r>
+            <a:r>
+              <a:rPr lang="en-US" sz="1400" dirty="0">
+                <a:latin typeface="Arial" panose="020B0604020202020204" pitchFamily="34" charset="0"/>
+                <a:cs typeface="Arial" panose="020B0604020202020204" pitchFamily="34" charset="0"/>
+              </a:rPr>
+              <a:t>Contributor must pay those damages.</a:t>
             </a:r>
           </a:p>
           <a:p>
@@ -3379,71 +4761,239 @@
           <a:lstStyle/>
           <a:p>
             <a:r>
-              <a:rPr lang="en-US" dirty="0"/>
+              <a:rPr lang="en-US" dirty="0">
+                <a:latin typeface="Arial" panose="020B0604020202020204" pitchFamily="34" charset="0"/>
+                <a:cs typeface="Arial" panose="020B0604020202020204" pitchFamily="34" charset="0"/>
+              </a:rPr>
               <a:t>5. NO WARRANTY</a:t>
             </a:r>
           </a:p>
           <a:p>
-            <a:endParaRPr lang="en-US" dirty="0"/>
-          </a:p>
-          <a:p>
-            <a:r>
-              <a:rPr lang="en-US" dirty="0"/>
+            <a:endParaRPr lang="en-US" dirty="0">
+              <a:latin typeface="Arial" panose="020B0604020202020204" pitchFamily="34" charset="0"/>
+              <a:cs typeface="Arial" panose="020B0604020202020204" pitchFamily="34" charset="0"/>
+            </a:endParaRPr>
+          </a:p>
+          <a:p>
+            <a:r>
+              <a:rPr lang="en-US" dirty="0">
+                <a:latin typeface="Arial" panose="020B0604020202020204" pitchFamily="34" charset="0"/>
+                <a:cs typeface="Arial" panose="020B0604020202020204" pitchFamily="34" charset="0"/>
+              </a:rPr>
               <a:t>EXCEPT AS EXPRESSLY SET FORTH IN THIS AGREEMENT, THE PROGRAM IS PROVIDED ON AN</a:t>
             </a:r>
           </a:p>
           <a:p>
-            <a:r>
-              <a:rPr lang="en-US" dirty="0"/>
-              <a:t>"AS IS" BASIS, WITHOUT WARRANTIES OR CONDITIONS OF ANY KIND, EITHER EXPRESS OR</a:t>
-            </a:r>
-          </a:p>
-          <a:p>
-            <a:r>
-              <a:rPr lang="en-US" dirty="0"/>
-              <a:t>IMPLIED INCLUDING, WITHOUT LIMITATION, ANY WARRANTIES OR CONDITIONS OF TITLE,</a:t>
-            </a:r>
-          </a:p>
-          <a:p>
-            <a:r>
-              <a:rPr lang="en-US" dirty="0"/>
-              <a:t>NON-INFRINGEMENT, MERCHANTABILITY OR FITNESS FOR A PARTICULAR PURPOSE. Each</a:t>
-            </a:r>
-          </a:p>
-          <a:p>
-            <a:r>
-              <a:rPr lang="en-US" dirty="0"/>
-              <a:t>Recipient is solely responsible for determining the appropriateness of using</a:t>
-            </a:r>
-          </a:p>
-          <a:p>
-            <a:r>
-              <a:rPr lang="en-US" dirty="0"/>
-              <a:t>and distributing the Program and assumes all risks associated with its</a:t>
-            </a:r>
-          </a:p>
-          <a:p>
-            <a:r>
-              <a:rPr lang="en-US" dirty="0"/>
-              <a:t>exercise of rights under this Agreement , including but not limited to the</a:t>
-            </a:r>
-          </a:p>
-          <a:p>
-            <a:r>
-              <a:rPr lang="en-US" dirty="0"/>
-              <a:t>risks and costs of program errors, compliance with applicable laws, damage to</a:t>
-            </a:r>
-          </a:p>
-          <a:p>
-            <a:r>
-              <a:rPr lang="en-US" dirty="0"/>
-              <a:t>or loss of data, programs or equipment, and unavailability or interruption of</a:t>
-            </a:r>
-          </a:p>
-          <a:p>
-            <a:r>
-              <a:rPr lang="en-US" dirty="0"/>
-              <a:t>operations.</a:t>
+            <a:pPr marL="0" indent="0">
+              <a:buNone/>
+            </a:pPr>
+            <a:r>
+              <a:rPr lang="en-US" dirty="0" smtClean="0">
+                <a:latin typeface="Arial" panose="020B0604020202020204" pitchFamily="34" charset="0"/>
+                <a:cs typeface="Arial" panose="020B0604020202020204" pitchFamily="34" charset="0"/>
+              </a:rPr>
+              <a:t>     "</a:t>
+            </a:r>
+            <a:r>
+              <a:rPr lang="en-US" dirty="0">
+                <a:latin typeface="Arial" panose="020B0604020202020204" pitchFamily="34" charset="0"/>
+                <a:cs typeface="Arial" panose="020B0604020202020204" pitchFamily="34" charset="0"/>
+              </a:rPr>
+              <a:t>AS IS" BASIS, WITHOUT WARRANTIES OR CONDITIONS OF ANY KIND, EITHER EXPRESS OR</a:t>
+            </a:r>
+          </a:p>
+          <a:p>
+            <a:pPr marL="0" indent="0">
+              <a:buNone/>
+            </a:pPr>
+            <a:r>
+              <a:rPr lang="en-US" dirty="0" smtClean="0">
+                <a:latin typeface="Arial" panose="020B0604020202020204" pitchFamily="34" charset="0"/>
+                <a:cs typeface="Arial" panose="020B0604020202020204" pitchFamily="34" charset="0"/>
+              </a:rPr>
+              <a:t>      IMPLIED </a:t>
+            </a:r>
+            <a:r>
+              <a:rPr lang="en-US" dirty="0">
+                <a:latin typeface="Arial" panose="020B0604020202020204" pitchFamily="34" charset="0"/>
+                <a:cs typeface="Arial" panose="020B0604020202020204" pitchFamily="34" charset="0"/>
+              </a:rPr>
+              <a:t>INCLUDING, WITHOUT LIMITATION, ANY WARRANTIES OR CONDITIONS OF TITLE,</a:t>
+            </a:r>
+          </a:p>
+          <a:p>
+            <a:pPr marL="0" indent="0">
+              <a:buNone/>
+            </a:pPr>
+            <a:r>
+              <a:rPr lang="en-US" dirty="0" smtClean="0">
+                <a:latin typeface="Arial" panose="020B0604020202020204" pitchFamily="34" charset="0"/>
+                <a:cs typeface="Arial" panose="020B0604020202020204" pitchFamily="34" charset="0"/>
+              </a:rPr>
+              <a:t>      NON-INFRINGEMENT</a:t>
+            </a:r>
+            <a:r>
+              <a:rPr lang="en-US" dirty="0">
+                <a:latin typeface="Arial" panose="020B0604020202020204" pitchFamily="34" charset="0"/>
+                <a:cs typeface="Arial" panose="020B0604020202020204" pitchFamily="34" charset="0"/>
+              </a:rPr>
+              <a:t>, MERCHANTABILITY OR FITNESS FOR A PARTICULAR PURPOSE. Each</a:t>
+            </a:r>
+          </a:p>
+          <a:p>
+            <a:pPr marL="0" indent="0">
+              <a:buNone/>
+            </a:pPr>
+            <a:r>
+              <a:rPr lang="en-US" dirty="0" smtClean="0">
+                <a:latin typeface="Arial" panose="020B0604020202020204" pitchFamily="34" charset="0"/>
+                <a:cs typeface="Arial" panose="020B0604020202020204" pitchFamily="34" charset="0"/>
+              </a:rPr>
+              <a:t>      Recipient </a:t>
+            </a:r>
+            <a:r>
+              <a:rPr lang="en-US" dirty="0">
+                <a:latin typeface="Arial" panose="020B0604020202020204" pitchFamily="34" charset="0"/>
+                <a:cs typeface="Arial" panose="020B0604020202020204" pitchFamily="34" charset="0"/>
+              </a:rPr>
+              <a:t>is solely responsible for determining the appropriateness of </a:t>
+            </a:r>
+            <a:r>
+              <a:rPr lang="en-US" dirty="0" smtClean="0">
+                <a:latin typeface="Arial" panose="020B0604020202020204" pitchFamily="34" charset="0"/>
+                <a:cs typeface="Arial" panose="020B0604020202020204" pitchFamily="34" charset="0"/>
+              </a:rPr>
+              <a:t>using</a:t>
+            </a:r>
+          </a:p>
+          <a:p>
+            <a:pPr marL="0" indent="0">
+              <a:buNone/>
+            </a:pPr>
+            <a:r>
+              <a:rPr lang="en-US" dirty="0">
+                <a:latin typeface="Arial" panose="020B0604020202020204" pitchFamily="34" charset="0"/>
+                <a:cs typeface="Arial" panose="020B0604020202020204" pitchFamily="34" charset="0"/>
+              </a:rPr>
+              <a:t> </a:t>
+            </a:r>
+            <a:r>
+              <a:rPr lang="en-US" dirty="0" smtClean="0">
+                <a:latin typeface="Arial" panose="020B0604020202020204" pitchFamily="34" charset="0"/>
+                <a:cs typeface="Arial" panose="020B0604020202020204" pitchFamily="34" charset="0"/>
+              </a:rPr>
+              <a:t>     </a:t>
+            </a:r>
+            <a:r>
+              <a:rPr lang="en-US" dirty="0" smtClean="0">
+                <a:latin typeface="Arial" panose="020B0604020202020204" pitchFamily="34" charset="0"/>
+                <a:cs typeface="Arial" panose="020B0604020202020204" pitchFamily="34" charset="0"/>
+              </a:rPr>
+              <a:t>and </a:t>
+            </a:r>
+            <a:r>
+              <a:rPr lang="en-US" dirty="0">
+                <a:latin typeface="Arial" panose="020B0604020202020204" pitchFamily="34" charset="0"/>
+                <a:cs typeface="Arial" panose="020B0604020202020204" pitchFamily="34" charset="0"/>
+              </a:rPr>
+              <a:t>distributing the Program and assumes all risks associated with its</a:t>
+            </a:r>
+          </a:p>
+          <a:p>
+            <a:pPr marL="0" indent="0">
+              <a:buNone/>
+            </a:pPr>
+            <a:r>
+              <a:rPr lang="en-US" dirty="0" smtClean="0">
+                <a:latin typeface="Arial" panose="020B0604020202020204" pitchFamily="34" charset="0"/>
+                <a:cs typeface="Arial" panose="020B0604020202020204" pitchFamily="34" charset="0"/>
+              </a:rPr>
+              <a:t>      exercise </a:t>
+            </a:r>
+            <a:r>
+              <a:rPr lang="en-US" dirty="0">
+                <a:latin typeface="Arial" panose="020B0604020202020204" pitchFamily="34" charset="0"/>
+                <a:cs typeface="Arial" panose="020B0604020202020204" pitchFamily="34" charset="0"/>
+              </a:rPr>
+              <a:t>of rights under this Agreement , including but not limited to the</a:t>
+            </a:r>
+          </a:p>
+          <a:p>
+            <a:pPr marL="0" indent="0">
+              <a:buNone/>
+            </a:pPr>
+            <a:r>
+              <a:rPr lang="en-US" dirty="0" smtClean="0">
+                <a:latin typeface="Arial" panose="020B0604020202020204" pitchFamily="34" charset="0"/>
+                <a:cs typeface="Arial" panose="020B0604020202020204" pitchFamily="34" charset="0"/>
+              </a:rPr>
+              <a:t>      risks </a:t>
+            </a:r>
+            <a:r>
+              <a:rPr lang="en-US" dirty="0">
+                <a:latin typeface="Arial" panose="020B0604020202020204" pitchFamily="34" charset="0"/>
+                <a:cs typeface="Arial" panose="020B0604020202020204" pitchFamily="34" charset="0"/>
+              </a:rPr>
+              <a:t>and costs of program errors, compliance with applicable laws, damage to</a:t>
+            </a:r>
+          </a:p>
+          <a:p>
+            <a:pPr marL="0" indent="0">
+              <a:buNone/>
+            </a:pPr>
+            <a:r>
+              <a:rPr lang="en-US" dirty="0" smtClean="0">
+                <a:latin typeface="Arial" panose="020B0604020202020204" pitchFamily="34" charset="0"/>
+                <a:cs typeface="Arial" panose="020B0604020202020204" pitchFamily="34" charset="0"/>
+              </a:rPr>
+              <a:t>      or </a:t>
+            </a:r>
+            <a:r>
+              <a:rPr lang="en-US" dirty="0">
+                <a:latin typeface="Arial" panose="020B0604020202020204" pitchFamily="34" charset="0"/>
+                <a:cs typeface="Arial" panose="020B0604020202020204" pitchFamily="34" charset="0"/>
+              </a:rPr>
+              <a:t>loss of data, programs or equipment, and unavailability or interruption </a:t>
+            </a:r>
+            <a:r>
+              <a:rPr lang="en-US" dirty="0" smtClean="0">
+                <a:latin typeface="Arial" panose="020B0604020202020204" pitchFamily="34" charset="0"/>
+                <a:cs typeface="Arial" panose="020B0604020202020204" pitchFamily="34" charset="0"/>
+              </a:rPr>
+              <a:t>of</a:t>
+            </a:r>
+          </a:p>
+          <a:p>
+            <a:pPr marL="0" indent="0">
+              <a:buNone/>
+            </a:pPr>
+            <a:r>
+              <a:rPr lang="en-US" dirty="0">
+                <a:latin typeface="Arial" panose="020B0604020202020204" pitchFamily="34" charset="0"/>
+                <a:cs typeface="Arial" panose="020B0604020202020204" pitchFamily="34" charset="0"/>
+              </a:rPr>
+              <a:t> </a:t>
+            </a:r>
+            <a:r>
+              <a:rPr lang="en-US" dirty="0" smtClean="0">
+                <a:latin typeface="Arial" panose="020B0604020202020204" pitchFamily="34" charset="0"/>
+                <a:cs typeface="Arial" panose="020B0604020202020204" pitchFamily="34" charset="0"/>
+              </a:rPr>
+              <a:t>     </a:t>
+            </a:r>
+            <a:r>
+              <a:rPr lang="en-US" dirty="0" smtClean="0">
+                <a:latin typeface="Arial" panose="020B0604020202020204" pitchFamily="34" charset="0"/>
+                <a:cs typeface="Arial" panose="020B0604020202020204" pitchFamily="34" charset="0"/>
+              </a:rPr>
+              <a:t>operations</a:t>
+            </a:r>
+            <a:r>
+              <a:rPr lang="en-US" dirty="0">
+                <a:latin typeface="Arial" panose="020B0604020202020204" pitchFamily="34" charset="0"/>
+                <a:cs typeface="Arial" panose="020B0604020202020204" pitchFamily="34" charset="0"/>
+              </a:rPr>
+              <a:t>.</a:t>
             </a:r>
           </a:p>
           <a:p>
@@ -3506,64 +5056,263 @@
         </p:spPr>
         <p:txBody>
           <a:bodyPr>
-            <a:normAutofit fontScale="77500" lnSpcReduction="20000"/>
+            <a:normAutofit fontScale="70000" lnSpcReduction="20000"/>
           </a:bodyPr>
           <a:lstStyle/>
           <a:p>
             <a:r>
-              <a:rPr lang="en-US" dirty="0"/>
+              <a:rPr lang="en-US" dirty="0">
+                <a:latin typeface="Arial" panose="020B0604020202020204" pitchFamily="34" charset="0"/>
+                <a:cs typeface="Arial" panose="020B0604020202020204" pitchFamily="34" charset="0"/>
+              </a:rPr>
               <a:t>6. DISCLAIMER OF LIABILITY</a:t>
             </a:r>
           </a:p>
           <a:p>
-            <a:endParaRPr lang="en-US" dirty="0"/>
-          </a:p>
-          <a:p>
-            <a:r>
-              <a:rPr lang="en-US" dirty="0"/>
+            <a:endParaRPr lang="en-US" dirty="0">
+              <a:latin typeface="Arial" panose="020B0604020202020204" pitchFamily="34" charset="0"/>
+              <a:cs typeface="Arial" panose="020B0604020202020204" pitchFamily="34" charset="0"/>
+            </a:endParaRPr>
+          </a:p>
+          <a:p>
+            <a:r>
+              <a:rPr lang="en-US" dirty="0">
+                <a:latin typeface="Arial" panose="020B0604020202020204" pitchFamily="34" charset="0"/>
+                <a:cs typeface="Arial" panose="020B0604020202020204" pitchFamily="34" charset="0"/>
+              </a:rPr>
               <a:t>EXCEPT AS EXPRESSLY SET FORTH IN THIS AGREEMENT, NEITHER RECIPIENT NOR ANY</a:t>
             </a:r>
           </a:p>
           <a:p>
-            <a:r>
-              <a:rPr lang="en-US" dirty="0"/>
-              <a:t>CONTRIBUTORS SHALL HAVE ANY LIABILITY FOR ANY DIRECT, INDIRECT, INCIDENTAL,</a:t>
-            </a:r>
-          </a:p>
-          <a:p>
-            <a:r>
-              <a:rPr lang="en-US" dirty="0"/>
-              <a:t>SPECIAL, EXEMPLARY, OR CONSEQUENTIAL DAMAGES (INCLUDING WITHOUT LIMITATION</a:t>
-            </a:r>
-          </a:p>
-          <a:p>
-            <a:r>
-              <a:rPr lang="en-US" dirty="0"/>
-              <a:t>LOST PROFITS), HOWEVER CAUSED AND ON ANY THEORY OF LIABILITY, WHETHER IN</a:t>
-            </a:r>
-          </a:p>
-          <a:p>
-            <a:r>
-              <a:rPr lang="en-US" dirty="0"/>
-              <a:t>CONTRACT, STRICT LIABILITY, OR TORT (INCLUDING NEGLIGENCE OR OTHERWISE)</a:t>
-            </a:r>
-          </a:p>
-          <a:p>
-            <a:r>
-              <a:rPr lang="en-US" dirty="0"/>
-              <a:t>ARISING IN ANY WAY OUT OF THE USE OR DISTRIBUTION OF THE PROGRAM OR THE</a:t>
-            </a:r>
-          </a:p>
-          <a:p>
-            <a:r>
-              <a:rPr lang="en-US" dirty="0"/>
-              <a:t>EXERCISE OF ANY RIGHTS GRANTED HEREUNDER, EVEN IF ADVISED OF THE POSSIBILITY</a:t>
-            </a:r>
-          </a:p>
-          <a:p>
-            <a:r>
-              <a:rPr lang="en-US" dirty="0"/>
-              <a:t>OF SUCH DAMAGES.</a:t>
+            <a:pPr marL="0" indent="0">
+              <a:buNone/>
+            </a:pPr>
+            <a:r>
+              <a:rPr lang="en-US" dirty="0" smtClean="0">
+                <a:latin typeface="Arial" panose="020B0604020202020204" pitchFamily="34" charset="0"/>
+                <a:cs typeface="Arial" panose="020B0604020202020204" pitchFamily="34" charset="0"/>
+              </a:rPr>
+              <a:t>     CONTRIBUTORS </a:t>
+            </a:r>
+            <a:r>
+              <a:rPr lang="en-US" dirty="0">
+                <a:latin typeface="Arial" panose="020B0604020202020204" pitchFamily="34" charset="0"/>
+                <a:cs typeface="Arial" panose="020B0604020202020204" pitchFamily="34" charset="0"/>
+              </a:rPr>
+              <a:t>SHALL HAVE ANY LIABILITY FOR ANY DIRECT, INDIRECT, INCIDENTAL,</a:t>
+            </a:r>
+          </a:p>
+          <a:p>
+            <a:pPr marL="0" indent="0">
+              <a:buNone/>
+            </a:pPr>
+            <a:r>
+              <a:rPr lang="en-US" dirty="0" smtClean="0">
+                <a:latin typeface="Arial" panose="020B0604020202020204" pitchFamily="34" charset="0"/>
+                <a:cs typeface="Arial" panose="020B0604020202020204" pitchFamily="34" charset="0"/>
+              </a:rPr>
+              <a:t>      SPECIAL</a:t>
+            </a:r>
+            <a:r>
+              <a:rPr lang="en-US" dirty="0">
+                <a:latin typeface="Arial" panose="020B0604020202020204" pitchFamily="34" charset="0"/>
+                <a:cs typeface="Arial" panose="020B0604020202020204" pitchFamily="34" charset="0"/>
+              </a:rPr>
+              <a:t>, EXEMPLARY, OR CONSEQUENTIAL DAMAGES (INCLUDING WITHOUT </a:t>
+            </a:r>
+            <a:r>
+              <a:rPr lang="en-US" dirty="0" smtClean="0">
+                <a:latin typeface="Arial" panose="020B0604020202020204" pitchFamily="34" charset="0"/>
+                <a:cs typeface="Arial" panose="020B0604020202020204" pitchFamily="34" charset="0"/>
+              </a:rPr>
+              <a:t>    </a:t>
+            </a:r>
+          </a:p>
+          <a:p>
+            <a:pPr marL="0" indent="0">
+              <a:buNone/>
+            </a:pPr>
+            <a:r>
+              <a:rPr lang="en-US" dirty="0">
+                <a:latin typeface="Arial" panose="020B0604020202020204" pitchFamily="34" charset="0"/>
+                <a:cs typeface="Arial" panose="020B0604020202020204" pitchFamily="34" charset="0"/>
+              </a:rPr>
+              <a:t> </a:t>
+            </a:r>
+            <a:r>
+              <a:rPr lang="en-US" dirty="0" smtClean="0">
+                <a:latin typeface="Arial" panose="020B0604020202020204" pitchFamily="34" charset="0"/>
+                <a:cs typeface="Arial" panose="020B0604020202020204" pitchFamily="34" charset="0"/>
+              </a:rPr>
+              <a:t>     </a:t>
+            </a:r>
+            <a:r>
+              <a:rPr lang="en-US" dirty="0" smtClean="0">
+                <a:latin typeface="Arial" panose="020B0604020202020204" pitchFamily="34" charset="0"/>
+                <a:cs typeface="Arial" panose="020B0604020202020204" pitchFamily="34" charset="0"/>
+              </a:rPr>
+              <a:t>LIMITATION</a:t>
+            </a:r>
+            <a:endParaRPr lang="en-US" dirty="0">
+              <a:latin typeface="Arial" panose="020B0604020202020204" pitchFamily="34" charset="0"/>
+              <a:cs typeface="Arial" panose="020B0604020202020204" pitchFamily="34" charset="0"/>
+            </a:endParaRPr>
+          </a:p>
+          <a:p>
+            <a:pPr marL="0" indent="0">
+              <a:buNone/>
+            </a:pPr>
+            <a:r>
+              <a:rPr lang="en-US" dirty="0" smtClean="0">
+                <a:latin typeface="Arial" panose="020B0604020202020204" pitchFamily="34" charset="0"/>
+                <a:cs typeface="Arial" panose="020B0604020202020204" pitchFamily="34" charset="0"/>
+              </a:rPr>
+              <a:t>      LOST </a:t>
+            </a:r>
+            <a:r>
+              <a:rPr lang="en-US" dirty="0">
+                <a:latin typeface="Arial" panose="020B0604020202020204" pitchFamily="34" charset="0"/>
+                <a:cs typeface="Arial" panose="020B0604020202020204" pitchFamily="34" charset="0"/>
+              </a:rPr>
+              <a:t>PROFITS), HOWEVER CAUSED AND ON ANY THEORY OF LIABILITY, WHETHER IN</a:t>
+            </a:r>
+          </a:p>
+          <a:p>
+            <a:pPr marL="0" indent="0">
+              <a:buNone/>
+            </a:pPr>
+            <a:r>
+              <a:rPr lang="en-US" dirty="0">
+                <a:latin typeface="Arial" panose="020B0604020202020204" pitchFamily="34" charset="0"/>
+                <a:cs typeface="Arial" panose="020B0604020202020204" pitchFamily="34" charset="0"/>
+              </a:rPr>
+              <a:t> </a:t>
+            </a:r>
+            <a:r>
+              <a:rPr lang="en-US" dirty="0" smtClean="0">
+                <a:latin typeface="Arial" panose="020B0604020202020204" pitchFamily="34" charset="0"/>
+                <a:cs typeface="Arial" panose="020B0604020202020204" pitchFamily="34" charset="0"/>
+              </a:rPr>
+              <a:t>     </a:t>
+            </a:r>
+            <a:r>
+              <a:rPr lang="en-US" dirty="0" smtClean="0">
+                <a:latin typeface="Arial" panose="020B0604020202020204" pitchFamily="34" charset="0"/>
+                <a:cs typeface="Arial" panose="020B0604020202020204" pitchFamily="34" charset="0"/>
+              </a:rPr>
+              <a:t>CONTRACT</a:t>
+            </a:r>
+            <a:r>
+              <a:rPr lang="en-US" dirty="0">
+                <a:latin typeface="Arial" panose="020B0604020202020204" pitchFamily="34" charset="0"/>
+                <a:cs typeface="Arial" panose="020B0604020202020204" pitchFamily="34" charset="0"/>
+              </a:rPr>
+              <a:t>, STRICT LIABILITY, OR TORT (INCLUDING NEGLIGENCE OR OTHERWISE)</a:t>
+            </a:r>
+          </a:p>
+          <a:p>
+            <a:pPr marL="0" indent="0">
+              <a:buNone/>
+            </a:pPr>
+            <a:r>
+              <a:rPr lang="en-US" dirty="0" smtClean="0">
+                <a:latin typeface="Arial" panose="020B0604020202020204" pitchFamily="34" charset="0"/>
+                <a:cs typeface="Arial" panose="020B0604020202020204" pitchFamily="34" charset="0"/>
+              </a:rPr>
+              <a:t>      ARISING </a:t>
+            </a:r>
+            <a:r>
+              <a:rPr lang="en-US" dirty="0">
+                <a:latin typeface="Arial" panose="020B0604020202020204" pitchFamily="34" charset="0"/>
+                <a:cs typeface="Arial" panose="020B0604020202020204" pitchFamily="34" charset="0"/>
+              </a:rPr>
+              <a:t>IN ANY WAY OUT OF THE USE OR DISTRIBUTION OF THE PROGRAM OR THE</a:t>
+            </a:r>
+          </a:p>
+          <a:p>
+            <a:pPr marL="0" indent="0">
+              <a:buNone/>
+            </a:pPr>
+            <a:r>
+              <a:rPr lang="en-US" dirty="0" smtClean="0">
+                <a:latin typeface="Arial" panose="020B0604020202020204" pitchFamily="34" charset="0"/>
+                <a:cs typeface="Arial" panose="020B0604020202020204" pitchFamily="34" charset="0"/>
+              </a:rPr>
+              <a:t>      EXERCISE </a:t>
+            </a:r>
+            <a:r>
+              <a:rPr lang="en-US" dirty="0">
+                <a:latin typeface="Arial" panose="020B0604020202020204" pitchFamily="34" charset="0"/>
+                <a:cs typeface="Arial" panose="020B0604020202020204" pitchFamily="34" charset="0"/>
+              </a:rPr>
+              <a:t>OF ANY RIGHTS GRANTED HEREUNDER, EVEN IF ADVISED OF THE </a:t>
+            </a:r>
+            <a:endParaRPr lang="en-US" dirty="0" smtClean="0">
+              <a:latin typeface="Arial" panose="020B0604020202020204" pitchFamily="34" charset="0"/>
+              <a:cs typeface="Arial" panose="020B0604020202020204" pitchFamily="34" charset="0"/>
+            </a:endParaRPr>
+          </a:p>
+          <a:p>
+            <a:pPr marL="0" indent="0">
+              <a:buNone/>
+            </a:pPr>
+            <a:r>
+              <a:rPr lang="en-US" dirty="0">
+                <a:latin typeface="Arial" panose="020B0604020202020204" pitchFamily="34" charset="0"/>
+                <a:cs typeface="Arial" panose="020B0604020202020204" pitchFamily="34" charset="0"/>
+              </a:rPr>
+              <a:t> </a:t>
+            </a:r>
+            <a:r>
+              <a:rPr lang="en-US" dirty="0" smtClean="0">
+                <a:latin typeface="Arial" panose="020B0604020202020204" pitchFamily="34" charset="0"/>
+                <a:cs typeface="Arial" panose="020B0604020202020204" pitchFamily="34" charset="0"/>
+              </a:rPr>
+              <a:t>     </a:t>
+            </a:r>
+            <a:r>
+              <a:rPr lang="en-US" dirty="0" smtClean="0">
+                <a:latin typeface="Arial" panose="020B0604020202020204" pitchFamily="34" charset="0"/>
+                <a:cs typeface="Arial" panose="020B0604020202020204" pitchFamily="34" charset="0"/>
+              </a:rPr>
+              <a:t>POSSIBILITY</a:t>
+            </a:r>
+            <a:endParaRPr lang="en-US" dirty="0">
+              <a:latin typeface="Arial" panose="020B0604020202020204" pitchFamily="34" charset="0"/>
+              <a:cs typeface="Arial" panose="020B0604020202020204" pitchFamily="34" charset="0"/>
+            </a:endParaRPr>
+          </a:p>
+          <a:p>
+            <a:pPr marL="0" indent="0">
+              <a:buNone/>
+            </a:pPr>
+            <a:r>
+              <a:rPr lang="en-US" dirty="0">
+                <a:latin typeface="Arial" panose="020B0604020202020204" pitchFamily="34" charset="0"/>
+                <a:cs typeface="Arial" panose="020B0604020202020204" pitchFamily="34" charset="0"/>
+              </a:rPr>
+              <a:t> </a:t>
+            </a:r>
+            <a:r>
+              <a:rPr lang="en-US" dirty="0" smtClean="0">
+                <a:latin typeface="Arial" panose="020B0604020202020204" pitchFamily="34" charset="0"/>
+                <a:cs typeface="Arial" panose="020B0604020202020204" pitchFamily="34" charset="0"/>
+              </a:rPr>
+              <a:t>     </a:t>
+            </a:r>
+            <a:r>
+              <a:rPr lang="en-US" dirty="0" smtClean="0">
+                <a:latin typeface="Arial" panose="020B0604020202020204" pitchFamily="34" charset="0"/>
+                <a:cs typeface="Arial" panose="020B0604020202020204" pitchFamily="34" charset="0"/>
+              </a:rPr>
+              <a:t>OF </a:t>
+            </a:r>
+            <a:r>
+              <a:rPr lang="en-US" dirty="0">
+                <a:latin typeface="Arial" panose="020B0604020202020204" pitchFamily="34" charset="0"/>
+                <a:cs typeface="Arial" panose="020B0604020202020204" pitchFamily="34" charset="0"/>
+              </a:rPr>
+              <a:t>SUCH DAMAGES.</a:t>
             </a:r>
           </a:p>
           <a:p>
@@ -3631,41 +5380,102 @@
           <a:lstStyle/>
           <a:p>
             <a:r>
-              <a:rPr lang="en-US" sz="1400" dirty="0"/>
+              <a:rPr lang="en-US" sz="1400" dirty="0">
+                <a:latin typeface="Arial" panose="020B0604020202020204" pitchFamily="34" charset="0"/>
+                <a:cs typeface="Arial" panose="020B0604020202020204" pitchFamily="34" charset="0"/>
+              </a:rPr>
               <a:t>7. GENERAL</a:t>
             </a:r>
           </a:p>
           <a:p>
-            <a:endParaRPr lang="en-US" sz="1400" dirty="0"/>
-          </a:p>
-          <a:p>
-            <a:r>
-              <a:rPr lang="en-US" sz="1400" dirty="0"/>
+            <a:endParaRPr lang="en-US" sz="1400" dirty="0">
+              <a:latin typeface="Arial" panose="020B0604020202020204" pitchFamily="34" charset="0"/>
+              <a:cs typeface="Arial" panose="020B0604020202020204" pitchFamily="34" charset="0"/>
+            </a:endParaRPr>
+          </a:p>
+          <a:p>
+            <a:r>
+              <a:rPr lang="en-US" sz="1400" dirty="0">
+                <a:latin typeface="Arial" panose="020B0604020202020204" pitchFamily="34" charset="0"/>
+                <a:cs typeface="Arial" panose="020B0604020202020204" pitchFamily="34" charset="0"/>
+              </a:rPr>
               <a:t>If any provision of this Agreement is invalid or unenforceable under</a:t>
             </a:r>
           </a:p>
           <a:p>
-            <a:r>
-              <a:rPr lang="en-US" sz="1400" dirty="0"/>
-              <a:t>applicable law, it shall not affect the validity or enforceability of the</a:t>
-            </a:r>
-          </a:p>
-          <a:p>
-            <a:r>
-              <a:rPr lang="en-US" sz="1400" dirty="0"/>
-              <a:t>remainder of the terms of this Agreement, and without further action by the</a:t>
-            </a:r>
-          </a:p>
-          <a:p>
-            <a:r>
-              <a:rPr lang="en-US" sz="1400" dirty="0"/>
-              <a:t>parties hereto, such provision shall be reformed to the minimum extent</a:t>
-            </a:r>
-          </a:p>
-          <a:p>
-            <a:r>
-              <a:rPr lang="en-US" sz="1400" dirty="0"/>
-              <a:t>necessary to make such provision valid and enforceable.</a:t>
+            <a:pPr marL="0" indent="0">
+              <a:buNone/>
+            </a:pPr>
+            <a:r>
+              <a:rPr lang="en-US" sz="1400" dirty="0" smtClean="0">
+                <a:latin typeface="Arial" panose="020B0604020202020204" pitchFamily="34" charset="0"/>
+                <a:cs typeface="Arial" panose="020B0604020202020204" pitchFamily="34" charset="0"/>
+              </a:rPr>
+              <a:t>      applicable </a:t>
+            </a:r>
+            <a:r>
+              <a:rPr lang="en-US" sz="1400" dirty="0">
+                <a:latin typeface="Arial" panose="020B0604020202020204" pitchFamily="34" charset="0"/>
+                <a:cs typeface="Arial" panose="020B0604020202020204" pitchFamily="34" charset="0"/>
+              </a:rPr>
+              <a:t>law, it shall not affect the validity or enforceability of the</a:t>
+            </a:r>
+          </a:p>
+          <a:p>
+            <a:pPr marL="0" indent="0">
+              <a:buNone/>
+            </a:pPr>
+            <a:r>
+              <a:rPr lang="en-US" sz="1400" dirty="0" smtClean="0">
+                <a:latin typeface="Arial" panose="020B0604020202020204" pitchFamily="34" charset="0"/>
+                <a:cs typeface="Arial" panose="020B0604020202020204" pitchFamily="34" charset="0"/>
+              </a:rPr>
+              <a:t>      remainder </a:t>
+            </a:r>
+            <a:r>
+              <a:rPr lang="en-US" sz="1400" dirty="0">
+                <a:latin typeface="Arial" panose="020B0604020202020204" pitchFamily="34" charset="0"/>
+                <a:cs typeface="Arial" panose="020B0604020202020204" pitchFamily="34" charset="0"/>
+              </a:rPr>
+              <a:t>of the terms of this Agreement, and without further action by the</a:t>
+            </a:r>
+          </a:p>
+          <a:p>
+            <a:pPr marL="0" indent="0">
+              <a:buNone/>
+            </a:pPr>
+            <a:r>
+              <a:rPr lang="en-US" sz="1400" dirty="0" smtClean="0">
+                <a:latin typeface="Arial" panose="020B0604020202020204" pitchFamily="34" charset="0"/>
+                <a:cs typeface="Arial" panose="020B0604020202020204" pitchFamily="34" charset="0"/>
+              </a:rPr>
+              <a:t>      parties </a:t>
+            </a:r>
+            <a:r>
+              <a:rPr lang="en-US" sz="1400" dirty="0">
+                <a:latin typeface="Arial" panose="020B0604020202020204" pitchFamily="34" charset="0"/>
+                <a:cs typeface="Arial" panose="020B0604020202020204" pitchFamily="34" charset="0"/>
+              </a:rPr>
+              <a:t>hereto, such provision shall be reformed to the minimum extent</a:t>
+            </a:r>
+          </a:p>
+          <a:p>
+            <a:pPr marL="0" indent="0">
+              <a:buNone/>
+            </a:pPr>
+            <a:r>
+              <a:rPr lang="en-US" sz="1400" dirty="0" smtClean="0">
+                <a:latin typeface="Arial" panose="020B0604020202020204" pitchFamily="34" charset="0"/>
+                <a:cs typeface="Arial" panose="020B0604020202020204" pitchFamily="34" charset="0"/>
+              </a:rPr>
+              <a:t>      necessary </a:t>
+            </a:r>
+            <a:r>
+              <a:rPr lang="en-US" sz="1400" dirty="0">
+                <a:latin typeface="Arial" panose="020B0604020202020204" pitchFamily="34" charset="0"/>
+                <a:cs typeface="Arial" panose="020B0604020202020204" pitchFamily="34" charset="0"/>
+              </a:rPr>
+              <a:t>to make such provision valid and enforceable.</a:t>
             </a:r>
           </a:p>
           <a:p>
@@ -3712,25 +5522,6 @@
       </p:grpSpPr>
       <p:sp>
         <p:nvSpPr>
-          <p:cNvPr id="2" name="Título 1"/>
-          <p:cNvSpPr>
-            <a:spLocks noGrp="1"/>
-          </p:cNvSpPr>
-          <p:nvPr>
-            <p:ph type="title"/>
-          </p:nvPr>
-        </p:nvSpPr>
-        <p:spPr/>
-        <p:txBody>
-          <a:bodyPr/>
-          <a:lstStyle/>
-          <a:p>
-            <a:endParaRPr lang="pt-BR"/>
-          </a:p>
-        </p:txBody>
-      </p:sp>
-      <p:sp>
-        <p:nvSpPr>
           <p:cNvPr id="3" name="Espaço Reservado para Conteúdo 2"/>
           <p:cNvSpPr>
             <a:spLocks noGrp="1"/>
@@ -3747,32 +5538,87 @@
           <a:lstStyle/>
           <a:p>
             <a:r>
-              <a:rPr lang="en-US" sz="1400" dirty="0"/>
+              <a:rPr lang="en-US" sz="1400" dirty="0">
+                <a:latin typeface="Arial" panose="020B0604020202020204" pitchFamily="34" charset="0"/>
+                <a:cs typeface="Arial" panose="020B0604020202020204" pitchFamily="34" charset="0"/>
+              </a:rPr>
               <a:t>If Recipient institutes patent litigation against any entity (including a</a:t>
             </a:r>
           </a:p>
           <a:p>
-            <a:r>
-              <a:rPr lang="en-US" sz="1400" dirty="0"/>
-              <a:t>cross-claim or counterclaim in a lawsuit) alleging that the Program itself</a:t>
-            </a:r>
-          </a:p>
-          <a:p>
-            <a:r>
-              <a:rPr lang="en-US" sz="1400" dirty="0"/>
-              <a:t>(excluding combinations of the Program with other software or hardware)</a:t>
-            </a:r>
-          </a:p>
-          <a:p>
-            <a:r>
-              <a:rPr lang="en-US" sz="1400" dirty="0"/>
-              <a:t>infringes such Recipient's patent(s), then such Recipient's rights granted</a:t>
-            </a:r>
-          </a:p>
-          <a:p>
-            <a:r>
-              <a:rPr lang="en-US" sz="1400" dirty="0"/>
-              <a:t>under Section 2(b) shall terminate as of the date such litigation is filed.</a:t>
+            <a:pPr marL="0" indent="0">
+              <a:buNone/>
+            </a:pPr>
+            <a:r>
+              <a:rPr lang="en-US" sz="1400" dirty="0" smtClean="0">
+                <a:latin typeface="Arial" panose="020B0604020202020204" pitchFamily="34" charset="0"/>
+                <a:cs typeface="Arial" panose="020B0604020202020204" pitchFamily="34" charset="0"/>
+              </a:rPr>
+              <a:t>      cross-claim </a:t>
+            </a:r>
+            <a:r>
+              <a:rPr lang="en-US" sz="1400" dirty="0">
+                <a:latin typeface="Arial" panose="020B0604020202020204" pitchFamily="34" charset="0"/>
+                <a:cs typeface="Arial" panose="020B0604020202020204" pitchFamily="34" charset="0"/>
+              </a:rPr>
+              <a:t>or counterclaim in a lawsuit) alleging that the Program itself</a:t>
+            </a:r>
+          </a:p>
+          <a:p>
+            <a:pPr marL="0" indent="0">
+              <a:buNone/>
+            </a:pPr>
+            <a:r>
+              <a:rPr lang="en-US" sz="1400" dirty="0" smtClean="0">
+                <a:latin typeface="Arial" panose="020B0604020202020204" pitchFamily="34" charset="0"/>
+                <a:cs typeface="Arial" panose="020B0604020202020204" pitchFamily="34" charset="0"/>
+              </a:rPr>
+              <a:t>      (</a:t>
+            </a:r>
+            <a:r>
+              <a:rPr lang="en-US" sz="1400" dirty="0">
+                <a:latin typeface="Arial" panose="020B0604020202020204" pitchFamily="34" charset="0"/>
+                <a:cs typeface="Arial" panose="020B0604020202020204" pitchFamily="34" charset="0"/>
+              </a:rPr>
+              <a:t>excluding combinations of the Program with other software or hardware)</a:t>
+            </a:r>
+          </a:p>
+          <a:p>
+            <a:pPr marL="0" indent="0">
+              <a:buNone/>
+            </a:pPr>
+            <a:r>
+              <a:rPr lang="en-US" sz="1400" dirty="0" smtClean="0">
+                <a:latin typeface="Arial" panose="020B0604020202020204" pitchFamily="34" charset="0"/>
+                <a:cs typeface="Arial" panose="020B0604020202020204" pitchFamily="34" charset="0"/>
+              </a:rPr>
+              <a:t>      infringes </a:t>
+            </a:r>
+            <a:r>
+              <a:rPr lang="en-US" sz="1400" dirty="0">
+                <a:latin typeface="Arial" panose="020B0604020202020204" pitchFamily="34" charset="0"/>
+                <a:cs typeface="Arial" panose="020B0604020202020204" pitchFamily="34" charset="0"/>
+              </a:rPr>
+              <a:t>such Recipient's patent(s), then such Recipient's rights granted</a:t>
+            </a:r>
+          </a:p>
+          <a:p>
+            <a:pPr marL="0" indent="0">
+              <a:buNone/>
+            </a:pPr>
+            <a:r>
+              <a:rPr lang="en-US" sz="1400" dirty="0" smtClean="0">
+                <a:latin typeface="Arial" panose="020B0604020202020204" pitchFamily="34" charset="0"/>
+                <a:cs typeface="Arial" panose="020B0604020202020204" pitchFamily="34" charset="0"/>
+              </a:rPr>
+              <a:t>      under </a:t>
+            </a:r>
+            <a:r>
+              <a:rPr lang="en-US" sz="1400" dirty="0">
+                <a:latin typeface="Arial" panose="020B0604020202020204" pitchFamily="34" charset="0"/>
+                <a:cs typeface="Arial" panose="020B0604020202020204" pitchFamily="34" charset="0"/>
+              </a:rPr>
+              <a:t>Section 2(b) shall terminate as of the date such litigation is filed.</a:t>
             </a:r>
           </a:p>
           <a:p>
@@ -3840,50 +5686,144 @@
           <a:lstStyle/>
           <a:p>
             <a:r>
-              <a:rPr lang="en-US" sz="1400" dirty="0"/>
+              <a:rPr lang="en-US" sz="1400" dirty="0">
+                <a:latin typeface="Arial" panose="020B0604020202020204" pitchFamily="34" charset="0"/>
+                <a:cs typeface="Arial" panose="020B0604020202020204" pitchFamily="34" charset="0"/>
+              </a:rPr>
               <a:t>All Recipient's rights under this Agreement shall terminate if it fails to</a:t>
             </a:r>
           </a:p>
           <a:p>
-            <a:r>
-              <a:rPr lang="en-US" sz="1400" dirty="0"/>
-              <a:t>comply with any of the material terms or conditions of this Agreement and does</a:t>
-            </a:r>
-          </a:p>
-          <a:p>
-            <a:r>
-              <a:rPr lang="en-US" sz="1400" dirty="0"/>
-              <a:t>not cure such failure in a reasonable period of time after becoming aware of</a:t>
-            </a:r>
-          </a:p>
-          <a:p>
-            <a:r>
-              <a:rPr lang="en-US" sz="1400" dirty="0"/>
-              <a:t>such noncompliance. If all Recipient's rights under this Agreement terminate,</a:t>
-            </a:r>
-          </a:p>
-          <a:p>
-            <a:r>
-              <a:rPr lang="en-US" sz="1400" dirty="0"/>
-              <a:t>Recipient agrees to cease use and distribution of the Program as soon as</a:t>
-            </a:r>
-          </a:p>
-          <a:p>
-            <a:r>
-              <a:rPr lang="en-US" sz="1400" dirty="0"/>
-              <a:t>reasonably practicable. However, Recipient's obligations under this Agreement</a:t>
-            </a:r>
-          </a:p>
-          <a:p>
-            <a:r>
-              <a:rPr lang="en-US" sz="1400" dirty="0"/>
-              <a:t>and any licenses granted by Recipient relating to the Program shall continue</a:t>
-            </a:r>
-          </a:p>
-          <a:p>
-            <a:r>
-              <a:rPr lang="en-US" sz="1400" dirty="0"/>
-              <a:t>and survive.</a:t>
+            <a:pPr marL="0" indent="0">
+              <a:buNone/>
+            </a:pPr>
+            <a:r>
+              <a:rPr lang="en-US" sz="1400" dirty="0" smtClean="0">
+                <a:latin typeface="Arial" panose="020B0604020202020204" pitchFamily="34" charset="0"/>
+                <a:cs typeface="Arial" panose="020B0604020202020204" pitchFamily="34" charset="0"/>
+              </a:rPr>
+              <a:t>      comply </a:t>
+            </a:r>
+            <a:r>
+              <a:rPr lang="en-US" sz="1400" dirty="0">
+                <a:latin typeface="Arial" panose="020B0604020202020204" pitchFamily="34" charset="0"/>
+                <a:cs typeface="Arial" panose="020B0604020202020204" pitchFamily="34" charset="0"/>
+              </a:rPr>
+              <a:t>with any of the material terms or conditions of this Agreement and does</a:t>
+            </a:r>
+          </a:p>
+          <a:p>
+            <a:pPr marL="0" indent="0">
+              <a:buNone/>
+            </a:pPr>
+            <a:r>
+              <a:rPr lang="en-US" sz="1400" dirty="0" smtClean="0">
+                <a:latin typeface="Arial" panose="020B0604020202020204" pitchFamily="34" charset="0"/>
+                <a:cs typeface="Arial" panose="020B0604020202020204" pitchFamily="34" charset="0"/>
+              </a:rPr>
+              <a:t>      not </a:t>
+            </a:r>
+            <a:r>
+              <a:rPr lang="en-US" sz="1400" dirty="0">
+                <a:latin typeface="Arial" panose="020B0604020202020204" pitchFamily="34" charset="0"/>
+                <a:cs typeface="Arial" panose="020B0604020202020204" pitchFamily="34" charset="0"/>
+              </a:rPr>
+              <a:t>cure such failure in a reasonable period of time after becoming aware of</a:t>
+            </a:r>
+          </a:p>
+          <a:p>
+            <a:pPr marL="0" indent="0">
+              <a:buNone/>
+            </a:pPr>
+            <a:r>
+              <a:rPr lang="en-US" sz="1400" dirty="0" smtClean="0">
+                <a:latin typeface="Arial" panose="020B0604020202020204" pitchFamily="34" charset="0"/>
+                <a:cs typeface="Arial" panose="020B0604020202020204" pitchFamily="34" charset="0"/>
+              </a:rPr>
+              <a:t>      such </a:t>
+            </a:r>
+            <a:r>
+              <a:rPr lang="en-US" sz="1400" dirty="0">
+                <a:latin typeface="Arial" panose="020B0604020202020204" pitchFamily="34" charset="0"/>
+                <a:cs typeface="Arial" panose="020B0604020202020204" pitchFamily="34" charset="0"/>
+              </a:rPr>
+              <a:t>noncompliance. If all Recipient's rights under this Agreement terminate,</a:t>
+            </a:r>
+          </a:p>
+          <a:p>
+            <a:pPr marL="0" indent="0">
+              <a:buNone/>
+            </a:pPr>
+            <a:r>
+              <a:rPr lang="en-US" sz="1400" dirty="0" smtClean="0">
+                <a:latin typeface="Arial" panose="020B0604020202020204" pitchFamily="34" charset="0"/>
+                <a:cs typeface="Arial" panose="020B0604020202020204" pitchFamily="34" charset="0"/>
+              </a:rPr>
+              <a:t>      Recipient </a:t>
+            </a:r>
+            <a:r>
+              <a:rPr lang="en-US" sz="1400" dirty="0">
+                <a:latin typeface="Arial" panose="020B0604020202020204" pitchFamily="34" charset="0"/>
+                <a:cs typeface="Arial" panose="020B0604020202020204" pitchFamily="34" charset="0"/>
+              </a:rPr>
+              <a:t>agrees to cease use and distribution of the Program as soon as</a:t>
+            </a:r>
+          </a:p>
+          <a:p>
+            <a:pPr marL="0" indent="0">
+              <a:buNone/>
+            </a:pPr>
+            <a:r>
+              <a:rPr lang="en-US" sz="1400" dirty="0" smtClean="0">
+                <a:latin typeface="Arial" panose="020B0604020202020204" pitchFamily="34" charset="0"/>
+                <a:cs typeface="Arial" panose="020B0604020202020204" pitchFamily="34" charset="0"/>
+              </a:rPr>
+              <a:t>      reasonably </a:t>
+            </a:r>
+            <a:r>
+              <a:rPr lang="en-US" sz="1400" dirty="0">
+                <a:latin typeface="Arial" panose="020B0604020202020204" pitchFamily="34" charset="0"/>
+                <a:cs typeface="Arial" panose="020B0604020202020204" pitchFamily="34" charset="0"/>
+              </a:rPr>
+              <a:t>practicable. However, Recipient's obligations under this Agreement</a:t>
+            </a:r>
+          </a:p>
+          <a:p>
+            <a:pPr marL="0" indent="0">
+              <a:buNone/>
+            </a:pPr>
+            <a:r>
+              <a:rPr lang="en-US" sz="1400" dirty="0" smtClean="0">
+                <a:latin typeface="Arial" panose="020B0604020202020204" pitchFamily="34" charset="0"/>
+                <a:cs typeface="Arial" panose="020B0604020202020204" pitchFamily="34" charset="0"/>
+              </a:rPr>
+              <a:t>      and </a:t>
+            </a:r>
+            <a:r>
+              <a:rPr lang="en-US" sz="1400" dirty="0">
+                <a:latin typeface="Arial" panose="020B0604020202020204" pitchFamily="34" charset="0"/>
+                <a:cs typeface="Arial" panose="020B0604020202020204" pitchFamily="34" charset="0"/>
+              </a:rPr>
+              <a:t>any licenses granted by Recipient relating to the Program shall continue</a:t>
+            </a:r>
+          </a:p>
+          <a:p>
+            <a:pPr marL="0" indent="0">
+              <a:buNone/>
+            </a:pPr>
+            <a:r>
+              <a:rPr lang="en-US" sz="1400" dirty="0" smtClean="0">
+                <a:latin typeface="Arial" panose="020B0604020202020204" pitchFamily="34" charset="0"/>
+                <a:cs typeface="Arial" panose="020B0604020202020204" pitchFamily="34" charset="0"/>
+              </a:rPr>
+              <a:t>      and </a:t>
+            </a:r>
+            <a:r>
+              <a:rPr lang="en-US" sz="1400" dirty="0">
+                <a:latin typeface="Arial" panose="020B0604020202020204" pitchFamily="34" charset="0"/>
+                <a:cs typeface="Arial" panose="020B0604020202020204" pitchFamily="34" charset="0"/>
+              </a:rPr>
+              <a:t>survive.</a:t>
             </a:r>
           </a:p>
           <a:p>
@@ -3951,52 +5891,149 @@
           <a:lstStyle/>
           <a:p>
             <a:r>
-              <a:rPr lang="en-US" sz="1400" dirty="0"/>
+              <a:rPr lang="en-US" sz="1400" dirty="0">
+                <a:latin typeface="Arial" panose="020B0604020202020204" pitchFamily="34" charset="0"/>
+                <a:cs typeface="Arial" panose="020B0604020202020204" pitchFamily="34" charset="0"/>
+              </a:rPr>
               <a:t>Everyone is permitted to copy and distribute copies of this Agreement, but in</a:t>
             </a:r>
           </a:p>
           <a:p>
-            <a:r>
-              <a:rPr lang="en-US" sz="1400" dirty="0"/>
-              <a:t>order to avoid inconsistency the Agreement is copyrighted and may only be</a:t>
-            </a:r>
-          </a:p>
-          <a:p>
-            <a:r>
-              <a:rPr lang="en-US" sz="1400" dirty="0"/>
-              <a:t>modified in the following manner. The Agreement Steward reserves the right to</a:t>
-            </a:r>
-          </a:p>
-          <a:p>
-            <a:r>
-              <a:rPr lang="en-US" sz="1400" dirty="0"/>
-              <a:t>publish new versions (including revisions) of this Agreement from time to</a:t>
-            </a:r>
-          </a:p>
-          <a:p>
-            <a:r>
-              <a:rPr lang="en-US" sz="1400" dirty="0"/>
-              <a:t>time. No one other than the Agreement Steward has the right to modify this</a:t>
-            </a:r>
-          </a:p>
-          <a:p>
-            <a:r>
-              <a:rPr lang="en-US" sz="1400" dirty="0"/>
-              <a:t>Agreement. The Eclipse Foundation is the initial Agreement Steward. The</a:t>
-            </a:r>
-          </a:p>
-          <a:p>
-            <a:r>
-              <a:rPr lang="en-US" sz="1400" dirty="0"/>
-              <a:t>Eclipse Foundation may assign the responsibility to serve as the Agreement</a:t>
-            </a:r>
-          </a:p>
-          <a:p>
-            <a:r>
-              <a:rPr lang="en-US" sz="1400" dirty="0"/>
-              <a:t>Steward to a suitable separate entity.</a:t>
-            </a:r>
-            <a:endParaRPr lang="pt-BR" sz="1400" dirty="0"/>
+            <a:pPr marL="0" indent="0">
+              <a:buNone/>
+            </a:pPr>
+            <a:r>
+              <a:rPr lang="en-US" sz="1400" dirty="0" smtClean="0">
+                <a:latin typeface="Arial" panose="020B0604020202020204" pitchFamily="34" charset="0"/>
+                <a:cs typeface="Arial" panose="020B0604020202020204" pitchFamily="34" charset="0"/>
+              </a:rPr>
+              <a:t>      order </a:t>
+            </a:r>
+            <a:r>
+              <a:rPr lang="en-US" sz="1400" dirty="0">
+                <a:latin typeface="Arial" panose="020B0604020202020204" pitchFamily="34" charset="0"/>
+                <a:cs typeface="Arial" panose="020B0604020202020204" pitchFamily="34" charset="0"/>
+              </a:rPr>
+              <a:t>to avoid inconsistency the Agreement is copyrighted and may only be</a:t>
+            </a:r>
+          </a:p>
+          <a:p>
+            <a:pPr marL="0" indent="0">
+              <a:buNone/>
+            </a:pPr>
+            <a:r>
+              <a:rPr lang="en-US" sz="1400" dirty="0" smtClean="0">
+                <a:latin typeface="Arial" panose="020B0604020202020204" pitchFamily="34" charset="0"/>
+                <a:cs typeface="Arial" panose="020B0604020202020204" pitchFamily="34" charset="0"/>
+              </a:rPr>
+              <a:t>      modified </a:t>
+            </a:r>
+            <a:r>
+              <a:rPr lang="en-US" sz="1400" dirty="0">
+                <a:latin typeface="Arial" panose="020B0604020202020204" pitchFamily="34" charset="0"/>
+                <a:cs typeface="Arial" panose="020B0604020202020204" pitchFamily="34" charset="0"/>
+              </a:rPr>
+              <a:t>in the following manner. The Agreement Steward reserves the right to</a:t>
+            </a:r>
+          </a:p>
+          <a:p>
+            <a:pPr marL="0" indent="0">
+              <a:buNone/>
+            </a:pPr>
+            <a:r>
+              <a:rPr lang="en-US" sz="1400" dirty="0" smtClean="0">
+                <a:latin typeface="Arial" panose="020B0604020202020204" pitchFamily="34" charset="0"/>
+                <a:cs typeface="Arial" panose="020B0604020202020204" pitchFamily="34" charset="0"/>
+              </a:rPr>
+              <a:t>      publish </a:t>
+            </a:r>
+            <a:r>
+              <a:rPr lang="en-US" sz="1400" dirty="0">
+                <a:latin typeface="Arial" panose="020B0604020202020204" pitchFamily="34" charset="0"/>
+                <a:cs typeface="Arial" panose="020B0604020202020204" pitchFamily="34" charset="0"/>
+              </a:rPr>
+              <a:t>new versions (including revisions) of this Agreement from time to</a:t>
+            </a:r>
+          </a:p>
+          <a:p>
+            <a:pPr marL="0" indent="0">
+              <a:buNone/>
+            </a:pPr>
+            <a:r>
+              <a:rPr lang="en-US" sz="1400" dirty="0" smtClean="0">
+                <a:latin typeface="Arial" panose="020B0604020202020204" pitchFamily="34" charset="0"/>
+                <a:cs typeface="Arial" panose="020B0604020202020204" pitchFamily="34" charset="0"/>
+              </a:rPr>
+              <a:t>      time</a:t>
+            </a:r>
+            <a:r>
+              <a:rPr lang="en-US" sz="1400" dirty="0">
+                <a:latin typeface="Arial" panose="020B0604020202020204" pitchFamily="34" charset="0"/>
+                <a:cs typeface="Arial" panose="020B0604020202020204" pitchFamily="34" charset="0"/>
+              </a:rPr>
+              <a:t>. No one other than the Agreement Steward has the right to modify this</a:t>
+            </a:r>
+          </a:p>
+          <a:p>
+            <a:pPr marL="0" indent="0">
+              <a:buNone/>
+            </a:pPr>
+            <a:r>
+              <a:rPr lang="en-US" sz="1400" dirty="0" smtClean="0">
+                <a:latin typeface="Arial" panose="020B0604020202020204" pitchFamily="34" charset="0"/>
+                <a:cs typeface="Arial" panose="020B0604020202020204" pitchFamily="34" charset="0"/>
+              </a:rPr>
+              <a:t>      Agreement</a:t>
+            </a:r>
+            <a:r>
+              <a:rPr lang="en-US" sz="1400" dirty="0">
+                <a:latin typeface="Arial" panose="020B0604020202020204" pitchFamily="34" charset="0"/>
+                <a:cs typeface="Arial" panose="020B0604020202020204" pitchFamily="34" charset="0"/>
+              </a:rPr>
+              <a:t>. The Eclipse Foundation is the initial Agreement Steward. The</a:t>
+            </a:r>
+          </a:p>
+          <a:p>
+            <a:pPr marL="0" indent="0">
+              <a:buNone/>
+            </a:pPr>
+            <a:r>
+              <a:rPr lang="en-US" sz="1400" dirty="0" smtClean="0">
+                <a:latin typeface="Arial" panose="020B0604020202020204" pitchFamily="34" charset="0"/>
+                <a:cs typeface="Arial" panose="020B0604020202020204" pitchFamily="34" charset="0"/>
+              </a:rPr>
+              <a:t>      Eclipse </a:t>
+            </a:r>
+            <a:r>
+              <a:rPr lang="en-US" sz="1400" dirty="0">
+                <a:latin typeface="Arial" panose="020B0604020202020204" pitchFamily="34" charset="0"/>
+                <a:cs typeface="Arial" panose="020B0604020202020204" pitchFamily="34" charset="0"/>
+              </a:rPr>
+              <a:t>Foundation may assign the responsibility to serve as the Agreement</a:t>
+            </a:r>
+          </a:p>
+          <a:p>
+            <a:pPr marL="0" indent="0">
+              <a:buNone/>
+            </a:pPr>
+            <a:r>
+              <a:rPr lang="en-US" sz="1400" dirty="0" smtClean="0">
+                <a:latin typeface="Arial" panose="020B0604020202020204" pitchFamily="34" charset="0"/>
+                <a:cs typeface="Arial" panose="020B0604020202020204" pitchFamily="34" charset="0"/>
+              </a:rPr>
+              <a:t>      Steward </a:t>
+            </a:r>
+            <a:r>
+              <a:rPr lang="en-US" sz="1400" dirty="0">
+                <a:latin typeface="Arial" panose="020B0604020202020204" pitchFamily="34" charset="0"/>
+                <a:cs typeface="Arial" panose="020B0604020202020204" pitchFamily="34" charset="0"/>
+              </a:rPr>
+              <a:t>to a suitable separate entity.</a:t>
+            </a:r>
+            <a:endParaRPr lang="pt-BR" sz="1400" dirty="0">
+              <a:latin typeface="Arial" panose="020B0604020202020204" pitchFamily="34" charset="0"/>
+              <a:cs typeface="Arial" panose="020B0604020202020204" pitchFamily="34" charset="0"/>
+            </a:endParaRPr>
           </a:p>
         </p:txBody>
       </p:sp>
@@ -4061,61 +6098,206 @@
           <a:p>
             <a:r>
               <a:rPr lang="en-US" sz="1400" dirty="0"/>
-              <a:t> Each new version of the Agreement will</a:t>
-            </a:r>
-          </a:p>
-          <a:p>
-            <a:r>
-              <a:rPr lang="en-US" sz="1400" dirty="0"/>
-              <a:t>be given a distinguishing version number. The Program (including</a:t>
-            </a:r>
-          </a:p>
-          <a:p>
-            <a:r>
-              <a:rPr lang="en-US" sz="1400" dirty="0"/>
-              <a:t>Contributions) may always be distributed subject to the version of the</a:t>
-            </a:r>
-          </a:p>
-          <a:p>
-            <a:r>
-              <a:rPr lang="en-US" sz="1400" dirty="0"/>
-              <a:t>Agreement under which it was received. In addition, after a new version of the</a:t>
-            </a:r>
-          </a:p>
-          <a:p>
-            <a:r>
-              <a:rPr lang="en-US" sz="1400" dirty="0"/>
-              <a:t>Agreement is published, Contributor may elect to distribute the Program</a:t>
-            </a:r>
-          </a:p>
-          <a:p>
-            <a:r>
-              <a:rPr lang="en-US" sz="1400" dirty="0"/>
-              <a:t>(including its Contributions) under the new version. Except as expressly</a:t>
-            </a:r>
-          </a:p>
-          <a:p>
-            <a:r>
-              <a:rPr lang="en-US" sz="1400" dirty="0"/>
-              <a:t>stated in Sections 2(a) and 2(b) above, Recipient receives no rights or</a:t>
-            </a:r>
-          </a:p>
-          <a:p>
-            <a:r>
-              <a:rPr lang="en-US" sz="1400" dirty="0"/>
-              <a:t>licenses to the intellectual property of any Contributor under this Agreement,</a:t>
-            </a:r>
-          </a:p>
-          <a:p>
-            <a:r>
-              <a:rPr lang="en-US" sz="1400" dirty="0"/>
-              <a:t>whether expressly, by implication, estoppel or otherwise. All rights in the</a:t>
-            </a:r>
-          </a:p>
-          <a:p>
-            <a:r>
-              <a:rPr lang="en-US" sz="1400" dirty="0"/>
-              <a:t>Program not expressly granted under this Agreement are reserved.</a:t>
+              <a:t> </a:t>
+            </a:r>
+            <a:r>
+              <a:rPr lang="en-US" sz="1400" dirty="0">
+                <a:latin typeface="Arial" panose="020B0604020202020204" pitchFamily="34" charset="0"/>
+                <a:cs typeface="Arial" panose="020B0604020202020204" pitchFamily="34" charset="0"/>
+              </a:rPr>
+              <a:t>Each new version of the Agreement will</a:t>
+            </a:r>
+          </a:p>
+          <a:p>
+            <a:pPr marL="0" indent="0">
+              <a:buNone/>
+            </a:pPr>
+            <a:r>
+              <a:rPr lang="en-US" sz="1400" dirty="0" smtClean="0">
+                <a:latin typeface="Arial" panose="020B0604020202020204" pitchFamily="34" charset="0"/>
+                <a:cs typeface="Arial" panose="020B0604020202020204" pitchFamily="34" charset="0"/>
+              </a:rPr>
+              <a:t>       be </a:t>
+            </a:r>
+            <a:r>
+              <a:rPr lang="en-US" sz="1400" dirty="0">
+                <a:latin typeface="Arial" panose="020B0604020202020204" pitchFamily="34" charset="0"/>
+                <a:cs typeface="Arial" panose="020B0604020202020204" pitchFamily="34" charset="0"/>
+              </a:rPr>
+              <a:t>given a distinguishing version number. The Program (including</a:t>
+            </a:r>
+          </a:p>
+          <a:p>
+            <a:pPr marL="0" indent="0">
+              <a:buNone/>
+            </a:pPr>
+            <a:r>
+              <a:rPr lang="en-US" sz="1400" dirty="0" smtClean="0">
+                <a:latin typeface="Arial" panose="020B0604020202020204" pitchFamily="34" charset="0"/>
+                <a:cs typeface="Arial" panose="020B0604020202020204" pitchFamily="34" charset="0"/>
+              </a:rPr>
+              <a:t>       Contributions</a:t>
+            </a:r>
+            <a:r>
+              <a:rPr lang="en-US" sz="1400" dirty="0">
+                <a:latin typeface="Arial" panose="020B0604020202020204" pitchFamily="34" charset="0"/>
+                <a:cs typeface="Arial" panose="020B0604020202020204" pitchFamily="34" charset="0"/>
+              </a:rPr>
+              <a:t>) may always be distributed subject to the version of the</a:t>
+            </a:r>
+          </a:p>
+          <a:p>
+            <a:pPr marL="0" indent="0">
+              <a:buNone/>
+            </a:pPr>
+            <a:r>
+              <a:rPr lang="en-US" sz="1400" dirty="0" smtClean="0">
+                <a:latin typeface="Arial" panose="020B0604020202020204" pitchFamily="34" charset="0"/>
+                <a:cs typeface="Arial" panose="020B0604020202020204" pitchFamily="34" charset="0"/>
+              </a:rPr>
+              <a:t>       Agreement </a:t>
+            </a:r>
+            <a:r>
+              <a:rPr lang="en-US" sz="1400" dirty="0">
+                <a:latin typeface="Arial" panose="020B0604020202020204" pitchFamily="34" charset="0"/>
+                <a:cs typeface="Arial" panose="020B0604020202020204" pitchFamily="34" charset="0"/>
+              </a:rPr>
+              <a:t>under which it was received. In addition, after a new version of the</a:t>
+            </a:r>
+          </a:p>
+          <a:p>
+            <a:pPr marL="0" indent="0">
+              <a:buNone/>
+            </a:pPr>
+            <a:r>
+              <a:rPr lang="en-US" sz="1400" dirty="0" smtClean="0">
+                <a:latin typeface="Arial" panose="020B0604020202020204" pitchFamily="34" charset="0"/>
+                <a:cs typeface="Arial" panose="020B0604020202020204" pitchFamily="34" charset="0"/>
+              </a:rPr>
+              <a:t>       Agreement </a:t>
+            </a:r>
+            <a:r>
+              <a:rPr lang="en-US" sz="1400" dirty="0">
+                <a:latin typeface="Arial" panose="020B0604020202020204" pitchFamily="34" charset="0"/>
+                <a:cs typeface="Arial" panose="020B0604020202020204" pitchFamily="34" charset="0"/>
+              </a:rPr>
+              <a:t>is published, Contributor may elect to distribute the Program</a:t>
+            </a:r>
+          </a:p>
+          <a:p>
+            <a:pPr marL="0" indent="0">
+              <a:buNone/>
+            </a:pPr>
+            <a:r>
+              <a:rPr lang="en-US" sz="1400" dirty="0" smtClean="0">
+                <a:latin typeface="Arial" panose="020B0604020202020204" pitchFamily="34" charset="0"/>
+                <a:cs typeface="Arial" panose="020B0604020202020204" pitchFamily="34" charset="0"/>
+              </a:rPr>
+              <a:t>       (</a:t>
+            </a:r>
+            <a:r>
+              <a:rPr lang="en-US" sz="1400" dirty="0">
+                <a:latin typeface="Arial" panose="020B0604020202020204" pitchFamily="34" charset="0"/>
+                <a:cs typeface="Arial" panose="020B0604020202020204" pitchFamily="34" charset="0"/>
+              </a:rPr>
+              <a:t>including its Contributions) under the new version. Except as expressly</a:t>
+            </a:r>
+          </a:p>
+          <a:p>
+            <a:pPr marL="0" indent="0">
+              <a:buNone/>
+            </a:pPr>
+            <a:r>
+              <a:rPr lang="en-US" sz="1400" dirty="0" smtClean="0">
+                <a:latin typeface="Arial" panose="020B0604020202020204" pitchFamily="34" charset="0"/>
+                <a:cs typeface="Arial" panose="020B0604020202020204" pitchFamily="34" charset="0"/>
+              </a:rPr>
+              <a:t>       stated </a:t>
+            </a:r>
+            <a:r>
+              <a:rPr lang="en-US" sz="1400" dirty="0">
+                <a:latin typeface="Arial" panose="020B0604020202020204" pitchFamily="34" charset="0"/>
+                <a:cs typeface="Arial" panose="020B0604020202020204" pitchFamily="34" charset="0"/>
+              </a:rPr>
+              <a:t>in Sections 2(a) and 2(b) above, Recipient receives no rights or</a:t>
+            </a:r>
+          </a:p>
+          <a:p>
+            <a:pPr marL="0" indent="0">
+              <a:buNone/>
+            </a:pPr>
+            <a:r>
+              <a:rPr lang="en-US" sz="1400" dirty="0" smtClean="0">
+                <a:latin typeface="Arial" panose="020B0604020202020204" pitchFamily="34" charset="0"/>
+                <a:cs typeface="Arial" panose="020B0604020202020204" pitchFamily="34" charset="0"/>
+              </a:rPr>
+              <a:t>       licenses </a:t>
+            </a:r>
+            <a:r>
+              <a:rPr lang="en-US" sz="1400" dirty="0">
+                <a:latin typeface="Arial" panose="020B0604020202020204" pitchFamily="34" charset="0"/>
+                <a:cs typeface="Arial" panose="020B0604020202020204" pitchFamily="34" charset="0"/>
+              </a:rPr>
+              <a:t>to the intellectual property of any Contributor under this Agreement,</a:t>
+            </a:r>
+          </a:p>
+          <a:p>
+            <a:pPr marL="0" indent="0">
+              <a:buNone/>
+            </a:pPr>
+            <a:r>
+              <a:rPr lang="en-US" sz="1400" dirty="0" smtClean="0">
+                <a:latin typeface="Arial" panose="020B0604020202020204" pitchFamily="34" charset="0"/>
+                <a:cs typeface="Arial" panose="020B0604020202020204" pitchFamily="34" charset="0"/>
+              </a:rPr>
+              <a:t>       whether </a:t>
+            </a:r>
+            <a:r>
+              <a:rPr lang="en-US" sz="1400" dirty="0">
+                <a:latin typeface="Arial" panose="020B0604020202020204" pitchFamily="34" charset="0"/>
+                <a:cs typeface="Arial" panose="020B0604020202020204" pitchFamily="34" charset="0"/>
+              </a:rPr>
+              <a:t>expressly, by implication, estoppel or otherwise. All rights in </a:t>
+            </a:r>
+            <a:r>
+              <a:rPr lang="en-US" sz="1400" dirty="0" smtClean="0">
+                <a:latin typeface="Arial" panose="020B0604020202020204" pitchFamily="34" charset="0"/>
+                <a:cs typeface="Arial" panose="020B0604020202020204" pitchFamily="34" charset="0"/>
+              </a:rPr>
+              <a:t>the</a:t>
+            </a:r>
+          </a:p>
+          <a:p>
+            <a:pPr marL="0" indent="0">
+              <a:buNone/>
+            </a:pPr>
+            <a:r>
+              <a:rPr lang="en-US" sz="1400" dirty="0">
+                <a:latin typeface="Arial" panose="020B0604020202020204" pitchFamily="34" charset="0"/>
+                <a:cs typeface="Arial" panose="020B0604020202020204" pitchFamily="34" charset="0"/>
+              </a:rPr>
+              <a:t> </a:t>
+            </a:r>
+            <a:r>
+              <a:rPr lang="en-US" sz="1400" dirty="0" smtClean="0">
+                <a:latin typeface="Arial" panose="020B0604020202020204" pitchFamily="34" charset="0"/>
+                <a:cs typeface="Arial" panose="020B0604020202020204" pitchFamily="34" charset="0"/>
+              </a:rPr>
+              <a:t>      </a:t>
+            </a:r>
+            <a:r>
+              <a:rPr lang="en-US" sz="1400" dirty="0" smtClean="0">
+                <a:latin typeface="Arial" panose="020B0604020202020204" pitchFamily="34" charset="0"/>
+                <a:cs typeface="Arial" panose="020B0604020202020204" pitchFamily="34" charset="0"/>
+              </a:rPr>
+              <a:t>Program </a:t>
+            </a:r>
+            <a:r>
+              <a:rPr lang="en-US" sz="1400" dirty="0">
+                <a:latin typeface="Arial" panose="020B0604020202020204" pitchFamily="34" charset="0"/>
+                <a:cs typeface="Arial" panose="020B0604020202020204" pitchFamily="34" charset="0"/>
+              </a:rPr>
+              <a:t>not expressly granted under this Agreement are reserved.</a:t>
             </a:r>
           </a:p>
         </p:txBody>
@@ -4195,7 +6377,10 @@
           <a:lstStyle/>
           <a:p>
             <a:r>
-              <a:rPr lang="pt-BR" dirty="0"/>
+              <a:rPr lang="pt-BR" dirty="0">
+                <a:latin typeface="Arial" panose="020B0604020202020204" pitchFamily="34" charset="0"/>
+                <a:cs typeface="Arial" panose="020B0604020202020204" pitchFamily="34" charset="0"/>
+              </a:rPr>
               <a:t>Este projeto esta sendo desenvolvido desde 11/Agosto/2011.</a:t>
             </a:r>
           </a:p>
@@ -4261,32 +6446,87 @@
           <a:lstStyle/>
           <a:p>
             <a:r>
-              <a:rPr lang="en-US" sz="1400" dirty="0"/>
+              <a:rPr lang="en-US" sz="1400" dirty="0">
+                <a:latin typeface="Arial" panose="020B0604020202020204" pitchFamily="34" charset="0"/>
+                <a:cs typeface="Arial" panose="020B0604020202020204" pitchFamily="34" charset="0"/>
+              </a:rPr>
               <a:t>This Agreement is governed by the laws of the State of New York and the</a:t>
             </a:r>
           </a:p>
           <a:p>
-            <a:r>
-              <a:rPr lang="en-US" sz="1400" dirty="0"/>
-              <a:t>intellectual property laws of the United States of America. No party to this</a:t>
-            </a:r>
-          </a:p>
-          <a:p>
-            <a:r>
-              <a:rPr lang="en-US" sz="1400" dirty="0"/>
-              <a:t>Agreement will bring a legal action under this Agreement more than one year</a:t>
-            </a:r>
-          </a:p>
-          <a:p>
-            <a:r>
-              <a:rPr lang="en-US" sz="1400" dirty="0"/>
-              <a:t>after the cause of action arose. Each party waives its rights to a jury trial in</a:t>
-            </a:r>
-          </a:p>
-          <a:p>
-            <a:r>
-              <a:rPr lang="en-US" sz="1400" dirty="0"/>
-              <a:t>any resulting litigation.</a:t>
+            <a:pPr marL="0" indent="0">
+              <a:buNone/>
+            </a:pPr>
+            <a:r>
+              <a:rPr lang="en-US" sz="1400" dirty="0" smtClean="0">
+                <a:latin typeface="Arial" panose="020B0604020202020204" pitchFamily="34" charset="0"/>
+                <a:cs typeface="Arial" panose="020B0604020202020204" pitchFamily="34" charset="0"/>
+              </a:rPr>
+              <a:t>      intellectual </a:t>
+            </a:r>
+            <a:r>
+              <a:rPr lang="en-US" sz="1400" dirty="0">
+                <a:latin typeface="Arial" panose="020B0604020202020204" pitchFamily="34" charset="0"/>
+                <a:cs typeface="Arial" panose="020B0604020202020204" pitchFamily="34" charset="0"/>
+              </a:rPr>
+              <a:t>property laws of the United States of America. No party to this</a:t>
+            </a:r>
+          </a:p>
+          <a:p>
+            <a:pPr marL="0" indent="0">
+              <a:buNone/>
+            </a:pPr>
+            <a:r>
+              <a:rPr lang="en-US" sz="1400" dirty="0" smtClean="0">
+                <a:latin typeface="Arial" panose="020B0604020202020204" pitchFamily="34" charset="0"/>
+                <a:cs typeface="Arial" panose="020B0604020202020204" pitchFamily="34" charset="0"/>
+              </a:rPr>
+              <a:t>      Agreement </a:t>
+            </a:r>
+            <a:r>
+              <a:rPr lang="en-US" sz="1400" dirty="0">
+                <a:latin typeface="Arial" panose="020B0604020202020204" pitchFamily="34" charset="0"/>
+                <a:cs typeface="Arial" panose="020B0604020202020204" pitchFamily="34" charset="0"/>
+              </a:rPr>
+              <a:t>will bring a legal action under this Agreement more than one year</a:t>
+            </a:r>
+          </a:p>
+          <a:p>
+            <a:pPr marL="0" indent="0">
+              <a:buNone/>
+            </a:pPr>
+            <a:r>
+              <a:rPr lang="en-US" sz="1400" dirty="0" smtClean="0">
+                <a:latin typeface="Arial" panose="020B0604020202020204" pitchFamily="34" charset="0"/>
+                <a:cs typeface="Arial" panose="020B0604020202020204" pitchFamily="34" charset="0"/>
+              </a:rPr>
+              <a:t>      after </a:t>
+            </a:r>
+            <a:r>
+              <a:rPr lang="en-US" sz="1400" dirty="0">
+                <a:latin typeface="Arial" panose="020B0604020202020204" pitchFamily="34" charset="0"/>
+                <a:cs typeface="Arial" panose="020B0604020202020204" pitchFamily="34" charset="0"/>
+              </a:rPr>
+              <a:t>the cause of action arose. Each party waives its rights to a jury trial in</a:t>
+            </a:r>
+          </a:p>
+          <a:p>
+            <a:pPr marL="0" indent="0">
+              <a:buNone/>
+            </a:pPr>
+            <a:r>
+              <a:rPr lang="en-US" sz="1400" dirty="0" smtClean="0">
+                <a:latin typeface="Arial" panose="020B0604020202020204" pitchFamily="34" charset="0"/>
+                <a:cs typeface="Arial" panose="020B0604020202020204" pitchFamily="34" charset="0"/>
+              </a:rPr>
+              <a:t>      any </a:t>
+            </a:r>
+            <a:r>
+              <a:rPr lang="en-US" sz="1400" dirty="0">
+                <a:latin typeface="Arial" panose="020B0604020202020204" pitchFamily="34" charset="0"/>
+                <a:cs typeface="Arial" panose="020B0604020202020204" pitchFamily="34" charset="0"/>
+              </a:rPr>
+              <a:t>resulting litigation.</a:t>
             </a:r>
           </a:p>
         </p:txBody>
@@ -4384,23 +6624,38 @@
           <a:lstStyle/>
           <a:p>
             <a:r>
-              <a:rPr lang="pt-BR" dirty="0"/>
+              <a:rPr lang="pt-BR" dirty="0">
+                <a:latin typeface="Arial" panose="020B0604020202020204" pitchFamily="34" charset="0"/>
+                <a:cs typeface="Arial" panose="020B0604020202020204" pitchFamily="34" charset="0"/>
+              </a:rPr>
               <a:t>Dominik </a:t>
             </a:r>
             <a:r>
-              <a:rPr lang="pt-BR" dirty="0" err="1"/>
+              <a:rPr lang="pt-BR" dirty="0" err="1">
+                <a:latin typeface="Arial" panose="020B0604020202020204" pitchFamily="34" charset="0"/>
+                <a:cs typeface="Arial" panose="020B0604020202020204" pitchFamily="34" charset="0"/>
+              </a:rPr>
               <a:t>Schadow</a:t>
             </a:r>
             <a:r>
-              <a:rPr lang="pt-BR" dirty="0"/>
+              <a:rPr lang="pt-BR" dirty="0">
+                <a:latin typeface="Arial" panose="020B0604020202020204" pitchFamily="34" charset="0"/>
+                <a:cs typeface="Arial" panose="020B0604020202020204" pitchFamily="34" charset="0"/>
+              </a:rPr>
               <a:t> (</a:t>
             </a:r>
             <a:r>
-              <a:rPr lang="pt-BR" dirty="0" err="1"/>
+              <a:rPr lang="pt-BR" dirty="0" err="1">
+                <a:latin typeface="Arial" panose="020B0604020202020204" pitchFamily="34" charset="0"/>
+                <a:cs typeface="Arial" panose="020B0604020202020204" pitchFamily="34" charset="0"/>
+              </a:rPr>
               <a:t>dschadow</a:t>
             </a:r>
             <a:r>
-              <a:rPr lang="pt-BR" dirty="0"/>
+              <a:rPr lang="pt-BR" dirty="0">
+                <a:latin typeface="Arial" panose="020B0604020202020204" pitchFamily="34" charset="0"/>
+                <a:cs typeface="Arial" panose="020B0604020202020204" pitchFamily="34" charset="0"/>
+              </a:rPr>
               <a:t>).</a:t>
             </a:r>
           </a:p>
@@ -4481,10 +6736,16 @@
           <a:lstStyle/>
           <a:p>
             <a:r>
-              <a:rPr lang="pt-BR" dirty="0" smtClean="0"/>
+              <a:rPr lang="pt-BR" dirty="0" smtClean="0">
+                <a:latin typeface="Arial" panose="020B0604020202020204" pitchFamily="34" charset="0"/>
+                <a:cs typeface="Arial" panose="020B0604020202020204" pitchFamily="34" charset="0"/>
+              </a:rPr>
               <a:t>Java</a:t>
             </a:r>
-            <a:endParaRPr lang="pt-BR" dirty="0"/>
+            <a:endParaRPr lang="pt-BR" dirty="0">
+              <a:latin typeface="Arial" panose="020B0604020202020204" pitchFamily="34" charset="0"/>
+              <a:cs typeface="Arial" panose="020B0604020202020204" pitchFamily="34" charset="0"/>
+            </a:endParaRPr>
           </a:p>
         </p:txBody>
       </p:sp>
@@ -4570,7 +6831,10 @@
           <a:lstStyle/>
           <a:p>
             <a:r>
-              <a:rPr lang="pt-BR" dirty="0"/>
+              <a:rPr lang="pt-BR" dirty="0">
+                <a:latin typeface="Arial" panose="020B0604020202020204" pitchFamily="34" charset="0"/>
+                <a:cs typeface="Arial" panose="020B0604020202020204" pitchFamily="34" charset="0"/>
+              </a:rPr>
               <a:t>Mensalmente.</a:t>
             </a:r>
           </a:p>
@@ -4669,21 +6933,33 @@
           <a:lstStyle/>
           <a:p>
             <a:r>
-              <a:rPr lang="pt-BR" dirty="0" err="1"/>
+              <a:rPr lang="pt-BR" dirty="0" err="1">
+                <a:latin typeface="Arial" panose="020B0604020202020204" pitchFamily="34" charset="0"/>
+                <a:cs typeface="Arial" panose="020B0604020202020204" pitchFamily="34" charset="0"/>
+              </a:rPr>
               <a:t>issues</a:t>
             </a:r>
             <a:r>
-              <a:rPr lang="pt-BR" dirty="0"/>
+              <a:rPr lang="pt-BR" dirty="0">
+                <a:latin typeface="Arial" panose="020B0604020202020204" pitchFamily="34" charset="0"/>
+                <a:cs typeface="Arial" panose="020B0604020202020204" pitchFamily="34" charset="0"/>
+              </a:rPr>
               <a:t>: 22 abertos e 93 fechados</a:t>
             </a:r>
           </a:p>
           <a:p>
             <a:r>
-              <a:rPr lang="pt-BR" dirty="0" err="1"/>
+              <a:rPr lang="pt-BR" dirty="0" err="1">
+                <a:latin typeface="Arial" panose="020B0604020202020204" pitchFamily="34" charset="0"/>
+                <a:cs typeface="Arial" panose="020B0604020202020204" pitchFamily="34" charset="0"/>
+              </a:rPr>
               <a:t>milestones</a:t>
             </a:r>
             <a:r>
-              <a:rPr lang="pt-BR" dirty="0"/>
+              <a:rPr lang="pt-BR" dirty="0">
+                <a:latin typeface="Arial" panose="020B0604020202020204" pitchFamily="34" charset="0"/>
+                <a:cs typeface="Arial" panose="020B0604020202020204" pitchFamily="34" charset="0"/>
+              </a:rPr>
               <a:t>: Final 1.0.0</a:t>
             </a:r>
           </a:p>
@@ -4765,69 +7041,111 @@
           <a:lstStyle/>
           <a:p>
             <a:r>
-              <a:rPr lang="pt-BR" dirty="0" err="1"/>
+              <a:rPr lang="pt-BR" dirty="0" err="1">
+                <a:latin typeface="Arial" panose="020B0604020202020204" pitchFamily="34" charset="0"/>
+                <a:cs typeface="Arial" panose="020B0604020202020204" pitchFamily="34" charset="0"/>
+              </a:rPr>
               <a:t>numeros</a:t>
             </a:r>
             <a:r>
-              <a:rPr lang="pt-BR" dirty="0"/>
+              <a:rPr lang="pt-BR" dirty="0">
+                <a:latin typeface="Arial" panose="020B0604020202020204" pitchFamily="34" charset="0"/>
+                <a:cs typeface="Arial" panose="020B0604020202020204" pitchFamily="34" charset="0"/>
+              </a:rPr>
               <a:t> de </a:t>
             </a:r>
             <a:r>
-              <a:rPr lang="pt-BR" dirty="0" err="1"/>
+              <a:rPr lang="pt-BR" dirty="0" err="1">
+                <a:latin typeface="Arial" panose="020B0604020202020204" pitchFamily="34" charset="0"/>
+                <a:cs typeface="Arial" panose="020B0604020202020204" pitchFamily="34" charset="0"/>
+              </a:rPr>
               <a:t>commits</a:t>
             </a:r>
             <a:r>
-              <a:rPr lang="pt-BR" dirty="0"/>
+              <a:rPr lang="pt-BR" dirty="0">
+                <a:latin typeface="Arial" panose="020B0604020202020204" pitchFamily="34" charset="0"/>
+                <a:cs typeface="Arial" panose="020B0604020202020204" pitchFamily="34" charset="0"/>
+              </a:rPr>
               <a:t>: 878</a:t>
             </a:r>
           </a:p>
           <a:p>
             <a:r>
-              <a:rPr lang="pt-BR" dirty="0"/>
+              <a:rPr lang="pt-BR" dirty="0">
+                <a:latin typeface="Arial" panose="020B0604020202020204" pitchFamily="34" charset="0"/>
+                <a:cs typeface="Arial" panose="020B0604020202020204" pitchFamily="34" charset="0"/>
+              </a:rPr>
               <a:t>numero de </a:t>
             </a:r>
             <a:r>
-              <a:rPr lang="pt-BR" dirty="0" err="1"/>
+              <a:rPr lang="pt-BR" dirty="0" err="1">
+                <a:latin typeface="Arial" panose="020B0604020202020204" pitchFamily="34" charset="0"/>
+                <a:cs typeface="Arial" panose="020B0604020202020204" pitchFamily="34" charset="0"/>
+              </a:rPr>
               <a:t>contribuidores</a:t>
             </a:r>
             <a:r>
-              <a:rPr lang="pt-BR" dirty="0"/>
+              <a:rPr lang="pt-BR" dirty="0">
+                <a:latin typeface="Arial" panose="020B0604020202020204" pitchFamily="34" charset="0"/>
+                <a:cs typeface="Arial" panose="020B0604020202020204" pitchFamily="34" charset="0"/>
+              </a:rPr>
               <a:t>: 4</a:t>
             </a:r>
           </a:p>
           <a:p>
             <a:r>
-              <a:rPr lang="pt-BR" dirty="0" err="1"/>
+              <a:rPr lang="pt-BR" dirty="0" err="1">
+                <a:latin typeface="Arial" panose="020B0604020202020204" pitchFamily="34" charset="0"/>
+                <a:cs typeface="Arial" panose="020B0604020202020204" pitchFamily="34" charset="0"/>
+              </a:rPr>
               <a:t>fork</a:t>
             </a:r>
             <a:r>
-              <a:rPr lang="pt-BR" dirty="0"/>
+              <a:rPr lang="pt-BR" dirty="0">
+                <a:latin typeface="Arial" panose="020B0604020202020204" pitchFamily="34" charset="0"/>
+                <a:cs typeface="Arial" panose="020B0604020202020204" pitchFamily="34" charset="0"/>
+              </a:rPr>
               <a:t>: 14</a:t>
             </a:r>
           </a:p>
           <a:p>
             <a:r>
-              <a:rPr lang="pt-BR" dirty="0"/>
+              <a:rPr lang="pt-BR" dirty="0">
+                <a:latin typeface="Arial" panose="020B0604020202020204" pitchFamily="34" charset="0"/>
+                <a:cs typeface="Arial" panose="020B0604020202020204" pitchFamily="34" charset="0"/>
+              </a:rPr>
               <a:t>releases: 5</a:t>
             </a:r>
           </a:p>
           <a:p>
             <a:r>
-              <a:rPr lang="pt-BR" dirty="0"/>
+              <a:rPr lang="pt-BR" dirty="0">
+                <a:latin typeface="Arial" panose="020B0604020202020204" pitchFamily="34" charset="0"/>
+                <a:cs typeface="Arial" panose="020B0604020202020204" pitchFamily="34" charset="0"/>
+              </a:rPr>
               <a:t>estrelas: 40</a:t>
             </a:r>
           </a:p>
           <a:p>
             <a:r>
-              <a:rPr lang="pt-BR" dirty="0"/>
+              <a:rPr lang="pt-BR" dirty="0">
+                <a:latin typeface="Arial" panose="020B0604020202020204" pitchFamily="34" charset="0"/>
+                <a:cs typeface="Arial" panose="020B0604020202020204" pitchFamily="34" charset="0"/>
+              </a:rPr>
               <a:t>linhas de códigos: </a:t>
             </a:r>
             <a:r>
-              <a:rPr lang="pt-BR" dirty="0" err="1"/>
+              <a:rPr lang="pt-BR" dirty="0" err="1">
+                <a:latin typeface="Arial" panose="020B0604020202020204" pitchFamily="34" charset="0"/>
+                <a:cs typeface="Arial" panose="020B0604020202020204" pitchFamily="34" charset="0"/>
+              </a:rPr>
               <a:t>nao</a:t>
             </a:r>
             <a:r>
-              <a:rPr lang="pt-BR" dirty="0"/>
+              <a:rPr lang="pt-BR" dirty="0">
+                <a:latin typeface="Arial" panose="020B0604020202020204" pitchFamily="34" charset="0"/>
+                <a:cs typeface="Arial" panose="020B0604020202020204" pitchFamily="34" charset="0"/>
+              </a:rPr>
               <a:t> achei</a:t>
             </a:r>
           </a:p>
@@ -4903,7 +7221,12 @@
             <p:ph idx="1"/>
           </p:nvPr>
         </p:nvSpPr>
-        <p:spPr/>
+        <p:spPr>
+          <a:xfrm>
+            <a:off x="684212" y="1879371"/>
+            <a:ext cx="8534400" cy="4285641"/>
+          </a:xfrm>
+        </p:spPr>
         <p:txBody>
           <a:bodyPr>
             <a:noAutofit/>
@@ -4911,81 +7234,159 @@
           <a:lstStyle/>
           <a:p>
             <a:r>
-              <a:rPr lang="en-US" sz="1400" dirty="0"/>
+              <a:rPr lang="en-US" sz="1400" dirty="0">
+                <a:latin typeface="Arial" panose="020B0604020202020204" pitchFamily="34" charset="0"/>
+                <a:cs typeface="Arial" panose="020B0604020202020204" pitchFamily="34" charset="0"/>
+              </a:rPr>
               <a:t>THE ACCOMPANYING PROGRAM IS PROVIDED UNDER THE TERMS OF THIS ECLIPSE PUBLIC</a:t>
             </a:r>
           </a:p>
           <a:p>
-            <a:r>
-              <a:rPr lang="en-US" sz="1400" dirty="0"/>
-              <a:t>LICENSE ("AGREEMENT"). ANY USE, REPRODUCTION OR DISTRIBUTION OF THE PROGRAM</a:t>
-            </a:r>
-          </a:p>
-          <a:p>
-            <a:r>
-              <a:rPr lang="en-US" sz="1400" dirty="0"/>
-              <a:t>CONSTITUTES RECIPIENT'S ACCEPTANCE OF THIS AGREEMENT.</a:t>
-            </a:r>
-          </a:p>
-          <a:p>
-            <a:endParaRPr lang="en-US" sz="1400" dirty="0"/>
-          </a:p>
-          <a:p>
-            <a:r>
-              <a:rPr lang="en-US" sz="1400" dirty="0"/>
+            <a:pPr marL="0" indent="0">
+              <a:buNone/>
+            </a:pPr>
+            <a:r>
+              <a:rPr lang="en-US" sz="1400" dirty="0" smtClean="0">
+                <a:latin typeface="Arial" panose="020B0604020202020204" pitchFamily="34" charset="0"/>
+                <a:cs typeface="Arial" panose="020B0604020202020204" pitchFamily="34" charset="0"/>
+              </a:rPr>
+              <a:t>      LICENSE </a:t>
+            </a:r>
+            <a:r>
+              <a:rPr lang="en-US" sz="1400" dirty="0">
+                <a:latin typeface="Arial" panose="020B0604020202020204" pitchFamily="34" charset="0"/>
+                <a:cs typeface="Arial" panose="020B0604020202020204" pitchFamily="34" charset="0"/>
+              </a:rPr>
+              <a:t>("AGREEMENT"). ANY USE, REPRODUCTION OR DISTRIBUTION OF THE PROGRAM</a:t>
+            </a:r>
+          </a:p>
+          <a:p>
+            <a:pPr marL="0" indent="0">
+              <a:buNone/>
+            </a:pPr>
+            <a:r>
+              <a:rPr lang="en-US" sz="1400" dirty="0" smtClean="0">
+                <a:latin typeface="Arial" panose="020B0604020202020204" pitchFamily="34" charset="0"/>
+                <a:cs typeface="Arial" panose="020B0604020202020204" pitchFamily="34" charset="0"/>
+              </a:rPr>
+              <a:t>      CONSTITUTES </a:t>
+            </a:r>
+            <a:r>
+              <a:rPr lang="en-US" sz="1400" dirty="0">
+                <a:latin typeface="Arial" panose="020B0604020202020204" pitchFamily="34" charset="0"/>
+                <a:cs typeface="Arial" panose="020B0604020202020204" pitchFamily="34" charset="0"/>
+              </a:rPr>
+              <a:t>RECIPIENT'S ACCEPTANCE OF THIS AGREEMENT.</a:t>
+            </a:r>
+          </a:p>
+          <a:p>
+            <a:endParaRPr lang="en-US" sz="1400" dirty="0">
+              <a:latin typeface="Arial" panose="020B0604020202020204" pitchFamily="34" charset="0"/>
+              <a:cs typeface="Arial" panose="020B0604020202020204" pitchFamily="34" charset="0"/>
+            </a:endParaRPr>
+          </a:p>
+          <a:p>
+            <a:r>
+              <a:rPr lang="en-US" sz="1400" dirty="0">
+                <a:latin typeface="Arial" panose="020B0604020202020204" pitchFamily="34" charset="0"/>
+                <a:cs typeface="Arial" panose="020B0604020202020204" pitchFamily="34" charset="0"/>
+              </a:rPr>
               <a:t>1. DEFINITIONS</a:t>
             </a:r>
           </a:p>
           <a:p>
-            <a:endParaRPr lang="en-US" sz="1400" dirty="0"/>
-          </a:p>
-          <a:p>
-            <a:r>
-              <a:rPr lang="en-US" sz="1400" dirty="0"/>
+            <a:endParaRPr lang="en-US" sz="1400" dirty="0">
+              <a:latin typeface="Arial" panose="020B0604020202020204" pitchFamily="34" charset="0"/>
+              <a:cs typeface="Arial" panose="020B0604020202020204" pitchFamily="34" charset="0"/>
+            </a:endParaRPr>
+          </a:p>
+          <a:p>
+            <a:r>
+              <a:rPr lang="en-US" sz="1400" dirty="0">
+                <a:latin typeface="Arial" panose="020B0604020202020204" pitchFamily="34" charset="0"/>
+                <a:cs typeface="Arial" panose="020B0604020202020204" pitchFamily="34" charset="0"/>
+              </a:rPr>
               <a:t>"Contribution" means:</a:t>
             </a:r>
           </a:p>
           <a:p>
-            <a:endParaRPr lang="en-US" sz="1400" dirty="0"/>
-          </a:p>
-          <a:p>
-            <a:r>
-              <a:rPr lang="en-US" sz="1400" dirty="0"/>
+            <a:endParaRPr lang="en-US" sz="1400" dirty="0">
+              <a:latin typeface="Arial" panose="020B0604020202020204" pitchFamily="34" charset="0"/>
+              <a:cs typeface="Arial" panose="020B0604020202020204" pitchFamily="34" charset="0"/>
+            </a:endParaRPr>
+          </a:p>
+          <a:p>
+            <a:r>
+              <a:rPr lang="en-US" sz="1400" dirty="0">
+                <a:latin typeface="Arial" panose="020B0604020202020204" pitchFamily="34" charset="0"/>
+                <a:cs typeface="Arial" panose="020B0604020202020204" pitchFamily="34" charset="0"/>
+              </a:rPr>
               <a:t>a) in the case of the initial Contributor, the initial code and documentation</a:t>
             </a:r>
           </a:p>
           <a:p>
-            <a:r>
-              <a:rPr lang="en-US" sz="1400" dirty="0"/>
-              <a:t>   distributed under this Agreement, and</a:t>
-            </a:r>
-          </a:p>
-          <a:p>
-            <a:r>
-              <a:rPr lang="en-US" sz="1400" dirty="0"/>
+            <a:pPr marL="0" indent="0">
+              <a:buNone/>
+            </a:pPr>
+            <a:r>
+              <a:rPr lang="en-US" sz="1400" dirty="0" smtClean="0">
+                <a:latin typeface="Arial" panose="020B0604020202020204" pitchFamily="34" charset="0"/>
+                <a:cs typeface="Arial" panose="020B0604020202020204" pitchFamily="34" charset="0"/>
+              </a:rPr>
+              <a:t>          </a:t>
+            </a:r>
+            <a:r>
+              <a:rPr lang="en-US" sz="1400" dirty="0">
+                <a:latin typeface="Arial" panose="020B0604020202020204" pitchFamily="34" charset="0"/>
+                <a:cs typeface="Arial" panose="020B0604020202020204" pitchFamily="34" charset="0"/>
+              </a:rPr>
+              <a:t>distributed under this Agreement, and</a:t>
+            </a:r>
+          </a:p>
+          <a:p>
+            <a:r>
+              <a:rPr lang="en-US" sz="1400" dirty="0">
+                <a:latin typeface="Arial" panose="020B0604020202020204" pitchFamily="34" charset="0"/>
+                <a:cs typeface="Arial" panose="020B0604020202020204" pitchFamily="34" charset="0"/>
+              </a:rPr>
               <a:t>b) in the case of each subsequent Contributor:</a:t>
             </a:r>
           </a:p>
           <a:p>
             <a:r>
-              <a:rPr lang="en-US" sz="1400" dirty="0"/>
+              <a:rPr lang="en-US" sz="1400" dirty="0">
+                <a:latin typeface="Arial" panose="020B0604020202020204" pitchFamily="34" charset="0"/>
+                <a:cs typeface="Arial" panose="020B0604020202020204" pitchFamily="34" charset="0"/>
+              </a:rPr>
               <a:t>    </a:t>
             </a:r>
             <a:r>
-              <a:rPr lang="en-US" sz="1400" dirty="0" err="1"/>
+              <a:rPr lang="en-US" sz="1400" dirty="0" err="1">
+                <a:latin typeface="Arial" panose="020B0604020202020204" pitchFamily="34" charset="0"/>
+                <a:cs typeface="Arial" panose="020B0604020202020204" pitchFamily="34" charset="0"/>
+              </a:rPr>
               <a:t>i</a:t>
             </a:r>
             <a:r>
-              <a:rPr lang="en-US" sz="1400" dirty="0"/>
+              <a:rPr lang="en-US" sz="1400" dirty="0">
+                <a:latin typeface="Arial" panose="020B0604020202020204" pitchFamily="34" charset="0"/>
+                <a:cs typeface="Arial" panose="020B0604020202020204" pitchFamily="34" charset="0"/>
+              </a:rPr>
               <a:t>) changes to the Program, and</a:t>
             </a:r>
           </a:p>
           <a:p>
             <a:r>
-              <a:rPr lang="en-US" sz="1400" dirty="0"/>
+              <a:rPr lang="en-US" sz="1400" dirty="0">
+                <a:latin typeface="Arial" panose="020B0604020202020204" pitchFamily="34" charset="0"/>
+                <a:cs typeface="Arial" panose="020B0604020202020204" pitchFamily="34" charset="0"/>
+              </a:rPr>
               <a:t>   ii) additions to the Program;</a:t>
             </a:r>
-            <a:endParaRPr lang="pt-BR" sz="1400" dirty="0"/>
+            <a:endParaRPr lang="pt-BR" sz="1400" dirty="0">
+              <a:latin typeface="Arial" panose="020B0604020202020204" pitchFamily="34" charset="0"/>
+              <a:cs typeface="Arial" panose="020B0604020202020204" pitchFamily="34" charset="0"/>
+            </a:endParaRPr>
           </a:p>
         </p:txBody>
       </p:sp>

--- a/Github-Projeto.pptx
+++ b/Github-Projeto.pptx
@@ -35,6 +35,7 @@
     <p:sldId id="284" r:id="rId29"/>
     <p:sldId id="285" r:id="rId30"/>
     <p:sldId id="286" r:id="rId31"/>
+    <p:sldId id="287" r:id="rId32"/>
   </p:sldIdLst>
   <p:sldSz cx="12192000" cy="6858000"/>
   <p:notesSz cx="6858000" cy="9144000"/>
@@ -2045,14 +2046,7 @@
                 <a:latin typeface="Arial" panose="020B0604020202020204" pitchFamily="34" charset="0"/>
                 <a:cs typeface="Arial" panose="020B0604020202020204" pitchFamily="34" charset="0"/>
               </a:rPr>
-              <a:t>      </a:t>
-            </a:r>
-            <a:r>
-              <a:rPr lang="en-US" sz="1400" dirty="0" smtClean="0">
-                <a:latin typeface="Arial" panose="020B0604020202020204" pitchFamily="34" charset="0"/>
-                <a:cs typeface="Arial" panose="020B0604020202020204" pitchFamily="34" charset="0"/>
-              </a:rPr>
-              <a:t>necessarily </a:t>
+              <a:t>      necessarily </a:t>
             </a:r>
             <a:r>
               <a:rPr lang="en-US" sz="1400" dirty="0">
@@ -2263,14 +2257,7 @@
                 <a:latin typeface="Arial" panose="020B0604020202020204" pitchFamily="34" charset="0"/>
                 <a:cs typeface="Arial" panose="020B0604020202020204" pitchFamily="34" charset="0"/>
               </a:rPr>
-              <a:t>       </a:t>
-            </a:r>
-            <a:r>
-              <a:rPr lang="en-US" sz="1400" dirty="0" smtClean="0">
-                <a:latin typeface="Arial" panose="020B0604020202020204" pitchFamily="34" charset="0"/>
-                <a:cs typeface="Arial" panose="020B0604020202020204" pitchFamily="34" charset="0"/>
-              </a:rPr>
-              <a:t>    </a:t>
+              <a:t>           </a:t>
             </a:r>
             <a:r>
               <a:rPr lang="en-US" sz="1400" dirty="0">
@@ -2535,14 +2522,7 @@
                 <a:latin typeface="Arial" panose="020B0604020202020204" pitchFamily="34" charset="0"/>
                 <a:cs typeface="Arial" panose="020B0604020202020204" pitchFamily="34" charset="0"/>
               </a:rPr>
-              <a:t>    </a:t>
-            </a:r>
-            <a:r>
-              <a:rPr lang="en-US" sz="1400" dirty="0" smtClean="0">
-                <a:latin typeface="Arial" panose="020B0604020202020204" pitchFamily="34" charset="0"/>
-                <a:cs typeface="Arial" panose="020B0604020202020204" pitchFamily="34" charset="0"/>
-              </a:rPr>
-              <a:t>     </a:t>
+              <a:t>         </a:t>
             </a:r>
             <a:r>
               <a:rPr lang="en-US" sz="1400" dirty="0">
@@ -2587,14 +2567,7 @@
                 <a:latin typeface="Arial" panose="020B0604020202020204" pitchFamily="34" charset="0"/>
                 <a:cs typeface="Arial" panose="020B0604020202020204" pitchFamily="34" charset="0"/>
               </a:rPr>
-              <a:t>    </a:t>
-            </a:r>
-            <a:r>
-              <a:rPr lang="en-US" sz="1400" dirty="0" smtClean="0">
-                <a:latin typeface="Arial" panose="020B0604020202020204" pitchFamily="34" charset="0"/>
-                <a:cs typeface="Arial" panose="020B0604020202020204" pitchFamily="34" charset="0"/>
-              </a:rPr>
-              <a:t>     </a:t>
+              <a:t>         </a:t>
             </a:r>
             <a:r>
               <a:rPr lang="en-US" sz="1400" dirty="0">
@@ -3231,14 +3204,7 @@
                 <a:latin typeface="Arial" panose="020B0604020202020204" pitchFamily="34" charset="0"/>
                 <a:cs typeface="Arial" panose="020B0604020202020204" pitchFamily="34" charset="0"/>
               </a:rPr>
-              <a:t>  </a:t>
-            </a:r>
-            <a:r>
-              <a:rPr lang="en-US" sz="1400" dirty="0">
-                <a:latin typeface="Arial" panose="020B0604020202020204" pitchFamily="34" charset="0"/>
-                <a:cs typeface="Arial" panose="020B0604020202020204" pitchFamily="34" charset="0"/>
-              </a:rPr>
-              <a:t>I</a:t>
+              <a:t>  I</a:t>
             </a:r>
             <a:r>
               <a:rPr lang="en-US" sz="1400" dirty="0" smtClean="0">
@@ -4882,21 +4848,33 @@
                 <a:latin typeface="Arial" panose="020B0604020202020204" pitchFamily="34" charset="0"/>
                 <a:cs typeface="Arial" panose="020B0604020202020204" pitchFamily="34" charset="0"/>
               </a:rPr>
-              <a:t>     </a:t>
-            </a:r>
+              <a:t>     and </a:t>
+            </a:r>
+            <a:r>
+              <a:rPr lang="en-US" dirty="0">
+                <a:latin typeface="Arial" panose="020B0604020202020204" pitchFamily="34" charset="0"/>
+                <a:cs typeface="Arial" panose="020B0604020202020204" pitchFamily="34" charset="0"/>
+              </a:rPr>
+              <a:t>distributing the Program and assumes all risks associated with its</a:t>
+            </a:r>
+          </a:p>
+          <a:p>
+            <a:pPr marL="0" indent="0">
+              <a:buNone/>
+            </a:pPr>
             <a:r>
               <a:rPr lang="en-US" dirty="0" smtClean="0">
                 <a:latin typeface="Arial" panose="020B0604020202020204" pitchFamily="34" charset="0"/>
                 <a:cs typeface="Arial" panose="020B0604020202020204" pitchFamily="34" charset="0"/>
               </a:rPr>
-              <a:t>and </a:t>
+              <a:t>      exercise </a:t>
             </a:r>
             <a:r>
               <a:rPr lang="en-US" dirty="0">
                 <a:latin typeface="Arial" panose="020B0604020202020204" pitchFamily="34" charset="0"/>
                 <a:cs typeface="Arial" panose="020B0604020202020204" pitchFamily="34" charset="0"/>
               </a:rPr>
-              <a:t>distributing the Program and assumes all risks associated with its</a:t>
+              <a:t>of rights under this Agreement , including but not limited to the</a:t>
             </a:r>
           </a:p>
           <a:p>
@@ -4908,14 +4886,14 @@
                 <a:latin typeface="Arial" panose="020B0604020202020204" pitchFamily="34" charset="0"/>
                 <a:cs typeface="Arial" panose="020B0604020202020204" pitchFamily="34" charset="0"/>
               </a:rPr>
-              <a:t>      exercise </a:t>
+              <a:t>      risks </a:t>
             </a:r>
             <a:r>
               <a:rPr lang="en-US" dirty="0">
                 <a:latin typeface="Arial" panose="020B0604020202020204" pitchFamily="34" charset="0"/>
                 <a:cs typeface="Arial" panose="020B0604020202020204" pitchFamily="34" charset="0"/>
               </a:rPr>
-              <a:t>of rights under this Agreement , including but not limited to the</a:t>
+              <a:t>and costs of program errors, compliance with applicable laws, damage to</a:t>
             </a:r>
           </a:p>
           <a:p>
@@ -4927,66 +4905,40 @@
                 <a:latin typeface="Arial" panose="020B0604020202020204" pitchFamily="34" charset="0"/>
                 <a:cs typeface="Arial" panose="020B0604020202020204" pitchFamily="34" charset="0"/>
               </a:rPr>
-              <a:t>      risks </a:t>
+              <a:t>      or </a:t>
             </a:r>
             <a:r>
               <a:rPr lang="en-US" dirty="0">
                 <a:latin typeface="Arial" panose="020B0604020202020204" pitchFamily="34" charset="0"/>
                 <a:cs typeface="Arial" panose="020B0604020202020204" pitchFamily="34" charset="0"/>
               </a:rPr>
-              <a:t>and costs of program errors, compliance with applicable laws, damage to</a:t>
-            </a:r>
-          </a:p>
-          <a:p>
-            <a:pPr marL="0" indent="0">
-              <a:buNone/>
-            </a:pPr>
+              <a:t>loss of data, programs or equipment, and unavailability or interruption </a:t>
+            </a:r>
             <a:r>
               <a:rPr lang="en-US" dirty="0" smtClean="0">
                 <a:latin typeface="Arial" panose="020B0604020202020204" pitchFamily="34" charset="0"/>
                 <a:cs typeface="Arial" panose="020B0604020202020204" pitchFamily="34" charset="0"/>
               </a:rPr>
-              <a:t>      or </a:t>
-            </a:r>
+              <a:t>of</a:t>
+            </a:r>
+          </a:p>
+          <a:p>
+            <a:pPr marL="0" indent="0">
+              <a:buNone/>
+            </a:pPr>
             <a:r>
               <a:rPr lang="en-US" dirty="0">
                 <a:latin typeface="Arial" panose="020B0604020202020204" pitchFamily="34" charset="0"/>
                 <a:cs typeface="Arial" panose="020B0604020202020204" pitchFamily="34" charset="0"/>
               </a:rPr>
-              <a:t>loss of data, programs or equipment, and unavailability or interruption </a:t>
+              <a:t> </a:t>
             </a:r>
             <a:r>
               <a:rPr lang="en-US" dirty="0" smtClean="0">
                 <a:latin typeface="Arial" panose="020B0604020202020204" pitchFamily="34" charset="0"/>
                 <a:cs typeface="Arial" panose="020B0604020202020204" pitchFamily="34" charset="0"/>
               </a:rPr>
-              <a:t>of</a:t>
-            </a:r>
-          </a:p>
-          <a:p>
-            <a:pPr marL="0" indent="0">
-              <a:buNone/>
-            </a:pPr>
-            <a:r>
-              <a:rPr lang="en-US" dirty="0">
-                <a:latin typeface="Arial" panose="020B0604020202020204" pitchFamily="34" charset="0"/>
-                <a:cs typeface="Arial" panose="020B0604020202020204" pitchFamily="34" charset="0"/>
-              </a:rPr>
-              <a:t> </a:t>
-            </a:r>
-            <a:r>
-              <a:rPr lang="en-US" dirty="0" smtClean="0">
-                <a:latin typeface="Arial" panose="020B0604020202020204" pitchFamily="34" charset="0"/>
-                <a:cs typeface="Arial" panose="020B0604020202020204" pitchFamily="34" charset="0"/>
-              </a:rPr>
-              <a:t>     </a:t>
-            </a:r>
-            <a:r>
-              <a:rPr lang="en-US" dirty="0" smtClean="0">
-                <a:latin typeface="Arial" panose="020B0604020202020204" pitchFamily="34" charset="0"/>
-                <a:cs typeface="Arial" panose="020B0604020202020204" pitchFamily="34" charset="0"/>
-              </a:rPr>
-              <a:t>operations</a:t>
+              <a:t>     operations</a:t>
             </a:r>
             <a:r>
               <a:rPr lang="en-US" dirty="0">
@@ -5144,14 +5096,7 @@
                 <a:latin typeface="Arial" panose="020B0604020202020204" pitchFamily="34" charset="0"/>
                 <a:cs typeface="Arial" panose="020B0604020202020204" pitchFamily="34" charset="0"/>
               </a:rPr>
-              <a:t>     </a:t>
-            </a:r>
-            <a:r>
-              <a:rPr lang="en-US" dirty="0" smtClean="0">
-                <a:latin typeface="Arial" panose="020B0604020202020204" pitchFamily="34" charset="0"/>
-                <a:cs typeface="Arial" panose="020B0604020202020204" pitchFamily="34" charset="0"/>
-              </a:rPr>
-              <a:t>LIMITATION</a:t>
+              <a:t>     LIMITATION</a:t>
             </a:r>
             <a:endParaRPr lang="en-US" dirty="0">
               <a:latin typeface="Arial" panose="020B0604020202020204" pitchFamily="34" charset="0"/>
@@ -5193,14 +5138,7 @@
                 <a:latin typeface="Arial" panose="020B0604020202020204" pitchFamily="34" charset="0"/>
                 <a:cs typeface="Arial" panose="020B0604020202020204" pitchFamily="34" charset="0"/>
               </a:rPr>
-              <a:t>     </a:t>
-            </a:r>
-            <a:r>
-              <a:rPr lang="en-US" dirty="0" smtClean="0">
-                <a:latin typeface="Arial" panose="020B0604020202020204" pitchFamily="34" charset="0"/>
-                <a:cs typeface="Arial" panose="020B0604020202020204" pitchFamily="34" charset="0"/>
-              </a:rPr>
-              <a:t>CONTRACT</a:t>
+              <a:t>     CONTRACT</a:t>
             </a:r>
             <a:r>
               <a:rPr lang="en-US" dirty="0">
@@ -5268,14 +5206,7 @@
                 <a:latin typeface="Arial" panose="020B0604020202020204" pitchFamily="34" charset="0"/>
                 <a:cs typeface="Arial" panose="020B0604020202020204" pitchFamily="34" charset="0"/>
               </a:rPr>
-              <a:t>     </a:t>
-            </a:r>
-            <a:r>
-              <a:rPr lang="en-US" dirty="0" smtClean="0">
-                <a:latin typeface="Arial" panose="020B0604020202020204" pitchFamily="34" charset="0"/>
-                <a:cs typeface="Arial" panose="020B0604020202020204" pitchFamily="34" charset="0"/>
-              </a:rPr>
-              <a:t>POSSIBILITY</a:t>
+              <a:t>     POSSIBILITY</a:t>
             </a:r>
             <a:endParaRPr lang="en-US" dirty="0">
               <a:latin typeface="Arial" panose="020B0604020202020204" pitchFamily="34" charset="0"/>
@@ -5298,14 +5229,7 @@
                 <a:latin typeface="Arial" panose="020B0604020202020204" pitchFamily="34" charset="0"/>
                 <a:cs typeface="Arial" panose="020B0604020202020204" pitchFamily="34" charset="0"/>
               </a:rPr>
-              <a:t>     </a:t>
-            </a:r>
-            <a:r>
-              <a:rPr lang="en-US" dirty="0" smtClean="0">
-                <a:latin typeface="Arial" panose="020B0604020202020204" pitchFamily="34" charset="0"/>
-                <a:cs typeface="Arial" panose="020B0604020202020204" pitchFamily="34" charset="0"/>
-              </a:rPr>
-              <a:t>OF </a:t>
+              <a:t>     OF </a:t>
             </a:r>
             <a:r>
               <a:rPr lang="en-US" dirty="0">
@@ -6283,14 +6207,7 @@
                 <a:latin typeface="Arial" panose="020B0604020202020204" pitchFamily="34" charset="0"/>
                 <a:cs typeface="Arial" panose="020B0604020202020204" pitchFamily="34" charset="0"/>
               </a:rPr>
-              <a:t>      </a:t>
-            </a:r>
-            <a:r>
-              <a:rPr lang="en-US" sz="1400" dirty="0" smtClean="0">
-                <a:latin typeface="Arial" panose="020B0604020202020204" pitchFamily="34" charset="0"/>
-                <a:cs typeface="Arial" panose="020B0604020202020204" pitchFamily="34" charset="0"/>
-              </a:rPr>
-              <a:t>Program </a:t>
+              <a:t>      Program </a:t>
             </a:r>
             <a:r>
               <a:rPr lang="en-US" sz="1400" dirty="0">
@@ -6548,6 +6465,70 @@
       </p:par>
     </p:tnLst>
   </p:timing>
+</p:sld>
+</file>
+
+<file path=ppt/slides/slide31.xml><?xml version="1.0" encoding="utf-8"?>
+<p:sld xmlns:a="http://schemas.openxmlformats.org/drawingml/2006/main" xmlns:r="http://schemas.openxmlformats.org/officeDocument/2006/relationships" xmlns:p="http://schemas.openxmlformats.org/presentationml/2006/main">
+  <p:cSld>
+    <p:spTree>
+      <p:nvGrpSpPr>
+        <p:cNvPr id="1" name=""/>
+        <p:cNvGrpSpPr/>
+        <p:nvPr/>
+      </p:nvGrpSpPr>
+      <p:grpSpPr>
+        <a:xfrm>
+          <a:off x="0" y="0"/>
+          <a:ext cx="0" cy="0"/>
+          <a:chOff x="0" y="0"/>
+          <a:chExt cx="0" cy="0"/>
+        </a:xfrm>
+      </p:grpSpPr>
+      <p:sp>
+        <p:nvSpPr>
+          <p:cNvPr id="3" name="Espaço Reservado para Conteúdo 2"/>
+          <p:cNvSpPr>
+            <a:spLocks noGrp="1"/>
+          </p:cNvSpPr>
+          <p:nvPr>
+            <p:ph idx="1"/>
+          </p:nvPr>
+        </p:nvSpPr>
+        <p:spPr/>
+        <p:txBody>
+          <a:bodyPr>
+            <a:normAutofit/>
+          </a:bodyPr>
+          <a:lstStyle/>
+          <a:p>
+            <a:pPr marL="0" indent="0" algn="ctr">
+              <a:buNone/>
+            </a:pPr>
+            <a:r>
+              <a:rPr lang="pt-BR" sz="6000" b="1" dirty="0" smtClean="0">
+                <a:latin typeface="Arial" panose="020B0604020202020204" pitchFamily="34" charset="0"/>
+                <a:cs typeface="Arial" panose="020B0604020202020204" pitchFamily="34" charset="0"/>
+              </a:rPr>
+              <a:t>OBRIGADO!!</a:t>
+            </a:r>
+            <a:endParaRPr lang="pt-BR" sz="6000" b="1" dirty="0">
+              <a:latin typeface="Arial" panose="020B0604020202020204" pitchFamily="34" charset="0"/>
+              <a:cs typeface="Arial" panose="020B0604020202020204" pitchFamily="34" charset="0"/>
+            </a:endParaRPr>
+          </a:p>
+        </p:txBody>
+      </p:sp>
+    </p:spTree>
+    <p:extLst>
+      <p:ext uri="{BB962C8B-B14F-4D97-AF65-F5344CB8AC3E}">
+        <p14:creationId xmlns:p14="http://schemas.microsoft.com/office/powerpoint/2010/main" val="1535822049"/>
+      </p:ext>
+    </p:extLst>
+  </p:cSld>
+  <p:clrMapOvr>
+    <a:masterClrMapping/>
+  </p:clrMapOvr>
 </p:sld>
 </file>
 

--- a/Github-Projeto.pptx
+++ b/Github-Projeto.pptx
@@ -7204,8 +7204,8 @@
         </p:nvSpPr>
         <p:spPr>
           <a:xfrm>
-            <a:off x="684212" y="1879371"/>
-            <a:ext cx="8534400" cy="4285641"/>
+            <a:off x="684212" y="1754111"/>
+            <a:ext cx="8534400" cy="4333538"/>
           </a:xfrm>
         </p:spPr>
         <p:txBody>
@@ -7214,12 +7214,34 @@
           </a:bodyPr>
           <a:lstStyle/>
           <a:p>
-            <a:r>
-              <a:rPr lang="en-US" sz="1400" dirty="0">
-                <a:latin typeface="Arial" panose="020B0604020202020204" pitchFamily="34" charset="0"/>
-                <a:cs typeface="Arial" panose="020B0604020202020204" pitchFamily="34" charset="0"/>
-              </a:rPr>
-              <a:t>THE ACCOMPANYING PROGRAM IS PROVIDED UNDER THE TERMS OF THIS ECLIPSE PUBLIC</a:t>
+            <a:endParaRPr lang="en-US" sz="1400" dirty="0" smtClean="0">
+              <a:latin typeface="Arial" panose="020B0604020202020204" pitchFamily="34" charset="0"/>
+              <a:cs typeface="Arial" panose="020B0604020202020204" pitchFamily="34" charset="0"/>
+            </a:endParaRPr>
+          </a:p>
+          <a:p>
+            <a:r>
+              <a:rPr lang="en-US" sz="1400" dirty="0">
+                <a:latin typeface="Arial" panose="020B0604020202020204" pitchFamily="34" charset="0"/>
+                <a:cs typeface="Arial" panose="020B0604020202020204" pitchFamily="34" charset="0"/>
+              </a:rPr>
+              <a:t>Eclipse Public License - v 1.0</a:t>
+            </a:r>
+          </a:p>
+          <a:p>
+            <a:r>
+              <a:rPr lang="en-US" sz="1400" dirty="0" smtClean="0">
+                <a:latin typeface="Arial" panose="020B0604020202020204" pitchFamily="34" charset="0"/>
+                <a:cs typeface="Arial" panose="020B0604020202020204" pitchFamily="34" charset="0"/>
+              </a:rPr>
+              <a:t>THE </a:t>
+            </a:r>
+            <a:r>
+              <a:rPr lang="en-US" sz="1400" dirty="0">
+                <a:latin typeface="Arial" panose="020B0604020202020204" pitchFamily="34" charset="0"/>
+                <a:cs typeface="Arial" panose="020B0604020202020204" pitchFamily="34" charset="0"/>
+              </a:rPr>
+              <a:t>ACCOMPANYING PROGRAM IS PROVIDED UNDER THE TERMS OF THIS ECLIPSE PUBLIC</a:t>
             </a:r>
           </a:p>
           <a:p>
